--- a/extra/Presentations/2014-08-14-PM_Ashley_Lecture3.pptx
+++ b/extra/Presentations/2014-08-14-PM_Ashley_Lecture3.pptx
@@ -5,7 +5,7 @@
     <p:sldMasterId id="2147483648" r:id="rId1"/>
   </p:sldMasterIdLst>
   <p:notesMasterIdLst>
-    <p:notesMasterId r:id="rId17"/>
+    <p:notesMasterId r:id="rId18"/>
   </p:notesMasterIdLst>
   <p:sldIdLst>
     <p:sldId id="256" r:id="rId2"/>
@@ -14,15 +14,16 @@
     <p:sldId id="259" r:id="rId5"/>
     <p:sldId id="260" r:id="rId6"/>
     <p:sldId id="261" r:id="rId7"/>
-    <p:sldId id="262" r:id="rId8"/>
-    <p:sldId id="263" r:id="rId9"/>
-    <p:sldId id="264" r:id="rId10"/>
-    <p:sldId id="265" r:id="rId11"/>
-    <p:sldId id="266" r:id="rId12"/>
-    <p:sldId id="267" r:id="rId13"/>
-    <p:sldId id="268" r:id="rId14"/>
-    <p:sldId id="269" r:id="rId15"/>
-    <p:sldId id="270" r:id="rId16"/>
+    <p:sldId id="273" r:id="rId8"/>
+    <p:sldId id="264" r:id="rId9"/>
+    <p:sldId id="265" r:id="rId10"/>
+    <p:sldId id="266" r:id="rId11"/>
+    <p:sldId id="267" r:id="rId12"/>
+    <p:sldId id="268" r:id="rId13"/>
+    <p:sldId id="275" r:id="rId14"/>
+    <p:sldId id="276" r:id="rId15"/>
+    <p:sldId id="269" r:id="rId16"/>
+    <p:sldId id="270" r:id="rId17"/>
   </p:sldIdLst>
   <p:sldSz cx="9144000" cy="6858000" type="screen4x3"/>
   <p:notesSz cx="6858000" cy="9144000"/>
@@ -493,90 +494,6 @@
       </p:grpSpPr>
       <p:sp>
         <p:nvSpPr>
-          <p:cNvPr id="7" name="Rectangle 7"/>
-          <p:cNvSpPr>
-            <a:spLocks noGrp="1" noChangeArrowheads="1"/>
-          </p:cNvSpPr>
-          <p:nvPr>
-            <p:ph type="sldNum" sz="quarter" idx="5"/>
-          </p:nvPr>
-        </p:nvSpPr>
-        <p:spPr>
-          <a:ln/>
-        </p:spPr>
-        <p:txBody>
-          <a:bodyPr/>
-          <a:lstStyle/>
-          <a:p>
-            <a:fld id="{0142FEFA-74A9-CC4C-AEA2-59B14F30A319}" type="slidenum">
-              <a:rPr lang="en-US"/>
-              <a:pPr/>
-              <a:t>7</a:t>
-            </a:fld>
-            <a:endParaRPr lang="en-US"/>
-          </a:p>
-        </p:txBody>
-      </p:sp>
-      <p:sp>
-        <p:nvSpPr>
-          <p:cNvPr id="48130" name="Rectangle 2"/>
-          <p:cNvSpPr>
-            <a:spLocks noGrp="1" noRot="1" noChangeAspect="1" noChangeArrowheads="1" noTextEdit="1"/>
-          </p:cNvSpPr>
-          <p:nvPr>
-            <p:ph type="sldImg"/>
-          </p:nvPr>
-        </p:nvSpPr>
-        <p:spPr>
-          <a:ln/>
-        </p:spPr>
-      </p:sp>
-      <p:sp>
-        <p:nvSpPr>
-          <p:cNvPr id="48131" name="Rectangle 3"/>
-          <p:cNvSpPr>
-            <a:spLocks noGrp="1" noChangeArrowheads="1"/>
-          </p:cNvSpPr>
-          <p:nvPr>
-            <p:ph type="body" idx="1"/>
-          </p:nvPr>
-        </p:nvSpPr>
-        <p:spPr/>
-        <p:txBody>
-          <a:bodyPr/>
-          <a:lstStyle/>
-          <a:p>
-            <a:endParaRPr lang="en-US"/>
-          </a:p>
-        </p:txBody>
-      </p:sp>
-    </p:spTree>
-  </p:cSld>
-  <p:clrMapOvr>
-    <a:masterClrMapping/>
-  </p:clrMapOvr>
-</p:notes>
-</file>
-
-<file path=ppt/notesSlides/notesSlide2.xml><?xml version="1.0" encoding="utf-8"?>
-<p:notes xmlns:a="http://schemas.openxmlformats.org/drawingml/2006/main" xmlns:r="http://schemas.openxmlformats.org/officeDocument/2006/relationships" xmlns:p="http://schemas.openxmlformats.org/presentationml/2006/main">
-  <p:cSld>
-    <p:spTree>
-      <p:nvGrpSpPr>
-        <p:cNvPr id="1" name=""/>
-        <p:cNvGrpSpPr/>
-        <p:nvPr/>
-      </p:nvGrpSpPr>
-      <p:grpSpPr>
-        <a:xfrm>
-          <a:off x="0" y="0"/>
-          <a:ext cx="0" cy="0"/>
-          <a:chOff x="0" y="0"/>
-          <a:chExt cx="0" cy="0"/>
-        </a:xfrm>
-      </p:grpSpPr>
-      <p:sp>
-        <p:nvSpPr>
           <p:cNvPr id="2" name="Slide Image Placeholder 1"/>
           <p:cNvSpPr>
             <a:spLocks noGrp="1" noRot="1" noChangeAspect="1"/>
@@ -638,7 +555,7 @@
             <a:fld id="{43616232-A470-E74E-B12E-3A764DD7731E}" type="slidenum">
               <a:rPr lang="en-US" smtClean="0"/>
               <a:pPr/>
-              <a:t>10</a:t>
+              <a:t>9</a:t>
             </a:fld>
             <a:endParaRPr lang="en-US"/>
           </a:p>
@@ -652,7 +569,7 @@
 </p:notes>
 </file>
 
-<file path=ppt/notesSlides/notesSlide3.xml><?xml version="1.0" encoding="utf-8"?>
+<file path=ppt/notesSlides/notesSlide2.xml><?xml version="1.0" encoding="utf-8"?>
 <p:notes xmlns:a="http://schemas.openxmlformats.org/drawingml/2006/main" xmlns:r="http://schemas.openxmlformats.org/officeDocument/2006/relationships" xmlns:p="http://schemas.openxmlformats.org/presentationml/2006/main">
   <p:cSld>
     <p:spTree>
@@ -689,7 +606,7 @@
             <a:fld id="{61FF6B20-08E3-C34F-9D3D-44721ECFB91D}" type="slidenum">
               <a:rPr lang="en-US"/>
               <a:pPr/>
-              <a:t>12</a:t>
+              <a:t>11</a:t>
             </a:fld>
             <a:endParaRPr lang="en-US"/>
           </a:p>
@@ -736,7 +653,7 @@
 </p:notes>
 </file>
 
-<file path=ppt/notesSlides/notesSlide4.xml><?xml version="1.0" encoding="utf-8"?>
+<file path=ppt/notesSlides/notesSlide3.xml><?xml version="1.0" encoding="utf-8"?>
 <p:notes xmlns:a="http://schemas.openxmlformats.org/drawingml/2006/main" xmlns:r="http://schemas.openxmlformats.org/officeDocument/2006/relationships" xmlns:p="http://schemas.openxmlformats.org/presentationml/2006/main">
   <p:cSld>
     <p:spTree>
@@ -824,7 +741,7 @@
             <a:fld id="{C28B71E7-92B4-164F-AD48-DD0E5A706B0C}" type="slidenum">
               <a:rPr lang="en-US" smtClean="0"/>
               <a:pPr/>
-              <a:t>15</a:t>
+              <a:t>16</a:t>
             </a:fld>
             <a:endParaRPr lang="en-US"/>
           </a:p>
@@ -4262,1586 +4179,17 @@
   <p:clrMapOvr>
     <a:masterClrMapping/>
   </p:clrMapOvr>
+  <p:timing>
+    <p:tnLst>
+      <p:par>
+        <p:cTn xmlns:p14="http://schemas.microsoft.com/office/powerpoint/2010/main" id="1" dur="indefinite" restart="never" nodeType="tmRoot"/>
+      </p:par>
+    </p:tnLst>
+  </p:timing>
 </p:sld>
 </file>
 
 <file path=ppt/slides/slide10.xml><?xml version="1.0" encoding="utf-8"?>
-<p:sld xmlns:a="http://schemas.openxmlformats.org/drawingml/2006/main" xmlns:r="http://schemas.openxmlformats.org/officeDocument/2006/relationships" xmlns:p="http://schemas.openxmlformats.org/presentationml/2006/main">
-  <p:cSld>
-    <p:spTree>
-      <p:nvGrpSpPr>
-        <p:cNvPr id="1" name=""/>
-        <p:cNvGrpSpPr/>
-        <p:nvPr/>
-      </p:nvGrpSpPr>
-      <p:grpSpPr>
-        <a:xfrm>
-          <a:off x="0" y="0"/>
-          <a:ext cx="0" cy="0"/>
-          <a:chOff x="0" y="0"/>
-          <a:chExt cx="0" cy="0"/>
-        </a:xfrm>
-      </p:grpSpPr>
-      <p:sp>
-        <p:nvSpPr>
-          <p:cNvPr id="2" name="Title 1"/>
-          <p:cNvSpPr>
-            <a:spLocks noGrp="1"/>
-          </p:cNvSpPr>
-          <p:nvPr>
-            <p:ph type="title"/>
-          </p:nvPr>
-        </p:nvSpPr>
-        <p:spPr>
-          <a:xfrm>
-            <a:off x="685800" y="252390"/>
-            <a:ext cx="7772400" cy="1143000"/>
-          </a:xfrm>
-        </p:spPr>
-        <p:txBody>
-          <a:bodyPr/>
-          <a:lstStyle/>
-          <a:p>
-            <a:r>
-              <a:rPr lang="en-US" dirty="0" smtClean="0"/>
-              <a:t>Making a Resemblance Matrix</a:t>
-            </a:r>
-            <a:endParaRPr lang="en-US" dirty="0"/>
-          </a:p>
-        </p:txBody>
-      </p:sp>
-      <p:graphicFrame>
-        <p:nvGraphicFramePr>
-          <p:cNvPr id="5" name="Table 4"/>
-          <p:cNvGraphicFramePr>
-            <a:graphicFrameLocks noGrp="1" noChangeAspect="1"/>
-          </p:cNvGraphicFramePr>
-          <p:nvPr/>
-        </p:nvGraphicFramePr>
-        <p:xfrm>
-          <a:off x="2505141" y="1633530"/>
-          <a:ext cx="6096000" cy="1483360"/>
-        </p:xfrm>
-        <a:graphic>
-          <a:graphicData uri="http://schemas.openxmlformats.org/drawingml/2006/table">
-            <a:tbl>
-              <a:tblPr firstRow="1" bandRow="1">
-                <a:tableStyleId>{1FECB4D8-DB02-4DC6-A0A2-4F2EBAE1DC90}</a:tableStyleId>
-              </a:tblPr>
-              <a:tblGrid>
-                <a:gridCol w="1524000"/>
-                <a:gridCol w="1524000"/>
-                <a:gridCol w="1524000"/>
-                <a:gridCol w="1524000"/>
-              </a:tblGrid>
-              <a:tr h="370840">
-                <a:tc>
-                  <a:txBody>
-                    <a:bodyPr/>
-                    <a:lstStyle/>
-                    <a:p>
-                      <a:endParaRPr lang="en-US" dirty="0"/>
-                    </a:p>
-                  </a:txBody>
-                  <a:tcPr/>
-                </a:tc>
-                <a:tc>
-                  <a:txBody>
-                    <a:bodyPr/>
-                    <a:lstStyle/>
-                    <a:p>
-                      <a:r>
-                        <a:rPr lang="en-US" dirty="0" smtClean="0"/>
-                        <a:t>Caterpillar</a:t>
-                      </a:r>
-                      <a:r>
-                        <a:rPr lang="en-US" baseline="0" dirty="0" smtClean="0"/>
-                        <a:t> 1</a:t>
-                      </a:r>
-                      <a:endParaRPr lang="en-US" dirty="0"/>
-                    </a:p>
-                  </a:txBody>
-                  <a:tcPr/>
-                </a:tc>
-                <a:tc>
-                  <a:txBody>
-                    <a:bodyPr/>
-                    <a:lstStyle/>
-                    <a:p>
-                      <a:r>
-                        <a:rPr lang="en-US" dirty="0" smtClean="0"/>
-                        <a:t>Caterpillar</a:t>
-                      </a:r>
-                      <a:r>
-                        <a:rPr lang="en-US" baseline="0" dirty="0" smtClean="0"/>
-                        <a:t> 2</a:t>
-                      </a:r>
-                      <a:endParaRPr lang="en-US" dirty="0"/>
-                    </a:p>
-                  </a:txBody>
-                  <a:tcPr/>
-                </a:tc>
-                <a:tc>
-                  <a:txBody>
-                    <a:bodyPr/>
-                    <a:lstStyle/>
-                    <a:p>
-                      <a:r>
-                        <a:rPr lang="en-US" dirty="0" smtClean="0"/>
-                        <a:t>Caterpillar</a:t>
-                      </a:r>
-                      <a:r>
-                        <a:rPr lang="en-US" baseline="0" dirty="0" smtClean="0"/>
-                        <a:t> 3</a:t>
-                      </a:r>
-                      <a:endParaRPr lang="en-US" dirty="0"/>
-                    </a:p>
-                  </a:txBody>
-                  <a:tcPr/>
-                </a:tc>
-              </a:tr>
-              <a:tr h="370840">
-                <a:tc>
-                  <a:txBody>
-                    <a:bodyPr/>
-                    <a:lstStyle/>
-                    <a:p>
-                      <a:r>
-                        <a:rPr lang="en-US" i="1" dirty="0" smtClean="0"/>
-                        <a:t>OTU  1</a:t>
-                      </a:r>
-                      <a:endParaRPr lang="en-US" i="1" dirty="0"/>
-                    </a:p>
-                  </a:txBody>
-                  <a:tcPr/>
-                </a:tc>
-                <a:tc>
-                  <a:txBody>
-                    <a:bodyPr/>
-                    <a:lstStyle/>
-                    <a:p>
-                      <a:r>
-                        <a:rPr lang="en-US" dirty="0" smtClean="0"/>
-                        <a:t>0</a:t>
-                      </a:r>
-                      <a:endParaRPr lang="en-US" dirty="0"/>
-                    </a:p>
-                  </a:txBody>
-                  <a:tcPr/>
-                </a:tc>
-                <a:tc>
-                  <a:txBody>
-                    <a:bodyPr/>
-                    <a:lstStyle/>
-                    <a:p>
-                      <a:r>
-                        <a:rPr lang="en-US" dirty="0" smtClean="0"/>
-                        <a:t>0.966</a:t>
-                      </a:r>
-                      <a:endParaRPr lang="en-US" dirty="0"/>
-                    </a:p>
-                  </a:txBody>
-                  <a:tcPr/>
-                </a:tc>
-                <a:tc>
-                  <a:txBody>
-                    <a:bodyPr/>
-                    <a:lstStyle/>
-                    <a:p>
-                      <a:r>
-                        <a:rPr lang="en-US" dirty="0" smtClean="0"/>
-                        <a:t>0.179</a:t>
-                      </a:r>
-                      <a:endParaRPr lang="en-US" dirty="0"/>
-                    </a:p>
-                  </a:txBody>
-                  <a:tcPr/>
-                </a:tc>
-              </a:tr>
-              <a:tr h="370840">
-                <a:tc>
-                  <a:txBody>
-                    <a:bodyPr/>
-                    <a:lstStyle/>
-                    <a:p>
-                      <a:r>
-                        <a:rPr lang="en-US" i="1" dirty="0" smtClean="0"/>
-                        <a:t>OTU  3</a:t>
-                      </a:r>
-                      <a:endParaRPr lang="en-US" i="1" dirty="0"/>
-                    </a:p>
-                  </a:txBody>
-                  <a:tcPr/>
-                </a:tc>
-                <a:tc>
-                  <a:txBody>
-                    <a:bodyPr/>
-                    <a:lstStyle/>
-                    <a:p>
-                      <a:r>
-                        <a:rPr lang="en-US" dirty="0" smtClean="0"/>
-                        <a:t>0.047</a:t>
-                      </a:r>
-                      <a:endParaRPr lang="en-US" dirty="0"/>
-                    </a:p>
-                  </a:txBody>
-                  <a:tcPr/>
-                </a:tc>
-                <a:tc>
-                  <a:txBody>
-                    <a:bodyPr/>
-                    <a:lstStyle/>
-                    <a:p>
-                      <a:r>
-                        <a:rPr lang="en-US" dirty="0" smtClean="0"/>
-                        <a:t>0.002</a:t>
-                      </a:r>
-                      <a:endParaRPr lang="en-US" dirty="0"/>
-                    </a:p>
-                  </a:txBody>
-                  <a:tcPr/>
-                </a:tc>
-                <a:tc>
-                  <a:txBody>
-                    <a:bodyPr/>
-                    <a:lstStyle/>
-                    <a:p>
-                      <a:r>
-                        <a:rPr lang="en-US" dirty="0" smtClean="0"/>
-                        <a:t>0.039</a:t>
-                      </a:r>
-                      <a:endParaRPr lang="en-US" dirty="0"/>
-                    </a:p>
-                  </a:txBody>
-                  <a:tcPr/>
-                </a:tc>
-              </a:tr>
-              <a:tr h="370840">
-                <a:tc>
-                  <a:txBody>
-                    <a:bodyPr/>
-                    <a:lstStyle/>
-                    <a:p>
-                      <a:pPr marL="0" marR="0" indent="0" algn="l" defTabSz="457200" rtl="0" eaLnBrk="1" fontAlgn="auto" latinLnBrk="0" hangingPunct="1">
-                        <a:lnSpc>
-                          <a:spcPct val="100000"/>
-                        </a:lnSpc>
-                        <a:spcBef>
-                          <a:spcPts val="0"/>
-                        </a:spcBef>
-                        <a:spcAft>
-                          <a:spcPts val="0"/>
-                        </a:spcAft>
-                        <a:buClrTx/>
-                        <a:buSzTx/>
-                        <a:buFontTx/>
-                        <a:buNone/>
-                        <a:tabLst/>
-                        <a:defRPr/>
-                      </a:pPr>
-                      <a:r>
-                        <a:rPr lang="en-US" i="1" dirty="0" smtClean="0"/>
-                        <a:t>OTU  3</a:t>
-                      </a:r>
-                    </a:p>
-                  </a:txBody>
-                  <a:tcPr/>
-                </a:tc>
-                <a:tc>
-                  <a:txBody>
-                    <a:bodyPr/>
-                    <a:lstStyle/>
-                    <a:p>
-                      <a:r>
-                        <a:rPr lang="en-US" dirty="0" smtClean="0"/>
-                        <a:t>0.953</a:t>
-                      </a:r>
-                      <a:endParaRPr lang="en-US" dirty="0"/>
-                    </a:p>
-                  </a:txBody>
-                  <a:tcPr/>
-                </a:tc>
-                <a:tc>
-                  <a:txBody>
-                    <a:bodyPr/>
-                    <a:lstStyle/>
-                    <a:p>
-                      <a:r>
-                        <a:rPr lang="en-US" dirty="0" smtClean="0"/>
-                        <a:t>0.032</a:t>
-                      </a:r>
-                      <a:endParaRPr lang="en-US" dirty="0"/>
-                    </a:p>
-                  </a:txBody>
-                  <a:tcPr/>
-                </a:tc>
-                <a:tc>
-                  <a:txBody>
-                    <a:bodyPr/>
-                    <a:lstStyle/>
-                    <a:p>
-                      <a:r>
-                        <a:rPr lang="en-US" dirty="0" smtClean="0"/>
-                        <a:t>0.782</a:t>
-                      </a:r>
-                      <a:endParaRPr lang="en-US" dirty="0"/>
-                    </a:p>
-                  </a:txBody>
-                  <a:tcPr/>
-                </a:tc>
-              </a:tr>
-            </a:tbl>
-          </a:graphicData>
-        </a:graphic>
-      </p:graphicFrame>
-      <p:sp>
-        <p:nvSpPr>
-          <p:cNvPr id="6" name="TextBox 5"/>
-          <p:cNvSpPr txBox="1"/>
-          <p:nvPr/>
-        </p:nvSpPr>
-        <p:spPr>
-          <a:xfrm>
-            <a:off x="85740" y="1633530"/>
-            <a:ext cx="2221582" cy="646331"/>
-          </a:xfrm>
-          <a:prstGeom prst="rect">
-            <a:avLst/>
-          </a:prstGeom>
-          <a:noFill/>
-        </p:spPr>
-        <p:txBody>
-          <a:bodyPr wrap="square" rtlCol="0">
-            <a:spAutoFit/>
-          </a:bodyPr>
-          <a:lstStyle/>
-          <a:p>
-            <a:r>
-              <a:rPr lang="en-US" b="1" dirty="0" smtClean="0"/>
-              <a:t>1.  OTU table (usually </a:t>
-            </a:r>
-            <a:r>
-              <a:rPr lang="en-US" b="1" dirty="0" err="1" smtClean="0"/>
-              <a:t>relativized</a:t>
-            </a:r>
-            <a:r>
-              <a:rPr lang="en-US" b="1" dirty="0" smtClean="0"/>
-              <a:t>)</a:t>
-            </a:r>
-          </a:p>
-        </p:txBody>
-      </p:sp>
-      <p:sp>
-        <p:nvSpPr>
-          <p:cNvPr id="8" name="TextBox 7"/>
-          <p:cNvSpPr txBox="1"/>
-          <p:nvPr/>
-        </p:nvSpPr>
-        <p:spPr>
-          <a:xfrm>
-            <a:off x="527064" y="3481116"/>
-            <a:ext cx="2221582" cy="923330"/>
-          </a:xfrm>
-          <a:prstGeom prst="rect">
-            <a:avLst/>
-          </a:prstGeom>
-          <a:noFill/>
-        </p:spPr>
-        <p:txBody>
-          <a:bodyPr wrap="square" rtlCol="0">
-            <a:spAutoFit/>
-          </a:bodyPr>
-          <a:lstStyle/>
-          <a:p>
-            <a:r>
-              <a:rPr lang="en-US" b="1" dirty="0" smtClean="0"/>
-              <a:t>2.  Chose appropriate resemblance (</a:t>
-            </a:r>
-            <a:r>
-              <a:rPr lang="en-US" b="1" i="1" dirty="0" smtClean="0"/>
-              <a:t>e.g., </a:t>
-            </a:r>
-            <a:r>
-              <a:rPr lang="en-US" b="1" dirty="0" smtClean="0"/>
-              <a:t>Bray Curtis, </a:t>
-            </a:r>
-            <a:r>
-              <a:rPr lang="en-US" b="1" dirty="0" err="1" smtClean="0"/>
-              <a:t>Unifrac</a:t>
-            </a:r>
-            <a:r>
-              <a:rPr lang="en-US" b="1" dirty="0" smtClean="0"/>
-              <a:t>)</a:t>
-            </a:r>
-          </a:p>
-        </p:txBody>
-      </p:sp>
-      <p:sp>
-        <p:nvSpPr>
-          <p:cNvPr id="9" name="TextBox 8"/>
-          <p:cNvSpPr txBox="1"/>
-          <p:nvPr/>
-        </p:nvSpPr>
-        <p:spPr>
-          <a:xfrm>
-            <a:off x="1236238" y="5252231"/>
-            <a:ext cx="3024816" cy="1200329"/>
-          </a:xfrm>
-          <a:prstGeom prst="rect">
-            <a:avLst/>
-          </a:prstGeom>
-          <a:noFill/>
-        </p:spPr>
-        <p:txBody>
-          <a:bodyPr wrap="square" rtlCol="0">
-            <a:spAutoFit/>
-          </a:bodyPr>
-          <a:lstStyle/>
-          <a:p>
-            <a:r>
-              <a:rPr lang="en-US" b="1" dirty="0" smtClean="0"/>
-              <a:t>3.  Create a square (observation </a:t>
-            </a:r>
-            <a:r>
-              <a:rPr lang="en-US" b="1" dirty="0" err="1" smtClean="0"/>
-              <a:t>x</a:t>
-            </a:r>
-            <a:r>
-              <a:rPr lang="en-US" b="1" dirty="0" smtClean="0"/>
-              <a:t> observation) resemblance matrix from pair-wise comparisons.</a:t>
-            </a:r>
-          </a:p>
-        </p:txBody>
-      </p:sp>
-      <p:graphicFrame>
-        <p:nvGraphicFramePr>
-          <p:cNvPr id="10" name="Table 9"/>
-          <p:cNvGraphicFramePr>
-            <a:graphicFrameLocks noGrp="1"/>
-          </p:cNvGraphicFramePr>
-          <p:nvPr/>
-        </p:nvGraphicFramePr>
-        <p:xfrm>
-          <a:off x="4039979" y="4024540"/>
-          <a:ext cx="4968427" cy="2560320"/>
-        </p:xfrm>
-        <a:graphic>
-          <a:graphicData uri="http://schemas.openxmlformats.org/drawingml/2006/table">
-            <a:tbl>
-              <a:tblPr firstRow="1" bandRow="1">
-                <a:tableStyleId>{1FECB4D8-DB02-4DC6-A0A2-4F2EBAE1DC90}</a:tableStyleId>
-              </a:tblPr>
-              <a:tblGrid>
-                <a:gridCol w="1242107"/>
-                <a:gridCol w="1208198"/>
-                <a:gridCol w="1228352"/>
-                <a:gridCol w="1289770"/>
-              </a:tblGrid>
-              <a:tr h="370840">
-                <a:tc>
-                  <a:txBody>
-                    <a:bodyPr/>
-                    <a:lstStyle/>
-                    <a:p>
-                      <a:endParaRPr lang="en-US" dirty="0"/>
-                    </a:p>
-                  </a:txBody>
-                  <a:tcPr>
-                    <a:lnL w="12700" cap="flat" cmpd="sng" algn="ctr">
-                      <a:solidFill>
-                        <a:srgbClr val="7F7F7F"/>
-                      </a:solidFill>
-                      <a:prstDash val="solid"/>
-                      <a:round/>
-                      <a:headEnd type="none" w="med" len="med"/>
-                      <a:tailEnd type="none" w="med" len="med"/>
-                    </a:lnL>
-                    <a:lnR w="12700" cap="flat" cmpd="sng" algn="ctr">
-                      <a:solidFill>
-                        <a:srgbClr val="7F7F7F"/>
-                      </a:solidFill>
-                      <a:prstDash val="solid"/>
-                      <a:round/>
-                      <a:headEnd type="none" w="med" len="med"/>
-                      <a:tailEnd type="none" w="med" len="med"/>
-                    </a:lnR>
-                    <a:lnT w="12700" cap="flat" cmpd="sng" algn="ctr">
-                      <a:solidFill>
-                        <a:srgbClr val="7F7F7F"/>
-                      </a:solidFill>
-                      <a:prstDash val="solid"/>
-                      <a:round/>
-                      <a:headEnd type="none" w="med" len="med"/>
-                      <a:tailEnd type="none" w="med" len="med"/>
-                    </a:lnT>
-                    <a:lnB w="12700" cap="flat" cmpd="sng" algn="ctr">
-                      <a:solidFill>
-                        <a:srgbClr val="7F7F7F"/>
-                      </a:solidFill>
-                      <a:prstDash val="solid"/>
-                      <a:round/>
-                      <a:headEnd type="none" w="med" len="med"/>
-                      <a:tailEnd type="none" w="med" len="med"/>
-                    </a:lnB>
-                  </a:tcPr>
-                </a:tc>
-                <a:tc>
-                  <a:txBody>
-                    <a:bodyPr/>
-                    <a:lstStyle/>
-                    <a:p>
-                      <a:r>
-                        <a:rPr lang="en-US" dirty="0" smtClean="0"/>
-                        <a:t>Caterpillar</a:t>
-                      </a:r>
-                      <a:r>
-                        <a:rPr lang="en-US" baseline="0" dirty="0" smtClean="0"/>
-                        <a:t> 1</a:t>
-                      </a:r>
-                      <a:endParaRPr lang="en-US" dirty="0"/>
-                    </a:p>
-                  </a:txBody>
-                  <a:tcPr>
-                    <a:lnL w="12700" cap="flat" cmpd="sng" algn="ctr">
-                      <a:solidFill>
-                        <a:srgbClr val="7F7F7F"/>
-                      </a:solidFill>
-                      <a:prstDash val="solid"/>
-                      <a:round/>
-                      <a:headEnd type="none" w="med" len="med"/>
-                      <a:tailEnd type="none" w="med" len="med"/>
-                    </a:lnL>
-                    <a:lnT w="12700" cap="flat" cmpd="sng" algn="ctr">
-                      <a:solidFill>
-                        <a:prstClr val="black">
-                          <a:lumMod val="50000"/>
-                          <a:lumOff val="50000"/>
-                        </a:prstClr>
-                      </a:solidFill>
-                      <a:prstDash val="solid"/>
-                      <a:round/>
-                      <a:headEnd type="none" w="med" len="med"/>
-                      <a:tailEnd type="none" w="med" len="med"/>
-                    </a:lnT>
-                    <a:lnB w="12700" cap="flat" cmpd="sng" algn="ctr">
-                      <a:solidFill>
-                        <a:srgbClr val="7F7F7F"/>
-                      </a:solidFill>
-                      <a:prstDash val="solid"/>
-                      <a:round/>
-                      <a:headEnd type="none" w="med" len="med"/>
-                      <a:tailEnd type="none" w="med" len="med"/>
-                    </a:lnB>
-                  </a:tcPr>
-                </a:tc>
-                <a:tc>
-                  <a:txBody>
-                    <a:bodyPr/>
-                    <a:lstStyle/>
-                    <a:p>
-                      <a:r>
-                        <a:rPr lang="en-US" dirty="0" smtClean="0"/>
-                        <a:t>Caterpillar</a:t>
-                      </a:r>
-                      <a:r>
-                        <a:rPr lang="en-US" baseline="0" dirty="0" smtClean="0"/>
-                        <a:t> 2</a:t>
-                      </a:r>
-                      <a:endParaRPr lang="en-US" dirty="0"/>
-                    </a:p>
-                  </a:txBody>
-                  <a:tcPr>
-                    <a:lnT w="12700" cap="flat" cmpd="sng" algn="ctr">
-                      <a:solidFill>
-                        <a:prstClr val="black">
-                          <a:lumMod val="50000"/>
-                          <a:lumOff val="50000"/>
-                        </a:prstClr>
-                      </a:solidFill>
-                      <a:prstDash val="solid"/>
-                      <a:round/>
-                      <a:headEnd type="none" w="med" len="med"/>
-                      <a:tailEnd type="none" w="med" len="med"/>
-                    </a:lnT>
-                    <a:lnB w="12700" cap="flat" cmpd="sng" algn="ctr">
-                      <a:solidFill>
-                        <a:srgbClr val="7F7F7F"/>
-                      </a:solidFill>
-                      <a:prstDash val="solid"/>
-                      <a:round/>
-                      <a:headEnd type="none" w="med" len="med"/>
-                      <a:tailEnd type="none" w="med" len="med"/>
-                    </a:lnB>
-                  </a:tcPr>
-                </a:tc>
-                <a:tc>
-                  <a:txBody>
-                    <a:bodyPr/>
-                    <a:lstStyle/>
-                    <a:p>
-                      <a:r>
-                        <a:rPr lang="en-US" dirty="0" smtClean="0"/>
-                        <a:t>Caterpillar</a:t>
-                      </a:r>
-                      <a:r>
-                        <a:rPr lang="en-US" baseline="0" dirty="0" smtClean="0"/>
-                        <a:t> 3</a:t>
-                      </a:r>
-                      <a:endParaRPr lang="en-US" dirty="0"/>
-                    </a:p>
-                  </a:txBody>
-                  <a:tcPr>
-                    <a:lnR w="12700" cap="flat" cmpd="sng" algn="ctr">
-                      <a:solidFill>
-                        <a:prstClr val="black">
-                          <a:lumMod val="50000"/>
-                          <a:lumOff val="50000"/>
-                        </a:prstClr>
-                      </a:solidFill>
-                      <a:prstDash val="solid"/>
-                      <a:round/>
-                      <a:headEnd type="none" w="med" len="med"/>
-                      <a:tailEnd type="none" w="med" len="med"/>
-                    </a:lnR>
-                    <a:lnT w="12700" cap="flat" cmpd="sng" algn="ctr">
-                      <a:solidFill>
-                        <a:prstClr val="black">
-                          <a:lumMod val="50000"/>
-                          <a:lumOff val="50000"/>
-                        </a:prstClr>
-                      </a:solidFill>
-                      <a:prstDash val="solid"/>
-                      <a:round/>
-                      <a:headEnd type="none" w="med" len="med"/>
-                      <a:tailEnd type="none" w="med" len="med"/>
-                    </a:lnT>
-                    <a:lnB w="12700" cap="flat" cmpd="sng" algn="ctr">
-                      <a:solidFill>
-                        <a:srgbClr val="7F7F7F"/>
-                      </a:solidFill>
-                      <a:prstDash val="solid"/>
-                      <a:round/>
-                      <a:headEnd type="none" w="med" len="med"/>
-                      <a:tailEnd type="none" w="med" len="med"/>
-                    </a:lnB>
-                  </a:tcPr>
-                </a:tc>
-              </a:tr>
-              <a:tr h="370840">
-                <a:tc>
-                  <a:txBody>
-                    <a:bodyPr/>
-                    <a:lstStyle/>
-                    <a:p>
-                      <a:r>
-                        <a:rPr lang="en-US" b="1" dirty="0" smtClean="0">
-                          <a:solidFill>
-                            <a:schemeClr val="bg1"/>
-                          </a:solidFill>
-                        </a:rPr>
-                        <a:t>Caterpillar</a:t>
-                      </a:r>
-                      <a:r>
-                        <a:rPr lang="en-US" b="1" baseline="0" dirty="0" smtClean="0">
-                          <a:solidFill>
-                            <a:schemeClr val="bg1"/>
-                          </a:solidFill>
-                        </a:rPr>
-                        <a:t> 1</a:t>
-                      </a:r>
-                      <a:endParaRPr lang="en-US" b="1" dirty="0">
-                        <a:solidFill>
-                          <a:schemeClr val="bg1"/>
-                        </a:solidFill>
-                      </a:endParaRPr>
-                    </a:p>
-                  </a:txBody>
-                  <a:tcPr>
-                    <a:lnL w="12700" cap="flat" cmpd="sng" algn="ctr">
-                      <a:solidFill>
-                        <a:srgbClr val="7F7F7F"/>
-                      </a:solidFill>
-                      <a:prstDash val="solid"/>
-                      <a:round/>
-                      <a:headEnd type="none" w="med" len="med"/>
-                      <a:tailEnd type="none" w="med" len="med"/>
-                    </a:lnL>
-                    <a:lnR w="12700" cap="flat" cmpd="sng" algn="ctr">
-                      <a:solidFill>
-                        <a:srgbClr val="7F7F7F"/>
-                      </a:solidFill>
-                      <a:prstDash val="solid"/>
-                      <a:round/>
-                      <a:headEnd type="none" w="med" len="med"/>
-                      <a:tailEnd type="none" w="med" len="med"/>
-                    </a:lnR>
-                    <a:lnT w="12700" cap="flat" cmpd="sng" algn="ctr">
-                      <a:solidFill>
-                        <a:srgbClr val="7F7F7F"/>
-                      </a:solidFill>
-                      <a:prstDash val="solid"/>
-                      <a:round/>
-                      <a:headEnd type="none" w="med" len="med"/>
-                      <a:tailEnd type="none" w="med" len="med"/>
-                    </a:lnT>
-                    <a:lnB w="12700" cap="flat" cmpd="sng" algn="ctr">
-                      <a:solidFill>
-                        <a:srgbClr val="7F7F7F"/>
-                      </a:solidFill>
-                      <a:prstDash val="solid"/>
-                      <a:round/>
-                      <a:headEnd type="none" w="med" len="med"/>
-                      <a:tailEnd type="none" w="med" len="med"/>
-                    </a:lnB>
-                    <a:solidFill>
-                      <a:schemeClr val="accent3"/>
-                    </a:solidFill>
-                  </a:tcPr>
-                </a:tc>
-                <a:tc>
-                  <a:txBody>
-                    <a:bodyPr/>
-                    <a:lstStyle/>
-                    <a:p>
-                      <a:r>
-                        <a:rPr lang="en-US" dirty="0" smtClean="0"/>
-                        <a:t>0</a:t>
-                      </a:r>
-                      <a:endParaRPr lang="en-US" dirty="0"/>
-                    </a:p>
-                  </a:txBody>
-                  <a:tcPr>
-                    <a:lnL w="12700" cap="flat" cmpd="sng" algn="ctr">
-                      <a:solidFill>
-                        <a:srgbClr val="7F7F7F"/>
-                      </a:solidFill>
-                      <a:prstDash val="solid"/>
-                      <a:round/>
-                      <a:headEnd type="none" w="med" len="med"/>
-                      <a:tailEnd type="none" w="med" len="med"/>
-                    </a:lnL>
-                    <a:lnR w="12700" cap="flat" cmpd="sng" algn="ctr">
-                      <a:solidFill>
-                        <a:srgbClr val="7F7F7F"/>
-                      </a:solidFill>
-                      <a:prstDash val="solid"/>
-                      <a:round/>
-                      <a:headEnd type="none" w="med" len="med"/>
-                      <a:tailEnd type="none" w="med" len="med"/>
-                    </a:lnR>
-                    <a:lnT w="12700" cap="flat" cmpd="sng" algn="ctr">
-                      <a:solidFill>
-                        <a:srgbClr val="7F7F7F"/>
-                      </a:solidFill>
-                      <a:prstDash val="solid"/>
-                      <a:round/>
-                      <a:headEnd type="none" w="med" len="med"/>
-                      <a:tailEnd type="none" w="med" len="med"/>
-                    </a:lnT>
-                    <a:lnB w="12700" cap="flat" cmpd="sng" algn="ctr">
-                      <a:solidFill>
-                        <a:srgbClr val="7F7F7F"/>
-                      </a:solidFill>
-                      <a:prstDash val="solid"/>
-                      <a:round/>
-                      <a:headEnd type="none" w="med" len="med"/>
-                      <a:tailEnd type="none" w="med" len="med"/>
-                    </a:lnB>
-                  </a:tcPr>
-                </a:tc>
-                <a:tc>
-                  <a:txBody>
-                    <a:bodyPr/>
-                    <a:lstStyle/>
-                    <a:p>
-                      <a:endParaRPr lang="en-US" dirty="0"/>
-                    </a:p>
-                  </a:txBody>
-                  <a:tcPr>
-                    <a:lnL w="12700" cap="flat" cmpd="sng" algn="ctr">
-                      <a:solidFill>
-                        <a:srgbClr val="7F7F7F"/>
-                      </a:solidFill>
-                      <a:prstDash val="solid"/>
-                      <a:round/>
-                      <a:headEnd type="none" w="med" len="med"/>
-                      <a:tailEnd type="none" w="med" len="med"/>
-                    </a:lnL>
-                    <a:lnR w="12700" cap="flat" cmpd="sng" algn="ctr">
-                      <a:solidFill>
-                        <a:srgbClr val="7F7F7F"/>
-                      </a:solidFill>
-                      <a:prstDash val="solid"/>
-                      <a:round/>
-                      <a:headEnd type="none" w="med" len="med"/>
-                      <a:tailEnd type="none" w="med" len="med"/>
-                    </a:lnR>
-                    <a:lnT w="12700" cap="flat" cmpd="sng" algn="ctr">
-                      <a:solidFill>
-                        <a:srgbClr val="7F7F7F"/>
-                      </a:solidFill>
-                      <a:prstDash val="solid"/>
-                      <a:round/>
-                      <a:headEnd type="none" w="med" len="med"/>
-                      <a:tailEnd type="none" w="med" len="med"/>
-                    </a:lnT>
-                    <a:lnB w="12700" cap="flat" cmpd="sng" algn="ctr">
-                      <a:solidFill>
-                        <a:srgbClr val="7F7F7F"/>
-                      </a:solidFill>
-                      <a:prstDash val="solid"/>
-                      <a:round/>
-                      <a:headEnd type="none" w="med" len="med"/>
-                      <a:tailEnd type="none" w="med" len="med"/>
-                    </a:lnB>
-                  </a:tcPr>
-                </a:tc>
-                <a:tc>
-                  <a:txBody>
-                    <a:bodyPr/>
-                    <a:lstStyle/>
-                    <a:p>
-                      <a:endParaRPr lang="en-US"/>
-                    </a:p>
-                  </a:txBody>
-                  <a:tcPr>
-                    <a:lnL w="12700" cap="flat" cmpd="sng" algn="ctr">
-                      <a:solidFill>
-                        <a:srgbClr val="7F7F7F"/>
-                      </a:solidFill>
-                      <a:prstDash val="solid"/>
-                      <a:round/>
-                      <a:headEnd type="none" w="med" len="med"/>
-                      <a:tailEnd type="none" w="med" len="med"/>
-                    </a:lnL>
-                    <a:lnR w="12700" cap="flat" cmpd="sng" algn="ctr">
-                      <a:solidFill>
-                        <a:srgbClr val="7F7F7F"/>
-                      </a:solidFill>
-                      <a:prstDash val="solid"/>
-                      <a:round/>
-                      <a:headEnd type="none" w="med" len="med"/>
-                      <a:tailEnd type="none" w="med" len="med"/>
-                    </a:lnR>
-                    <a:lnT w="12700" cap="flat" cmpd="sng" algn="ctr">
-                      <a:solidFill>
-                        <a:srgbClr val="7F7F7F"/>
-                      </a:solidFill>
-                      <a:prstDash val="solid"/>
-                      <a:round/>
-                      <a:headEnd type="none" w="med" len="med"/>
-                      <a:tailEnd type="none" w="med" len="med"/>
-                    </a:lnT>
-                    <a:lnB w="12700" cap="flat" cmpd="sng" algn="ctr">
-                      <a:solidFill>
-                        <a:srgbClr val="7F7F7F"/>
-                      </a:solidFill>
-                      <a:prstDash val="solid"/>
-                      <a:round/>
-                      <a:headEnd type="none" w="med" len="med"/>
-                      <a:tailEnd type="none" w="med" len="med"/>
-                    </a:lnB>
-                  </a:tcPr>
-                </a:tc>
-              </a:tr>
-              <a:tr h="370840">
-                <a:tc>
-                  <a:txBody>
-                    <a:bodyPr/>
-                    <a:lstStyle/>
-                    <a:p>
-                      <a:pPr marL="0" marR="0" indent="0" algn="l" defTabSz="457200" rtl="0" eaLnBrk="1" fontAlgn="auto" latinLnBrk="0" hangingPunct="1">
-                        <a:lnSpc>
-                          <a:spcPct val="100000"/>
-                        </a:lnSpc>
-                        <a:spcBef>
-                          <a:spcPts val="0"/>
-                        </a:spcBef>
-                        <a:spcAft>
-                          <a:spcPts val="0"/>
-                        </a:spcAft>
-                        <a:buClrTx/>
-                        <a:buSzTx/>
-                        <a:buFontTx/>
-                        <a:buNone/>
-                        <a:tabLst/>
-                        <a:defRPr/>
-                      </a:pPr>
-                      <a:r>
-                        <a:rPr lang="en-US" b="1" dirty="0" smtClean="0">
-                          <a:solidFill>
-                            <a:schemeClr val="bg1"/>
-                          </a:solidFill>
-                        </a:rPr>
-                        <a:t>Caterpillar</a:t>
-                      </a:r>
-                      <a:r>
-                        <a:rPr lang="en-US" b="1" baseline="0" dirty="0" smtClean="0">
-                          <a:solidFill>
-                            <a:schemeClr val="bg1"/>
-                          </a:solidFill>
-                        </a:rPr>
-                        <a:t> 2</a:t>
-                      </a:r>
-                      <a:endParaRPr lang="en-US" b="1" dirty="0" smtClean="0">
-                        <a:solidFill>
-                          <a:schemeClr val="bg1"/>
-                        </a:solidFill>
-                      </a:endParaRPr>
-                    </a:p>
-                  </a:txBody>
-                  <a:tcPr>
-                    <a:lnL w="12700" cap="flat" cmpd="sng" algn="ctr">
-                      <a:solidFill>
-                        <a:srgbClr val="7F7F7F"/>
-                      </a:solidFill>
-                      <a:prstDash val="solid"/>
-                      <a:round/>
-                      <a:headEnd type="none" w="med" len="med"/>
-                      <a:tailEnd type="none" w="med" len="med"/>
-                    </a:lnL>
-                    <a:lnR w="12700" cap="flat" cmpd="sng" algn="ctr">
-                      <a:solidFill>
-                        <a:srgbClr val="7F7F7F"/>
-                      </a:solidFill>
-                      <a:prstDash val="solid"/>
-                      <a:round/>
-                      <a:headEnd type="none" w="med" len="med"/>
-                      <a:tailEnd type="none" w="med" len="med"/>
-                    </a:lnR>
-                    <a:lnT w="12700" cap="flat" cmpd="sng" algn="ctr">
-                      <a:solidFill>
-                        <a:srgbClr val="7F7F7F"/>
-                      </a:solidFill>
-                      <a:prstDash val="solid"/>
-                      <a:round/>
-                      <a:headEnd type="none" w="med" len="med"/>
-                      <a:tailEnd type="none" w="med" len="med"/>
-                    </a:lnT>
-                    <a:lnB w="12700" cap="flat" cmpd="sng" algn="ctr">
-                      <a:solidFill>
-                        <a:srgbClr val="7F7F7F"/>
-                      </a:solidFill>
-                      <a:prstDash val="solid"/>
-                      <a:round/>
-                      <a:headEnd type="none" w="med" len="med"/>
-                      <a:tailEnd type="none" w="med" len="med"/>
-                    </a:lnB>
-                    <a:solidFill>
-                      <a:schemeClr val="accent3"/>
-                    </a:solidFill>
-                  </a:tcPr>
-                </a:tc>
-                <a:tc>
-                  <a:txBody>
-                    <a:bodyPr/>
-                    <a:lstStyle/>
-                    <a:p>
-                      <a:r>
-                        <a:rPr lang="en-US" dirty="0" smtClean="0"/>
-                        <a:t>0.966</a:t>
-                      </a:r>
-                      <a:endParaRPr lang="en-US" dirty="0"/>
-                    </a:p>
-                  </a:txBody>
-                  <a:tcPr>
-                    <a:lnL w="12700" cap="flat" cmpd="sng" algn="ctr">
-                      <a:solidFill>
-                        <a:srgbClr val="7F7F7F"/>
-                      </a:solidFill>
-                      <a:prstDash val="solid"/>
-                      <a:round/>
-                      <a:headEnd type="none" w="med" len="med"/>
-                      <a:tailEnd type="none" w="med" len="med"/>
-                    </a:lnL>
-                    <a:lnR w="12700" cap="flat" cmpd="sng" algn="ctr">
-                      <a:solidFill>
-                        <a:srgbClr val="7F7F7F"/>
-                      </a:solidFill>
-                      <a:prstDash val="solid"/>
-                      <a:round/>
-                      <a:headEnd type="none" w="med" len="med"/>
-                      <a:tailEnd type="none" w="med" len="med"/>
-                    </a:lnR>
-                    <a:lnT w="12700" cap="flat" cmpd="sng" algn="ctr">
-                      <a:solidFill>
-                        <a:srgbClr val="7F7F7F"/>
-                      </a:solidFill>
-                      <a:prstDash val="solid"/>
-                      <a:round/>
-                      <a:headEnd type="none" w="med" len="med"/>
-                      <a:tailEnd type="none" w="med" len="med"/>
-                    </a:lnT>
-                    <a:lnB w="12700" cap="flat" cmpd="sng" algn="ctr">
-                      <a:solidFill>
-                        <a:srgbClr val="7F7F7F"/>
-                      </a:solidFill>
-                      <a:prstDash val="solid"/>
-                      <a:round/>
-                      <a:headEnd type="none" w="med" len="med"/>
-                      <a:tailEnd type="none" w="med" len="med"/>
-                    </a:lnB>
-                  </a:tcPr>
-                </a:tc>
-                <a:tc>
-                  <a:txBody>
-                    <a:bodyPr/>
-                    <a:lstStyle/>
-                    <a:p>
-                      <a:r>
-                        <a:rPr lang="en-US" dirty="0" smtClean="0"/>
-                        <a:t>0</a:t>
-                      </a:r>
-                      <a:endParaRPr lang="en-US" dirty="0"/>
-                    </a:p>
-                  </a:txBody>
-                  <a:tcPr>
-                    <a:lnL w="12700" cap="flat" cmpd="sng" algn="ctr">
-                      <a:solidFill>
-                        <a:srgbClr val="7F7F7F"/>
-                      </a:solidFill>
-                      <a:prstDash val="solid"/>
-                      <a:round/>
-                      <a:headEnd type="none" w="med" len="med"/>
-                      <a:tailEnd type="none" w="med" len="med"/>
-                    </a:lnL>
-                    <a:lnR w="12700" cap="flat" cmpd="sng" algn="ctr">
-                      <a:solidFill>
-                        <a:srgbClr val="7F7F7F"/>
-                      </a:solidFill>
-                      <a:prstDash val="solid"/>
-                      <a:round/>
-                      <a:headEnd type="none" w="med" len="med"/>
-                      <a:tailEnd type="none" w="med" len="med"/>
-                    </a:lnR>
-                    <a:lnT w="12700" cap="flat" cmpd="sng" algn="ctr">
-                      <a:solidFill>
-                        <a:srgbClr val="7F7F7F"/>
-                      </a:solidFill>
-                      <a:prstDash val="solid"/>
-                      <a:round/>
-                      <a:headEnd type="none" w="med" len="med"/>
-                      <a:tailEnd type="none" w="med" len="med"/>
-                    </a:lnT>
-                    <a:lnB w="12700" cap="flat" cmpd="sng" algn="ctr">
-                      <a:solidFill>
-                        <a:srgbClr val="7F7F7F"/>
-                      </a:solidFill>
-                      <a:prstDash val="solid"/>
-                      <a:round/>
-                      <a:headEnd type="none" w="med" len="med"/>
-                      <a:tailEnd type="none" w="med" len="med"/>
-                    </a:lnB>
-                  </a:tcPr>
-                </a:tc>
-                <a:tc>
-                  <a:txBody>
-                    <a:bodyPr/>
-                    <a:lstStyle/>
-                    <a:p>
-                      <a:endParaRPr lang="en-US"/>
-                    </a:p>
-                  </a:txBody>
-                  <a:tcPr>
-                    <a:lnL w="12700" cap="flat" cmpd="sng" algn="ctr">
-                      <a:solidFill>
-                        <a:srgbClr val="7F7F7F"/>
-                      </a:solidFill>
-                      <a:prstDash val="solid"/>
-                      <a:round/>
-                      <a:headEnd type="none" w="med" len="med"/>
-                      <a:tailEnd type="none" w="med" len="med"/>
-                    </a:lnL>
-                    <a:lnR w="12700" cap="flat" cmpd="sng" algn="ctr">
-                      <a:solidFill>
-                        <a:srgbClr val="7F7F7F"/>
-                      </a:solidFill>
-                      <a:prstDash val="solid"/>
-                      <a:round/>
-                      <a:headEnd type="none" w="med" len="med"/>
-                      <a:tailEnd type="none" w="med" len="med"/>
-                    </a:lnR>
-                    <a:lnT w="12700" cap="flat" cmpd="sng" algn="ctr">
-                      <a:solidFill>
-                        <a:srgbClr val="7F7F7F"/>
-                      </a:solidFill>
-                      <a:prstDash val="solid"/>
-                      <a:round/>
-                      <a:headEnd type="none" w="med" len="med"/>
-                      <a:tailEnd type="none" w="med" len="med"/>
-                    </a:lnT>
-                    <a:lnB w="12700" cap="flat" cmpd="sng" algn="ctr">
-                      <a:solidFill>
-                        <a:srgbClr val="7F7F7F"/>
-                      </a:solidFill>
-                      <a:prstDash val="solid"/>
-                      <a:round/>
-                      <a:headEnd type="none" w="med" len="med"/>
-                      <a:tailEnd type="none" w="med" len="med"/>
-                    </a:lnB>
-                  </a:tcPr>
-                </a:tc>
-              </a:tr>
-              <a:tr h="370840">
-                <a:tc>
-                  <a:txBody>
-                    <a:bodyPr/>
-                    <a:lstStyle/>
-                    <a:p>
-                      <a:pPr marL="0" marR="0" indent="0" algn="l" defTabSz="457200" rtl="0" eaLnBrk="1" fontAlgn="auto" latinLnBrk="0" hangingPunct="1">
-                        <a:lnSpc>
-                          <a:spcPct val="100000"/>
-                        </a:lnSpc>
-                        <a:spcBef>
-                          <a:spcPts val="0"/>
-                        </a:spcBef>
-                        <a:spcAft>
-                          <a:spcPts val="0"/>
-                        </a:spcAft>
-                        <a:buClrTx/>
-                        <a:buSzTx/>
-                        <a:buFontTx/>
-                        <a:buNone/>
-                        <a:tabLst/>
-                        <a:defRPr/>
-                      </a:pPr>
-                      <a:r>
-                        <a:rPr lang="en-US" b="1" dirty="0" smtClean="0">
-                          <a:solidFill>
-                            <a:schemeClr val="bg1"/>
-                          </a:solidFill>
-                        </a:rPr>
-                        <a:t>Caterpillar 3</a:t>
-                      </a:r>
-                    </a:p>
-                  </a:txBody>
-                  <a:tcPr>
-                    <a:lnL w="12700" cap="flat" cmpd="sng" algn="ctr">
-                      <a:solidFill>
-                        <a:srgbClr val="7F7F7F"/>
-                      </a:solidFill>
-                      <a:prstDash val="solid"/>
-                      <a:round/>
-                      <a:headEnd type="none" w="med" len="med"/>
-                      <a:tailEnd type="none" w="med" len="med"/>
-                    </a:lnL>
-                    <a:lnR w="12700" cap="flat" cmpd="sng" algn="ctr">
-                      <a:solidFill>
-                        <a:srgbClr val="7F7F7F"/>
-                      </a:solidFill>
-                      <a:prstDash val="solid"/>
-                      <a:round/>
-                      <a:headEnd type="none" w="med" len="med"/>
-                      <a:tailEnd type="none" w="med" len="med"/>
-                    </a:lnR>
-                    <a:lnT w="12700" cap="flat" cmpd="sng" algn="ctr">
-                      <a:solidFill>
-                        <a:srgbClr val="7F7F7F"/>
-                      </a:solidFill>
-                      <a:prstDash val="solid"/>
-                      <a:round/>
-                      <a:headEnd type="none" w="med" len="med"/>
-                      <a:tailEnd type="none" w="med" len="med"/>
-                    </a:lnT>
-                    <a:lnB w="12700" cap="flat" cmpd="sng" algn="ctr">
-                      <a:solidFill>
-                        <a:srgbClr val="7F7F7F"/>
-                      </a:solidFill>
-                      <a:prstDash val="solid"/>
-                      <a:round/>
-                      <a:headEnd type="none" w="med" len="med"/>
-                      <a:tailEnd type="none" w="med" len="med"/>
-                    </a:lnB>
-                    <a:solidFill>
-                      <a:schemeClr val="accent3"/>
-                    </a:solidFill>
-                  </a:tcPr>
-                </a:tc>
-                <a:tc>
-                  <a:txBody>
-                    <a:bodyPr/>
-                    <a:lstStyle/>
-                    <a:p>
-                      <a:r>
-                        <a:rPr lang="en-US" dirty="0" smtClean="0"/>
-                        <a:t>0.179</a:t>
-                      </a:r>
-                      <a:endParaRPr lang="en-US" dirty="0"/>
-                    </a:p>
-                  </a:txBody>
-                  <a:tcPr>
-                    <a:lnL w="12700" cap="flat" cmpd="sng" algn="ctr">
-                      <a:solidFill>
-                        <a:srgbClr val="7F7F7F"/>
-                      </a:solidFill>
-                      <a:prstDash val="solid"/>
-                      <a:round/>
-                      <a:headEnd type="none" w="med" len="med"/>
-                      <a:tailEnd type="none" w="med" len="med"/>
-                    </a:lnL>
-                    <a:lnR w="12700" cap="flat" cmpd="sng" algn="ctr">
-                      <a:solidFill>
-                        <a:srgbClr val="7F7F7F"/>
-                      </a:solidFill>
-                      <a:prstDash val="solid"/>
-                      <a:round/>
-                      <a:headEnd type="none" w="med" len="med"/>
-                      <a:tailEnd type="none" w="med" len="med"/>
-                    </a:lnR>
-                    <a:lnT w="12700" cap="flat" cmpd="sng" algn="ctr">
-                      <a:solidFill>
-                        <a:srgbClr val="7F7F7F"/>
-                      </a:solidFill>
-                      <a:prstDash val="solid"/>
-                      <a:round/>
-                      <a:headEnd type="none" w="med" len="med"/>
-                      <a:tailEnd type="none" w="med" len="med"/>
-                    </a:lnT>
-                    <a:lnB w="12700" cap="flat" cmpd="sng" algn="ctr">
-                      <a:solidFill>
-                        <a:srgbClr val="7F7F7F"/>
-                      </a:solidFill>
-                      <a:prstDash val="solid"/>
-                      <a:round/>
-                      <a:headEnd type="none" w="med" len="med"/>
-                      <a:tailEnd type="none" w="med" len="med"/>
-                    </a:lnB>
-                  </a:tcPr>
-                </a:tc>
-                <a:tc>
-                  <a:txBody>
-                    <a:bodyPr/>
-                    <a:lstStyle/>
-                    <a:p>
-                      <a:r>
-                        <a:rPr lang="en-US" dirty="0" smtClean="0"/>
-                        <a:t>0.787</a:t>
-                      </a:r>
-                      <a:endParaRPr lang="en-US" dirty="0"/>
-                    </a:p>
-                  </a:txBody>
-                  <a:tcPr>
-                    <a:lnL w="12700" cap="flat" cmpd="sng" algn="ctr">
-                      <a:solidFill>
-                        <a:srgbClr val="7F7F7F"/>
-                      </a:solidFill>
-                      <a:prstDash val="solid"/>
-                      <a:round/>
-                      <a:headEnd type="none" w="med" len="med"/>
-                      <a:tailEnd type="none" w="med" len="med"/>
-                    </a:lnL>
-                    <a:lnR w="12700" cap="flat" cmpd="sng" algn="ctr">
-                      <a:solidFill>
-                        <a:srgbClr val="7F7F7F"/>
-                      </a:solidFill>
-                      <a:prstDash val="solid"/>
-                      <a:round/>
-                      <a:headEnd type="none" w="med" len="med"/>
-                      <a:tailEnd type="none" w="med" len="med"/>
-                    </a:lnR>
-                    <a:lnT w="12700" cap="flat" cmpd="sng" algn="ctr">
-                      <a:solidFill>
-                        <a:srgbClr val="7F7F7F"/>
-                      </a:solidFill>
-                      <a:prstDash val="solid"/>
-                      <a:round/>
-                      <a:headEnd type="none" w="med" len="med"/>
-                      <a:tailEnd type="none" w="med" len="med"/>
-                    </a:lnT>
-                    <a:lnB w="12700" cap="flat" cmpd="sng" algn="ctr">
-                      <a:solidFill>
-                        <a:srgbClr val="7F7F7F"/>
-                      </a:solidFill>
-                      <a:prstDash val="solid"/>
-                      <a:round/>
-                      <a:headEnd type="none" w="med" len="med"/>
-                      <a:tailEnd type="none" w="med" len="med"/>
-                    </a:lnB>
-                  </a:tcPr>
-                </a:tc>
-                <a:tc>
-                  <a:txBody>
-                    <a:bodyPr/>
-                    <a:lstStyle/>
-                    <a:p>
-                      <a:r>
-                        <a:rPr lang="en-US" dirty="0" smtClean="0"/>
-                        <a:t>0</a:t>
-                      </a:r>
-                      <a:endParaRPr lang="en-US" dirty="0"/>
-                    </a:p>
-                  </a:txBody>
-                  <a:tcPr>
-                    <a:lnL w="12700" cap="flat" cmpd="sng" algn="ctr">
-                      <a:solidFill>
-                        <a:srgbClr val="7F7F7F"/>
-                      </a:solidFill>
-                      <a:prstDash val="solid"/>
-                      <a:round/>
-                      <a:headEnd type="none" w="med" len="med"/>
-                      <a:tailEnd type="none" w="med" len="med"/>
-                    </a:lnL>
-                    <a:lnR w="12700" cap="flat" cmpd="sng" algn="ctr">
-                      <a:solidFill>
-                        <a:srgbClr val="7F7F7F"/>
-                      </a:solidFill>
-                      <a:prstDash val="solid"/>
-                      <a:round/>
-                      <a:headEnd type="none" w="med" len="med"/>
-                      <a:tailEnd type="none" w="med" len="med"/>
-                    </a:lnR>
-                    <a:lnT w="12700" cap="flat" cmpd="sng" algn="ctr">
-                      <a:solidFill>
-                        <a:srgbClr val="7F7F7F"/>
-                      </a:solidFill>
-                      <a:prstDash val="solid"/>
-                      <a:round/>
-                      <a:headEnd type="none" w="med" len="med"/>
-                      <a:tailEnd type="none" w="med" len="med"/>
-                    </a:lnT>
-                    <a:lnB w="12700" cap="flat" cmpd="sng" algn="ctr">
-                      <a:solidFill>
-                        <a:srgbClr val="7F7F7F"/>
-                      </a:solidFill>
-                      <a:prstDash val="solid"/>
-                      <a:round/>
-                      <a:headEnd type="none" w="med" len="med"/>
-                      <a:tailEnd type="none" w="med" len="med"/>
-                    </a:lnB>
-                  </a:tcPr>
-                </a:tc>
-              </a:tr>
-            </a:tbl>
-          </a:graphicData>
-        </a:graphic>
-      </p:graphicFrame>
-      <p:sp>
-        <p:nvSpPr>
-          <p:cNvPr id="13" name="Down Arrow 12"/>
-          <p:cNvSpPr/>
-          <p:nvPr/>
-        </p:nvSpPr>
-        <p:spPr>
-          <a:xfrm>
-            <a:off x="5647864" y="3307410"/>
-            <a:ext cx="445884" cy="595540"/>
-          </a:xfrm>
-          <a:prstGeom prst="downArrow">
-            <a:avLst/>
-          </a:prstGeom>
-        </p:spPr>
-        <p:style>
-          <a:lnRef idx="1">
-            <a:schemeClr val="accent2"/>
-          </a:lnRef>
-          <a:fillRef idx="3">
-            <a:schemeClr val="accent2"/>
-          </a:fillRef>
-          <a:effectRef idx="2">
-            <a:schemeClr val="accent2"/>
-          </a:effectRef>
-          <a:fontRef idx="minor">
-            <a:schemeClr val="lt1"/>
-          </a:fontRef>
-        </p:style>
-        <p:txBody>
-          <a:bodyPr rtlCol="0" anchor="ctr"/>
-          <a:lstStyle/>
-          <a:p>
-            <a:pPr algn="ctr"/>
-            <a:endParaRPr lang="en-US"/>
-          </a:p>
-        </p:txBody>
-      </p:sp>
-      <p:sp>
-        <p:nvSpPr>
-          <p:cNvPr id="11" name="Slide Number Placeholder 10"/>
-          <p:cNvSpPr>
-            <a:spLocks noGrp="1"/>
-          </p:cNvSpPr>
-          <p:nvPr>
-            <p:ph type="sldNum" sz="quarter" idx="12"/>
-          </p:nvPr>
-        </p:nvSpPr>
-        <p:spPr/>
-        <p:txBody>
-          <a:bodyPr/>
-          <a:lstStyle/>
-          <a:p>
-            <a:fld id="{FF4AB13A-4A28-2443-998B-BC001F0E380D}" type="slidenum">
-              <a:rPr lang="en-US" smtClean="0"/>
-              <a:pPr/>
-              <a:t>10</a:t>
-            </a:fld>
-            <a:endParaRPr lang="en-US"/>
-          </a:p>
-        </p:txBody>
-      </p:sp>
-    </p:spTree>
-    <p:extLst>
-      <p:ext uri="{BB962C8B-B14F-4D97-AF65-F5344CB8AC3E}">
-        <p14:creationId xmlns:p14="http://schemas.microsoft.com/office/powerpoint/2010/main" val="2046022339"/>
-      </p:ext>
-    </p:extLst>
-  </p:cSld>
-  <p:clrMapOvr>
-    <a:masterClrMapping/>
-  </p:clrMapOvr>
-  <p:timing>
-    <p:tnLst>
-      <p:par>
-        <p:cTn xmlns:p14="http://schemas.microsoft.com/office/powerpoint/2010/main" id="1" dur="indefinite" restart="never" nodeType="tmRoot">
-          <p:childTnLst>
-            <p:seq concurrent="1" nextAc="seek">
-              <p:cTn id="2" dur="indefinite" nodeType="mainSeq">
-                <p:childTnLst>
-                  <p:par>
-                    <p:cTn id="3" fill="hold">
-                      <p:stCondLst>
-                        <p:cond delay="indefinite"/>
-                      </p:stCondLst>
-                      <p:childTnLst>
-                        <p:par>
-                          <p:cTn id="4" fill="hold">
-                            <p:stCondLst>
-                              <p:cond delay="0"/>
-                            </p:stCondLst>
-                            <p:childTnLst>
-                              <p:par>
-                                <p:cTn id="5" presetID="1" presetClass="entr" presetSubtype="0" fill="hold" grpId="0" nodeType="clickEffect">
-                                  <p:stCondLst>
-                                    <p:cond delay="0"/>
-                                  </p:stCondLst>
-                                  <p:childTnLst>
-                                    <p:set>
-                                      <p:cBhvr>
-                                        <p:cTn id="6" dur="1" fill="hold">
-                                          <p:stCondLst>
-                                            <p:cond delay="0"/>
-                                          </p:stCondLst>
-                                        </p:cTn>
-                                        <p:tgtEl>
-                                          <p:spTgt spid="8"/>
-                                        </p:tgtEl>
-                                        <p:attrNameLst>
-                                          <p:attrName>style.visibility</p:attrName>
-                                        </p:attrNameLst>
-                                      </p:cBhvr>
-                                      <p:to>
-                                        <p:strVal val="visible"/>
-                                      </p:to>
-                                    </p:set>
-                                  </p:childTnLst>
-                                </p:cTn>
-                              </p:par>
-                            </p:childTnLst>
-                          </p:cTn>
-                        </p:par>
-                      </p:childTnLst>
-                    </p:cTn>
-                  </p:par>
-                  <p:par>
-                    <p:cTn id="7" fill="hold">
-                      <p:stCondLst>
-                        <p:cond delay="indefinite"/>
-                      </p:stCondLst>
-                      <p:childTnLst>
-                        <p:par>
-                          <p:cTn id="8" fill="hold">
-                            <p:stCondLst>
-                              <p:cond delay="0"/>
-                            </p:stCondLst>
-                            <p:childTnLst>
-                              <p:par>
-                                <p:cTn id="9" presetID="1" presetClass="entr" presetSubtype="0" fill="hold" nodeType="clickEffect">
-                                  <p:stCondLst>
-                                    <p:cond delay="0"/>
-                                  </p:stCondLst>
-                                  <p:childTnLst>
-                                    <p:set>
-                                      <p:cBhvr>
-                                        <p:cTn id="10" dur="1" fill="hold">
-                                          <p:stCondLst>
-                                            <p:cond delay="0"/>
-                                          </p:stCondLst>
-                                        </p:cTn>
-                                        <p:tgtEl>
-                                          <p:spTgt spid="10"/>
-                                        </p:tgtEl>
-                                        <p:attrNameLst>
-                                          <p:attrName>style.visibility</p:attrName>
-                                        </p:attrNameLst>
-                                      </p:cBhvr>
-                                      <p:to>
-                                        <p:strVal val="visible"/>
-                                      </p:to>
-                                    </p:set>
-                                  </p:childTnLst>
-                                </p:cTn>
-                              </p:par>
-                              <p:par>
-                                <p:cTn id="11" presetID="1" presetClass="entr" presetSubtype="0" fill="hold" grpId="0" nodeType="withEffect">
-                                  <p:stCondLst>
-                                    <p:cond delay="0"/>
-                                  </p:stCondLst>
-                                  <p:childTnLst>
-                                    <p:set>
-                                      <p:cBhvr>
-                                        <p:cTn id="12" dur="1" fill="hold">
-                                          <p:stCondLst>
-                                            <p:cond delay="0"/>
-                                          </p:stCondLst>
-                                        </p:cTn>
-                                        <p:tgtEl>
-                                          <p:spTgt spid="9"/>
-                                        </p:tgtEl>
-                                        <p:attrNameLst>
-                                          <p:attrName>style.visibility</p:attrName>
-                                        </p:attrNameLst>
-                                      </p:cBhvr>
-                                      <p:to>
-                                        <p:strVal val="visible"/>
-                                      </p:to>
-                                    </p:set>
-                                  </p:childTnLst>
-                                </p:cTn>
-                              </p:par>
-                            </p:childTnLst>
-                          </p:cTn>
-                        </p:par>
-                      </p:childTnLst>
-                    </p:cTn>
-                  </p:par>
-                </p:childTnLst>
-              </p:cTn>
-              <p:prevCondLst>
-                <p:cond evt="onPrev" delay="0">
-                  <p:tgtEl>
-                    <p:sldTgt/>
-                  </p:tgtEl>
-                </p:cond>
-              </p:prevCondLst>
-              <p:nextCondLst>
-                <p:cond evt="onNext" delay="0">
-                  <p:tgtEl>
-                    <p:sldTgt/>
-                  </p:tgtEl>
-                </p:cond>
-              </p:nextCondLst>
-            </p:seq>
-          </p:childTnLst>
-        </p:cTn>
-      </p:par>
-    </p:tnLst>
-    <p:bldLst>
-      <p:bldP spid="8" grpId="0"/>
-      <p:bldP spid="9" grpId="0"/>
-    </p:bldLst>
-  </p:timing>
-</p:sld>
-</file>
-
-<file path=ppt/slides/slide11.xml><?xml version="1.0" encoding="utf-8"?>
 <p:sld xmlns:a="http://schemas.openxmlformats.org/drawingml/2006/main" xmlns:r="http://schemas.openxmlformats.org/officeDocument/2006/relationships" xmlns:p="http://schemas.openxmlformats.org/presentationml/2006/main">
   <p:cSld>
     <p:spTree>
@@ -6746,7 +5094,7 @@
             <a:fld id="{FF4AB13A-4A28-2443-998B-BC001F0E380D}" type="slidenum">
               <a:rPr lang="en-US" smtClean="0"/>
               <a:pPr/>
-              <a:t>11</a:t>
+              <a:t>10</a:t>
             </a:fld>
             <a:endParaRPr lang="en-US"/>
           </a:p>
@@ -7155,7 +5503,7 @@
 </p:sld>
 </file>
 
-<file path=ppt/slides/slide12.xml><?xml version="1.0" encoding="utf-8"?>
+<file path=ppt/slides/slide11.xml><?xml version="1.0" encoding="utf-8"?>
 <p:sld xmlns:a="http://schemas.openxmlformats.org/drawingml/2006/main" xmlns:r="http://schemas.openxmlformats.org/officeDocument/2006/relationships" xmlns:p="http://schemas.openxmlformats.org/presentationml/2006/main">
   <p:cSld>
     <p:spTree>
@@ -7375,7 +5723,7 @@
             <a:fld id="{66815022-BCDB-574A-A341-944D88DEAABA}" type="slidenum">
               <a:rPr lang="en-US" smtClean="0"/>
               <a:pPr/>
-              <a:t>12</a:t>
+              <a:t>11</a:t>
             </a:fld>
             <a:endParaRPr lang="en-US"/>
           </a:p>
@@ -7401,7 +5749,7 @@
 </p:sld>
 </file>
 
-<file path=ppt/slides/slide13.xml><?xml version="1.0" encoding="utf-8"?>
+<file path=ppt/slides/slide12.xml><?xml version="1.0" encoding="utf-8"?>
 <p:sld xmlns:a="http://schemas.openxmlformats.org/drawingml/2006/main" xmlns:r="http://schemas.openxmlformats.org/officeDocument/2006/relationships" xmlns:p="http://schemas.openxmlformats.org/presentationml/2006/main">
   <p:cSld>
     <p:spTree>
@@ -8548,7 +6896,7 @@
             <a:fld id="{66815022-BCDB-574A-A341-944D88DEAABA}" type="slidenum">
               <a:rPr lang="en-US" smtClean="0"/>
               <a:pPr/>
-              <a:t>13</a:t>
+              <a:t>12</a:t>
             </a:fld>
             <a:endParaRPr lang="en-US"/>
           </a:p>
@@ -8574,7 +6922,2943 @@
 </p:sld>
 </file>
 
+<file path=ppt/slides/slide13.xml><?xml version="1.0" encoding="utf-8"?>
+<p:sld xmlns:a="http://schemas.openxmlformats.org/drawingml/2006/main" xmlns:r="http://schemas.openxmlformats.org/officeDocument/2006/relationships" xmlns:p="http://schemas.openxmlformats.org/presentationml/2006/main">
+  <p:cSld>
+    <p:spTree>
+      <p:nvGrpSpPr>
+        <p:cNvPr id="1" name=""/>
+        <p:cNvGrpSpPr/>
+        <p:nvPr/>
+      </p:nvGrpSpPr>
+      <p:grpSpPr>
+        <a:xfrm>
+          <a:off x="0" y="0"/>
+          <a:ext cx="0" cy="0"/>
+          <a:chOff x="0" y="0"/>
+          <a:chExt cx="0" cy="0"/>
+        </a:xfrm>
+      </p:grpSpPr>
+      <p:sp>
+        <p:nvSpPr>
+          <p:cNvPr id="2" name="Title 1"/>
+          <p:cNvSpPr>
+            <a:spLocks noGrp="1"/>
+          </p:cNvSpPr>
+          <p:nvPr>
+            <p:ph type="title"/>
+          </p:nvPr>
+        </p:nvSpPr>
+        <p:spPr/>
+        <p:txBody>
+          <a:bodyPr/>
+          <a:lstStyle/>
+          <a:p>
+            <a:r>
+              <a:rPr lang="en-US" dirty="0" smtClean="0">
+                <a:solidFill>
+                  <a:srgbClr val="4F6228"/>
+                </a:solidFill>
+              </a:rPr>
+              <a:t>Types of ordinations</a:t>
+            </a:r>
+            <a:endParaRPr lang="en-US" dirty="0">
+              <a:solidFill>
+                <a:srgbClr val="4F6228"/>
+              </a:solidFill>
+            </a:endParaRPr>
+          </a:p>
+        </p:txBody>
+      </p:sp>
+      <p:sp>
+        <p:nvSpPr>
+          <p:cNvPr id="3" name="Content Placeholder 2"/>
+          <p:cNvSpPr>
+            <a:spLocks noGrp="1"/>
+          </p:cNvSpPr>
+          <p:nvPr>
+            <p:ph idx="1"/>
+          </p:nvPr>
+        </p:nvSpPr>
+        <p:spPr/>
+        <p:txBody>
+          <a:bodyPr/>
+          <a:lstStyle/>
+          <a:p>
+            <a:r>
+              <a:rPr lang="en-US" dirty="0" smtClean="0"/>
+              <a:t>Non-metric multidimensional scaling (NMDS)</a:t>
+            </a:r>
+          </a:p>
+          <a:p>
+            <a:r>
+              <a:rPr lang="en-US" dirty="0" smtClean="0"/>
+              <a:t>Principle coordinates analysis (</a:t>
+            </a:r>
+            <a:r>
+              <a:rPr lang="en-US" dirty="0" err="1" smtClean="0"/>
+              <a:t>PCoA</a:t>
+            </a:r>
+            <a:r>
+              <a:rPr lang="en-US" dirty="0" smtClean="0"/>
+              <a:t>)</a:t>
+            </a:r>
+          </a:p>
+          <a:p>
+            <a:r>
+              <a:rPr lang="en-US" dirty="0" smtClean="0"/>
+              <a:t>Correspondence analysis (CA)</a:t>
+            </a:r>
+          </a:p>
+          <a:p>
+            <a:endParaRPr lang="en-US" dirty="0" smtClean="0"/>
+          </a:p>
+          <a:p>
+            <a:r>
+              <a:rPr lang="en-US" dirty="0" smtClean="0"/>
+              <a:t>Avoid:  Principle components analysis (PCA), Redundancy analysis (RDA) in some situations, and constrained analyses</a:t>
+            </a:r>
+            <a:r>
+              <a:rPr lang="en-US" i="1" dirty="0" smtClean="0"/>
+              <a:t> unless you really know what you are doing</a:t>
+            </a:r>
+            <a:endParaRPr lang="en-US" dirty="0" smtClean="0"/>
+          </a:p>
+        </p:txBody>
+      </p:sp>
+      <p:sp>
+        <p:nvSpPr>
+          <p:cNvPr id="4" name="Slide Number Placeholder 3"/>
+          <p:cNvSpPr>
+            <a:spLocks noGrp="1"/>
+          </p:cNvSpPr>
+          <p:nvPr>
+            <p:ph type="sldNum" sz="quarter" idx="12"/>
+          </p:nvPr>
+        </p:nvSpPr>
+        <p:spPr/>
+        <p:txBody>
+          <a:bodyPr/>
+          <a:lstStyle/>
+          <a:p>
+            <a:fld id="{66815022-BCDB-574A-A341-944D88DEAABA}" type="slidenum">
+              <a:rPr lang="en-US" smtClean="0"/>
+              <a:pPr/>
+              <a:t>13</a:t>
+            </a:fld>
+            <a:endParaRPr lang="en-US"/>
+          </a:p>
+        </p:txBody>
+      </p:sp>
+    </p:spTree>
+    <p:extLst>
+      <p:ext uri="{BB962C8B-B14F-4D97-AF65-F5344CB8AC3E}">
+        <p14:creationId xmlns:p14="http://schemas.microsoft.com/office/powerpoint/2010/main" val="3890564376"/>
+      </p:ext>
+    </p:extLst>
+  </p:cSld>
+  <p:clrMapOvr>
+    <a:masterClrMapping/>
+  </p:clrMapOvr>
+  <p:timing>
+    <p:tnLst>
+      <p:par>
+        <p:cTn xmlns:p14="http://schemas.microsoft.com/office/powerpoint/2010/main" id="1" dur="indefinite" restart="never" nodeType="tmRoot"/>
+      </p:par>
+    </p:tnLst>
+  </p:timing>
+</p:sld>
+</file>
+
 <file path=ppt/slides/slide14.xml><?xml version="1.0" encoding="utf-8"?>
+<p:sld xmlns:a="http://schemas.openxmlformats.org/drawingml/2006/main" xmlns:r="http://schemas.openxmlformats.org/officeDocument/2006/relationships" xmlns:p="http://schemas.openxmlformats.org/presentationml/2006/main">
+  <p:cSld>
+    <p:spTree>
+      <p:nvGrpSpPr>
+        <p:cNvPr id="1" name=""/>
+        <p:cNvGrpSpPr/>
+        <p:nvPr/>
+      </p:nvGrpSpPr>
+      <p:grpSpPr>
+        <a:xfrm>
+          <a:off x="0" y="0"/>
+          <a:ext cx="0" cy="0"/>
+          <a:chOff x="0" y="0"/>
+          <a:chExt cx="0" cy="0"/>
+        </a:xfrm>
+      </p:grpSpPr>
+      <p:sp>
+        <p:nvSpPr>
+          <p:cNvPr id="2" name="Title 1"/>
+          <p:cNvSpPr>
+            <a:spLocks noGrp="1"/>
+          </p:cNvSpPr>
+          <p:nvPr>
+            <p:ph type="title"/>
+          </p:nvPr>
+        </p:nvSpPr>
+        <p:spPr>
+          <a:xfrm>
+            <a:off x="0" y="-140938"/>
+            <a:ext cx="9144000" cy="1143000"/>
+          </a:xfrm>
+        </p:spPr>
+        <p:txBody>
+          <a:bodyPr>
+            <a:normAutofit/>
+          </a:bodyPr>
+          <a:lstStyle/>
+          <a:p>
+            <a:r>
+              <a:rPr lang="en-US" dirty="0" smtClean="0">
+                <a:solidFill>
+                  <a:srgbClr val="4F6228"/>
+                </a:solidFill>
+              </a:rPr>
+              <a:t>How do we look at ordinations?</a:t>
+            </a:r>
+            <a:endParaRPr lang="en-US" dirty="0">
+              <a:solidFill>
+                <a:srgbClr val="4F6228"/>
+              </a:solidFill>
+            </a:endParaRPr>
+          </a:p>
+        </p:txBody>
+      </p:sp>
+      <p:sp>
+        <p:nvSpPr>
+          <p:cNvPr id="7" name="TextBox 6"/>
+          <p:cNvSpPr txBox="1"/>
+          <p:nvPr/>
+        </p:nvSpPr>
+        <p:spPr>
+          <a:xfrm>
+            <a:off x="615887" y="739447"/>
+            <a:ext cx="7948072" cy="369332"/>
+          </a:xfrm>
+          <a:prstGeom prst="rect">
+            <a:avLst/>
+          </a:prstGeom>
+          <a:noFill/>
+        </p:spPr>
+        <p:txBody>
+          <a:bodyPr wrap="square" rtlCol="0">
+            <a:spAutoFit/>
+          </a:bodyPr>
+          <a:lstStyle/>
+          <a:p>
+            <a:pPr algn="ctr"/>
+            <a:r>
+              <a:rPr lang="en-US" dirty="0" smtClean="0"/>
+              <a:t>Think about:  </a:t>
+            </a:r>
+            <a:r>
+              <a:rPr lang="en-US" b="1" dirty="0" smtClean="0"/>
+              <a:t>CENTROID </a:t>
+            </a:r>
+            <a:r>
+              <a:rPr lang="en-US" b="1" dirty="0" smtClean="0"/>
+              <a:t>(mean)  </a:t>
+            </a:r>
+            <a:r>
+              <a:rPr lang="en-US" dirty="0" smtClean="0"/>
+              <a:t>or </a:t>
+            </a:r>
+            <a:r>
+              <a:rPr lang="en-US" b="1" dirty="0" smtClean="0"/>
+              <a:t>DISPERSION (spread, variability)</a:t>
+            </a:r>
+          </a:p>
+        </p:txBody>
+      </p:sp>
+      <p:grpSp>
+        <p:nvGrpSpPr>
+          <p:cNvPr id="3" name="Group 86"/>
+          <p:cNvGrpSpPr/>
+          <p:nvPr/>
+        </p:nvGrpSpPr>
+        <p:grpSpPr>
+          <a:xfrm>
+            <a:off x="565598" y="1346323"/>
+            <a:ext cx="3441342" cy="2579412"/>
+            <a:chOff x="565598" y="1076123"/>
+            <a:chExt cx="3441342" cy="2579412"/>
+          </a:xfrm>
+        </p:grpSpPr>
+        <p:grpSp>
+          <p:nvGrpSpPr>
+            <p:cNvPr id="4" name="Group 94"/>
+            <p:cNvGrpSpPr/>
+            <p:nvPr/>
+          </p:nvGrpSpPr>
+          <p:grpSpPr>
+            <a:xfrm>
+              <a:off x="624338" y="1466919"/>
+              <a:ext cx="3323863" cy="2188616"/>
+              <a:chOff x="851233" y="1713073"/>
+              <a:chExt cx="3323863" cy="2188616"/>
+            </a:xfrm>
+          </p:grpSpPr>
+          <p:sp>
+            <p:nvSpPr>
+              <p:cNvPr id="13" name="Rectangle 12"/>
+              <p:cNvSpPr/>
+              <p:nvPr/>
+            </p:nvSpPr>
+            <p:spPr>
+              <a:xfrm>
+                <a:off x="851233" y="1713073"/>
+                <a:ext cx="3323863" cy="2188616"/>
+              </a:xfrm>
+              <a:prstGeom prst="rect">
+                <a:avLst/>
+              </a:prstGeom>
+              <a:solidFill>
+                <a:srgbClr val="FFFFFF"/>
+              </a:solidFill>
+              <a:ln w="22225" cap="flat" cmpd="sng" algn="ctr">
+                <a:solidFill>
+                  <a:schemeClr val="tx1"/>
+                </a:solidFill>
+                <a:prstDash val="solid"/>
+                <a:round/>
+                <a:headEnd type="none" w="med" len="med"/>
+                <a:tailEnd type="none" w="med" len="med"/>
+              </a:ln>
+            </p:spPr>
+            <p:style>
+              <a:lnRef idx="1">
+                <a:schemeClr val="accent1"/>
+              </a:lnRef>
+              <a:fillRef idx="3">
+                <a:schemeClr val="accent1"/>
+              </a:fillRef>
+              <a:effectRef idx="2">
+                <a:schemeClr val="accent1"/>
+              </a:effectRef>
+              <a:fontRef idx="minor">
+                <a:schemeClr val="lt1"/>
+              </a:fontRef>
+            </p:style>
+            <p:txBody>
+              <a:bodyPr rtlCol="0" anchor="ctr"/>
+              <a:lstStyle/>
+              <a:p>
+                <a:pPr algn="ctr"/>
+                <a:endParaRPr lang="en-US" dirty="0"/>
+              </a:p>
+            </p:txBody>
+          </p:sp>
+          <p:sp>
+            <p:nvSpPr>
+              <p:cNvPr id="16" name="Oval 15"/>
+              <p:cNvSpPr/>
+              <p:nvPr/>
+            </p:nvSpPr>
+            <p:spPr>
+              <a:xfrm>
+                <a:off x="1524000" y="2580405"/>
+                <a:ext cx="205489" cy="175629"/>
+              </a:xfrm>
+              <a:prstGeom prst="ellipse">
+                <a:avLst/>
+              </a:prstGeom>
+              <a:solidFill>
+                <a:schemeClr val="accent6">
+                  <a:lumMod val="75000"/>
+                </a:schemeClr>
+              </a:solidFill>
+              <a:ln>
+                <a:solidFill>
+                  <a:srgbClr val="000000"/>
+                </a:solidFill>
+              </a:ln>
+              <a:effectLst/>
+            </p:spPr>
+            <p:style>
+              <a:lnRef idx="1">
+                <a:schemeClr val="accent1"/>
+              </a:lnRef>
+              <a:fillRef idx="3">
+                <a:schemeClr val="accent1"/>
+              </a:fillRef>
+              <a:effectRef idx="2">
+                <a:schemeClr val="accent1"/>
+              </a:effectRef>
+              <a:fontRef idx="minor">
+                <a:schemeClr val="lt1"/>
+              </a:fontRef>
+            </p:style>
+            <p:txBody>
+              <a:bodyPr rtlCol="0" anchor="ctr"/>
+              <a:lstStyle/>
+              <a:p>
+                <a:pPr algn="ctr"/>
+                <a:endParaRPr lang="en-US"/>
+              </a:p>
+            </p:txBody>
+          </p:sp>
+          <p:sp>
+            <p:nvSpPr>
+              <p:cNvPr id="17" name="Oval 16"/>
+              <p:cNvSpPr/>
+              <p:nvPr/>
+            </p:nvSpPr>
+            <p:spPr>
+              <a:xfrm>
+                <a:off x="1676400" y="2732805"/>
+                <a:ext cx="205489" cy="175629"/>
+              </a:xfrm>
+              <a:prstGeom prst="ellipse">
+                <a:avLst/>
+              </a:prstGeom>
+              <a:solidFill>
+                <a:schemeClr val="accent6">
+                  <a:lumMod val="75000"/>
+                </a:schemeClr>
+              </a:solidFill>
+              <a:ln>
+                <a:solidFill>
+                  <a:srgbClr val="000000"/>
+                </a:solidFill>
+              </a:ln>
+              <a:effectLst/>
+            </p:spPr>
+            <p:style>
+              <a:lnRef idx="1">
+                <a:schemeClr val="accent1"/>
+              </a:lnRef>
+              <a:fillRef idx="3">
+                <a:schemeClr val="accent1"/>
+              </a:fillRef>
+              <a:effectRef idx="2">
+                <a:schemeClr val="accent1"/>
+              </a:effectRef>
+              <a:fontRef idx="minor">
+                <a:schemeClr val="lt1"/>
+              </a:fontRef>
+            </p:style>
+            <p:txBody>
+              <a:bodyPr rtlCol="0" anchor="ctr"/>
+              <a:lstStyle/>
+              <a:p>
+                <a:pPr algn="ctr"/>
+                <a:endParaRPr lang="en-US"/>
+              </a:p>
+            </p:txBody>
+          </p:sp>
+          <p:sp>
+            <p:nvSpPr>
+              <p:cNvPr id="18" name="Oval 17"/>
+              <p:cNvSpPr/>
+              <p:nvPr/>
+            </p:nvSpPr>
+            <p:spPr>
+              <a:xfrm>
+                <a:off x="1729489" y="2492590"/>
+                <a:ext cx="205489" cy="175629"/>
+              </a:xfrm>
+              <a:prstGeom prst="ellipse">
+                <a:avLst/>
+              </a:prstGeom>
+              <a:solidFill>
+                <a:schemeClr val="accent6">
+                  <a:lumMod val="75000"/>
+                </a:schemeClr>
+              </a:solidFill>
+              <a:ln>
+                <a:solidFill>
+                  <a:srgbClr val="000000"/>
+                </a:solidFill>
+              </a:ln>
+              <a:effectLst/>
+            </p:spPr>
+            <p:style>
+              <a:lnRef idx="1">
+                <a:schemeClr val="accent1"/>
+              </a:lnRef>
+              <a:fillRef idx="3">
+                <a:schemeClr val="accent1"/>
+              </a:fillRef>
+              <a:effectRef idx="2">
+                <a:schemeClr val="accent1"/>
+              </a:effectRef>
+              <a:fontRef idx="minor">
+                <a:schemeClr val="lt1"/>
+              </a:fontRef>
+            </p:style>
+            <p:txBody>
+              <a:bodyPr rtlCol="0" anchor="ctr"/>
+              <a:lstStyle/>
+              <a:p>
+                <a:pPr algn="ctr"/>
+                <a:endParaRPr lang="en-US"/>
+              </a:p>
+            </p:txBody>
+          </p:sp>
+          <p:sp>
+            <p:nvSpPr>
+              <p:cNvPr id="19" name="Oval 18"/>
+              <p:cNvSpPr/>
+              <p:nvPr/>
+            </p:nvSpPr>
+            <p:spPr>
+              <a:xfrm>
+                <a:off x="1573655" y="2949790"/>
+                <a:ext cx="205489" cy="175629"/>
+              </a:xfrm>
+              <a:prstGeom prst="ellipse">
+                <a:avLst/>
+              </a:prstGeom>
+              <a:solidFill>
+                <a:schemeClr val="accent6">
+                  <a:lumMod val="75000"/>
+                </a:schemeClr>
+              </a:solidFill>
+              <a:ln>
+                <a:solidFill>
+                  <a:srgbClr val="000000"/>
+                </a:solidFill>
+              </a:ln>
+              <a:effectLst/>
+            </p:spPr>
+            <p:style>
+              <a:lnRef idx="1">
+                <a:schemeClr val="accent1"/>
+              </a:lnRef>
+              <a:fillRef idx="3">
+                <a:schemeClr val="accent1"/>
+              </a:fillRef>
+              <a:effectRef idx="2">
+                <a:schemeClr val="accent1"/>
+              </a:effectRef>
+              <a:fontRef idx="minor">
+                <a:schemeClr val="lt1"/>
+              </a:fontRef>
+            </p:style>
+            <p:txBody>
+              <a:bodyPr rtlCol="0" anchor="ctr"/>
+              <a:lstStyle/>
+              <a:p>
+                <a:pPr algn="ctr"/>
+                <a:endParaRPr lang="en-US"/>
+              </a:p>
+            </p:txBody>
+          </p:sp>
+          <p:sp>
+            <p:nvSpPr>
+              <p:cNvPr id="20" name="Oval 19"/>
+              <p:cNvSpPr/>
+              <p:nvPr/>
+            </p:nvSpPr>
+            <p:spPr>
+              <a:xfrm>
+                <a:off x="1928111" y="2861975"/>
+                <a:ext cx="205489" cy="175629"/>
+              </a:xfrm>
+              <a:prstGeom prst="ellipse">
+                <a:avLst/>
+              </a:prstGeom>
+              <a:solidFill>
+                <a:schemeClr val="accent6">
+                  <a:lumMod val="75000"/>
+                </a:schemeClr>
+              </a:solidFill>
+              <a:ln>
+                <a:solidFill>
+                  <a:srgbClr val="000000"/>
+                </a:solidFill>
+              </a:ln>
+              <a:effectLst/>
+            </p:spPr>
+            <p:style>
+              <a:lnRef idx="1">
+                <a:schemeClr val="accent1"/>
+              </a:lnRef>
+              <a:fillRef idx="3">
+                <a:schemeClr val="accent1"/>
+              </a:fillRef>
+              <a:effectRef idx="2">
+                <a:schemeClr val="accent1"/>
+              </a:effectRef>
+              <a:fontRef idx="minor">
+                <a:schemeClr val="lt1"/>
+              </a:fontRef>
+            </p:style>
+            <p:txBody>
+              <a:bodyPr rtlCol="0" anchor="ctr"/>
+              <a:lstStyle/>
+              <a:p>
+                <a:pPr algn="ctr"/>
+                <a:endParaRPr lang="en-US"/>
+              </a:p>
+            </p:txBody>
+          </p:sp>
+          <p:sp>
+            <p:nvSpPr>
+              <p:cNvPr id="21" name="Oval 20"/>
+              <p:cNvSpPr/>
+              <p:nvPr/>
+            </p:nvSpPr>
+            <p:spPr>
+              <a:xfrm>
+                <a:off x="1318511" y="2404776"/>
+                <a:ext cx="205489" cy="175629"/>
+              </a:xfrm>
+              <a:prstGeom prst="ellipse">
+                <a:avLst/>
+              </a:prstGeom>
+              <a:solidFill>
+                <a:schemeClr val="accent6">
+                  <a:lumMod val="75000"/>
+                </a:schemeClr>
+              </a:solidFill>
+              <a:ln>
+                <a:solidFill>
+                  <a:srgbClr val="000000"/>
+                </a:solidFill>
+              </a:ln>
+              <a:effectLst/>
+            </p:spPr>
+            <p:style>
+              <a:lnRef idx="1">
+                <a:schemeClr val="accent1"/>
+              </a:lnRef>
+              <a:fillRef idx="3">
+                <a:schemeClr val="accent1"/>
+              </a:fillRef>
+              <a:effectRef idx="2">
+                <a:schemeClr val="accent1"/>
+              </a:effectRef>
+              <a:fontRef idx="minor">
+                <a:schemeClr val="lt1"/>
+              </a:fontRef>
+            </p:style>
+            <p:txBody>
+              <a:bodyPr rtlCol="0" anchor="ctr"/>
+              <a:lstStyle/>
+              <a:p>
+                <a:pPr algn="ctr"/>
+                <a:endParaRPr lang="en-US"/>
+              </a:p>
+            </p:txBody>
+          </p:sp>
+          <p:sp>
+            <p:nvSpPr>
+              <p:cNvPr id="22" name="Oval 21"/>
+              <p:cNvSpPr/>
+              <p:nvPr/>
+            </p:nvSpPr>
+            <p:spPr>
+              <a:xfrm>
+                <a:off x="1318511" y="2732805"/>
+                <a:ext cx="205489" cy="175629"/>
+              </a:xfrm>
+              <a:prstGeom prst="ellipse">
+                <a:avLst/>
+              </a:prstGeom>
+              <a:solidFill>
+                <a:schemeClr val="accent6">
+                  <a:lumMod val="75000"/>
+                </a:schemeClr>
+              </a:solidFill>
+              <a:ln>
+                <a:solidFill>
+                  <a:srgbClr val="000000"/>
+                </a:solidFill>
+              </a:ln>
+              <a:effectLst/>
+            </p:spPr>
+            <p:style>
+              <a:lnRef idx="1">
+                <a:schemeClr val="accent1"/>
+              </a:lnRef>
+              <a:fillRef idx="3">
+                <a:schemeClr val="accent1"/>
+              </a:fillRef>
+              <a:effectRef idx="2">
+                <a:schemeClr val="accent1"/>
+              </a:effectRef>
+              <a:fontRef idx="minor">
+                <a:schemeClr val="lt1"/>
+              </a:fontRef>
+            </p:style>
+            <p:txBody>
+              <a:bodyPr rtlCol="0" anchor="ctr"/>
+              <a:lstStyle/>
+              <a:p>
+                <a:pPr algn="ctr"/>
+                <a:endParaRPr lang="en-US"/>
+              </a:p>
+            </p:txBody>
+          </p:sp>
+          <p:grpSp>
+            <p:nvGrpSpPr>
+              <p:cNvPr id="5" name="Group 69"/>
+              <p:cNvGrpSpPr/>
+              <p:nvPr/>
+            </p:nvGrpSpPr>
+            <p:grpSpPr>
+              <a:xfrm>
+                <a:off x="3047662" y="2316961"/>
+                <a:ext cx="704182" cy="808458"/>
+                <a:chOff x="3047662" y="2316961"/>
+                <a:chExt cx="704182" cy="808458"/>
+              </a:xfrm>
+            </p:grpSpPr>
+            <p:sp>
+              <p:nvSpPr>
+                <p:cNvPr id="23" name="Isosceles Triangle 22"/>
+                <p:cNvSpPr/>
+                <p:nvPr/>
+              </p:nvSpPr>
+              <p:spPr>
+                <a:xfrm>
+                  <a:off x="3410281" y="2316961"/>
+                  <a:ext cx="189163" cy="175629"/>
+                </a:xfrm>
+                <a:prstGeom prst="triangle">
+                  <a:avLst/>
+                </a:prstGeom>
+                <a:solidFill>
+                  <a:schemeClr val="tx2">
+                    <a:lumMod val="60000"/>
+                    <a:lumOff val="40000"/>
+                  </a:schemeClr>
+                </a:solidFill>
+                <a:ln>
+                  <a:solidFill>
+                    <a:srgbClr val="000000"/>
+                  </a:solidFill>
+                </a:ln>
+                <a:effectLst/>
+              </p:spPr>
+              <p:style>
+                <a:lnRef idx="1">
+                  <a:schemeClr val="accent1"/>
+                </a:lnRef>
+                <a:fillRef idx="3">
+                  <a:schemeClr val="accent1"/>
+                </a:fillRef>
+                <a:effectRef idx="2">
+                  <a:schemeClr val="accent1"/>
+                </a:effectRef>
+                <a:fontRef idx="minor">
+                  <a:schemeClr val="lt1"/>
+                </a:fontRef>
+              </p:style>
+              <p:txBody>
+                <a:bodyPr rtlCol="0" anchor="ctr"/>
+                <a:lstStyle/>
+                <a:p>
+                  <a:pPr algn="ctr"/>
+                  <a:endParaRPr lang="en-US"/>
+                </a:p>
+              </p:txBody>
+            </p:sp>
+            <p:sp>
+              <p:nvSpPr>
+                <p:cNvPr id="24" name="Isosceles Triangle 23"/>
+                <p:cNvSpPr/>
+                <p:nvPr/>
+              </p:nvSpPr>
+              <p:spPr>
+                <a:xfrm>
+                  <a:off x="3047662" y="2404775"/>
+                  <a:ext cx="189163" cy="175629"/>
+                </a:xfrm>
+                <a:prstGeom prst="triangle">
+                  <a:avLst/>
+                </a:prstGeom>
+                <a:solidFill>
+                  <a:schemeClr val="tx2">
+                    <a:lumMod val="60000"/>
+                    <a:lumOff val="40000"/>
+                  </a:schemeClr>
+                </a:solidFill>
+                <a:ln>
+                  <a:solidFill>
+                    <a:srgbClr val="000000"/>
+                  </a:solidFill>
+                </a:ln>
+                <a:effectLst/>
+              </p:spPr>
+              <p:style>
+                <a:lnRef idx="1">
+                  <a:schemeClr val="accent1"/>
+                </a:lnRef>
+                <a:fillRef idx="3">
+                  <a:schemeClr val="accent1"/>
+                </a:fillRef>
+                <a:effectRef idx="2">
+                  <a:schemeClr val="accent1"/>
+                </a:effectRef>
+                <a:fontRef idx="minor">
+                  <a:schemeClr val="lt1"/>
+                </a:fontRef>
+              </p:style>
+              <p:txBody>
+                <a:bodyPr rtlCol="0" anchor="ctr"/>
+                <a:lstStyle/>
+                <a:p>
+                  <a:pPr algn="ctr"/>
+                  <a:endParaRPr lang="en-US"/>
+                </a:p>
+              </p:txBody>
+            </p:sp>
+            <p:sp>
+              <p:nvSpPr>
+                <p:cNvPr id="25" name="Isosceles Triangle 24"/>
+                <p:cNvSpPr/>
+                <p:nvPr/>
+              </p:nvSpPr>
+              <p:spPr>
+                <a:xfrm>
+                  <a:off x="3315699" y="2492590"/>
+                  <a:ext cx="189163" cy="175629"/>
+                </a:xfrm>
+                <a:prstGeom prst="triangle">
+                  <a:avLst/>
+                </a:prstGeom>
+                <a:solidFill>
+                  <a:schemeClr val="tx2">
+                    <a:lumMod val="60000"/>
+                    <a:lumOff val="40000"/>
+                  </a:schemeClr>
+                </a:solidFill>
+                <a:ln>
+                  <a:solidFill>
+                    <a:srgbClr val="000000"/>
+                  </a:solidFill>
+                </a:ln>
+                <a:effectLst/>
+              </p:spPr>
+              <p:style>
+                <a:lnRef idx="1">
+                  <a:schemeClr val="accent1"/>
+                </a:lnRef>
+                <a:fillRef idx="3">
+                  <a:schemeClr val="accent1"/>
+                </a:fillRef>
+                <a:effectRef idx="2">
+                  <a:schemeClr val="accent1"/>
+                </a:effectRef>
+                <a:fontRef idx="minor">
+                  <a:schemeClr val="lt1"/>
+                </a:fontRef>
+              </p:style>
+              <p:txBody>
+                <a:bodyPr rtlCol="0" anchor="ctr"/>
+                <a:lstStyle/>
+                <a:p>
+                  <a:pPr algn="ctr"/>
+                  <a:endParaRPr lang="en-US"/>
+                </a:p>
+              </p:txBody>
+            </p:sp>
+            <p:sp>
+              <p:nvSpPr>
+                <p:cNvPr id="26" name="Isosceles Triangle 25"/>
+                <p:cNvSpPr/>
+                <p:nvPr/>
+              </p:nvSpPr>
+              <p:spPr>
+                <a:xfrm>
+                  <a:off x="3047662" y="2668219"/>
+                  <a:ext cx="189163" cy="175629"/>
+                </a:xfrm>
+                <a:prstGeom prst="triangle">
+                  <a:avLst/>
+                </a:prstGeom>
+                <a:solidFill>
+                  <a:schemeClr val="tx2">
+                    <a:lumMod val="60000"/>
+                    <a:lumOff val="40000"/>
+                  </a:schemeClr>
+                </a:solidFill>
+                <a:ln>
+                  <a:solidFill>
+                    <a:srgbClr val="000000"/>
+                  </a:solidFill>
+                </a:ln>
+                <a:effectLst/>
+              </p:spPr>
+              <p:style>
+                <a:lnRef idx="1">
+                  <a:schemeClr val="accent1"/>
+                </a:lnRef>
+                <a:fillRef idx="3">
+                  <a:schemeClr val="accent1"/>
+                </a:fillRef>
+                <a:effectRef idx="2">
+                  <a:schemeClr val="accent1"/>
+                </a:effectRef>
+                <a:fontRef idx="minor">
+                  <a:schemeClr val="lt1"/>
+                </a:fontRef>
+              </p:style>
+              <p:txBody>
+                <a:bodyPr rtlCol="0" anchor="ctr"/>
+                <a:lstStyle/>
+                <a:p>
+                  <a:pPr algn="ctr"/>
+                  <a:endParaRPr lang="en-US"/>
+                </a:p>
+              </p:txBody>
+            </p:sp>
+            <p:sp>
+              <p:nvSpPr>
+                <p:cNvPr id="27" name="Isosceles Triangle 26"/>
+                <p:cNvSpPr/>
+                <p:nvPr/>
+              </p:nvSpPr>
+              <p:spPr>
+                <a:xfrm>
+                  <a:off x="3562681" y="2668219"/>
+                  <a:ext cx="189163" cy="175629"/>
+                </a:xfrm>
+                <a:prstGeom prst="triangle">
+                  <a:avLst/>
+                </a:prstGeom>
+                <a:solidFill>
+                  <a:schemeClr val="tx2">
+                    <a:lumMod val="60000"/>
+                    <a:lumOff val="40000"/>
+                  </a:schemeClr>
+                </a:solidFill>
+                <a:ln>
+                  <a:solidFill>
+                    <a:srgbClr val="000000"/>
+                  </a:solidFill>
+                </a:ln>
+                <a:effectLst/>
+              </p:spPr>
+              <p:style>
+                <a:lnRef idx="1">
+                  <a:schemeClr val="accent1"/>
+                </a:lnRef>
+                <a:fillRef idx="3">
+                  <a:schemeClr val="accent1"/>
+                </a:fillRef>
+                <a:effectRef idx="2">
+                  <a:schemeClr val="accent1"/>
+                </a:effectRef>
+                <a:fontRef idx="minor">
+                  <a:schemeClr val="lt1"/>
+                </a:fontRef>
+              </p:style>
+              <p:txBody>
+                <a:bodyPr rtlCol="0" anchor="ctr"/>
+                <a:lstStyle/>
+                <a:p>
+                  <a:pPr algn="ctr"/>
+                  <a:endParaRPr lang="en-US"/>
+                </a:p>
+              </p:txBody>
+            </p:sp>
+            <p:sp>
+              <p:nvSpPr>
+                <p:cNvPr id="28" name="Isosceles Triangle 27"/>
+                <p:cNvSpPr/>
+                <p:nvPr/>
+              </p:nvSpPr>
+              <p:spPr>
+                <a:xfrm>
+                  <a:off x="3236825" y="2843848"/>
+                  <a:ext cx="189163" cy="175629"/>
+                </a:xfrm>
+                <a:prstGeom prst="triangle">
+                  <a:avLst/>
+                </a:prstGeom>
+                <a:solidFill>
+                  <a:schemeClr val="tx2">
+                    <a:lumMod val="60000"/>
+                    <a:lumOff val="40000"/>
+                  </a:schemeClr>
+                </a:solidFill>
+                <a:ln>
+                  <a:solidFill>
+                    <a:srgbClr val="000000"/>
+                  </a:solidFill>
+                </a:ln>
+                <a:effectLst/>
+              </p:spPr>
+              <p:style>
+                <a:lnRef idx="1">
+                  <a:schemeClr val="accent1"/>
+                </a:lnRef>
+                <a:fillRef idx="3">
+                  <a:schemeClr val="accent1"/>
+                </a:fillRef>
+                <a:effectRef idx="2">
+                  <a:schemeClr val="accent1"/>
+                </a:effectRef>
+                <a:fontRef idx="minor">
+                  <a:schemeClr val="lt1"/>
+                </a:fontRef>
+              </p:style>
+              <p:txBody>
+                <a:bodyPr rtlCol="0" anchor="ctr"/>
+                <a:lstStyle/>
+                <a:p>
+                  <a:pPr algn="ctr"/>
+                  <a:endParaRPr lang="en-US"/>
+                </a:p>
+              </p:txBody>
+            </p:sp>
+            <p:sp>
+              <p:nvSpPr>
+                <p:cNvPr id="29" name="Isosceles Triangle 28"/>
+                <p:cNvSpPr/>
+                <p:nvPr/>
+              </p:nvSpPr>
+              <p:spPr>
+                <a:xfrm>
+                  <a:off x="3504862" y="2949790"/>
+                  <a:ext cx="189163" cy="175629"/>
+                </a:xfrm>
+                <a:prstGeom prst="triangle">
+                  <a:avLst/>
+                </a:prstGeom>
+                <a:solidFill>
+                  <a:schemeClr val="tx2">
+                    <a:lumMod val="60000"/>
+                    <a:lumOff val="40000"/>
+                  </a:schemeClr>
+                </a:solidFill>
+                <a:ln>
+                  <a:solidFill>
+                    <a:srgbClr val="000000"/>
+                  </a:solidFill>
+                </a:ln>
+                <a:effectLst/>
+              </p:spPr>
+              <p:style>
+                <a:lnRef idx="1">
+                  <a:schemeClr val="accent1"/>
+                </a:lnRef>
+                <a:fillRef idx="3">
+                  <a:schemeClr val="accent1"/>
+                </a:fillRef>
+                <a:effectRef idx="2">
+                  <a:schemeClr val="accent1"/>
+                </a:effectRef>
+                <a:fontRef idx="minor">
+                  <a:schemeClr val="lt1"/>
+                </a:fontRef>
+              </p:style>
+              <p:txBody>
+                <a:bodyPr rtlCol="0" anchor="ctr"/>
+                <a:lstStyle/>
+                <a:p>
+                  <a:pPr algn="ctr"/>
+                  <a:endParaRPr lang="en-US"/>
+                </a:p>
+              </p:txBody>
+            </p:sp>
+          </p:grpSp>
+        </p:grpSp>
+        <p:sp>
+          <p:nvSpPr>
+            <p:cNvPr id="98" name="TextBox 97"/>
+            <p:cNvSpPr txBox="1"/>
+            <p:nvPr/>
+          </p:nvSpPr>
+          <p:spPr>
+            <a:xfrm>
+              <a:off x="565598" y="1076123"/>
+              <a:ext cx="3441342" cy="369332"/>
+            </a:xfrm>
+            <a:prstGeom prst="rect">
+              <a:avLst/>
+            </a:prstGeom>
+            <a:noFill/>
+          </p:spPr>
+          <p:txBody>
+            <a:bodyPr wrap="none" rtlCol="0">
+              <a:spAutoFit/>
+            </a:bodyPr>
+            <a:lstStyle/>
+            <a:p>
+              <a:r>
+                <a:rPr lang="en-US" dirty="0" smtClean="0"/>
+                <a:t>A. Different </a:t>
+              </a:r>
+              <a:r>
+                <a:rPr lang="en-US" dirty="0" err="1" smtClean="0"/>
+                <a:t>centroid</a:t>
+              </a:r>
+              <a:r>
+                <a:rPr lang="en-US" dirty="0" smtClean="0"/>
+                <a:t>, same  spread</a:t>
+              </a:r>
+              <a:endParaRPr lang="en-US" dirty="0"/>
+            </a:p>
+          </p:txBody>
+        </p:sp>
+      </p:grpSp>
+      <p:grpSp>
+        <p:nvGrpSpPr>
+          <p:cNvPr id="6" name="Group 87"/>
+          <p:cNvGrpSpPr/>
+          <p:nvPr/>
+        </p:nvGrpSpPr>
+        <p:grpSpPr>
+          <a:xfrm>
+            <a:off x="443025" y="4227717"/>
+            <a:ext cx="3686488" cy="2554290"/>
+            <a:chOff x="443025" y="3957517"/>
+            <a:chExt cx="3686488" cy="2554290"/>
+          </a:xfrm>
+        </p:grpSpPr>
+        <p:grpSp>
+          <p:nvGrpSpPr>
+            <p:cNvPr id="8" name="Group 95"/>
+            <p:cNvGrpSpPr/>
+            <p:nvPr/>
+          </p:nvGrpSpPr>
+          <p:grpSpPr>
+            <a:xfrm>
+              <a:off x="624338" y="4323191"/>
+              <a:ext cx="3323863" cy="2188616"/>
+              <a:chOff x="851233" y="4323191"/>
+              <a:chExt cx="3323863" cy="2188616"/>
+            </a:xfrm>
+          </p:grpSpPr>
+          <p:sp>
+            <p:nvSpPr>
+              <p:cNvPr id="12" name="Rectangle 11"/>
+              <p:cNvSpPr/>
+              <p:nvPr/>
+            </p:nvSpPr>
+            <p:spPr>
+              <a:xfrm>
+                <a:off x="851233" y="4323191"/>
+                <a:ext cx="3323863" cy="2188616"/>
+              </a:xfrm>
+              <a:prstGeom prst="rect">
+                <a:avLst/>
+              </a:prstGeom>
+              <a:solidFill>
+                <a:srgbClr val="FFFFFF"/>
+              </a:solidFill>
+              <a:ln w="22225" cap="flat" cmpd="sng" algn="ctr">
+                <a:solidFill>
+                  <a:schemeClr val="tx1"/>
+                </a:solidFill>
+                <a:prstDash val="solid"/>
+                <a:round/>
+                <a:headEnd type="none" w="med" len="med"/>
+                <a:tailEnd type="none" w="med" len="med"/>
+              </a:ln>
+            </p:spPr>
+            <p:style>
+              <a:lnRef idx="1">
+                <a:schemeClr val="accent1"/>
+              </a:lnRef>
+              <a:fillRef idx="3">
+                <a:schemeClr val="accent1"/>
+              </a:fillRef>
+              <a:effectRef idx="2">
+                <a:schemeClr val="accent1"/>
+              </a:effectRef>
+              <a:fontRef idx="minor">
+                <a:schemeClr val="lt1"/>
+              </a:fontRef>
+            </p:style>
+            <p:txBody>
+              <a:bodyPr rtlCol="0" anchor="ctr"/>
+              <a:lstStyle/>
+              <a:p>
+                <a:pPr algn="ctr"/>
+                <a:endParaRPr lang="en-US"/>
+              </a:p>
+            </p:txBody>
+          </p:sp>
+          <p:grpSp>
+            <p:nvGrpSpPr>
+              <p:cNvPr id="10" name="Group 60"/>
+              <p:cNvGrpSpPr/>
+              <p:nvPr/>
+            </p:nvGrpSpPr>
+            <p:grpSpPr>
+              <a:xfrm>
+                <a:off x="918793" y="4505577"/>
+                <a:ext cx="1605695" cy="1899801"/>
+                <a:chOff x="918793" y="4505577"/>
+                <a:chExt cx="1605695" cy="1899801"/>
+              </a:xfrm>
+            </p:grpSpPr>
+            <p:sp>
+              <p:nvSpPr>
+                <p:cNvPr id="37" name="Oval 36"/>
+                <p:cNvSpPr/>
+                <p:nvPr/>
+              </p:nvSpPr>
+              <p:spPr>
+                <a:xfrm>
+                  <a:off x="1468992" y="5238906"/>
+                  <a:ext cx="205489" cy="175629"/>
+                </a:xfrm>
+                <a:prstGeom prst="ellipse">
+                  <a:avLst/>
+                </a:prstGeom>
+                <a:solidFill>
+                  <a:schemeClr val="accent6">
+                    <a:lumMod val="75000"/>
+                  </a:schemeClr>
+                </a:solidFill>
+                <a:ln>
+                  <a:solidFill>
+                    <a:srgbClr val="000000"/>
+                  </a:solidFill>
+                </a:ln>
+                <a:effectLst/>
+              </p:spPr>
+              <p:style>
+                <a:lnRef idx="1">
+                  <a:schemeClr val="accent1"/>
+                </a:lnRef>
+                <a:fillRef idx="3">
+                  <a:schemeClr val="accent1"/>
+                </a:fillRef>
+                <a:effectRef idx="2">
+                  <a:schemeClr val="accent1"/>
+                </a:effectRef>
+                <a:fontRef idx="minor">
+                  <a:schemeClr val="lt1"/>
+                </a:fontRef>
+              </p:style>
+              <p:txBody>
+                <a:bodyPr rtlCol="0" anchor="ctr"/>
+                <a:lstStyle/>
+                <a:p>
+                  <a:pPr algn="ctr"/>
+                  <a:endParaRPr lang="en-US"/>
+                </a:p>
+              </p:txBody>
+            </p:sp>
+            <p:sp>
+              <p:nvSpPr>
+                <p:cNvPr id="38" name="Oval 37"/>
+                <p:cNvSpPr/>
+                <p:nvPr/>
+              </p:nvSpPr>
+              <p:spPr>
+                <a:xfrm>
+                  <a:off x="2054110" y="5063277"/>
+                  <a:ext cx="205489" cy="175629"/>
+                </a:xfrm>
+                <a:prstGeom prst="ellipse">
+                  <a:avLst/>
+                </a:prstGeom>
+                <a:solidFill>
+                  <a:schemeClr val="accent6">
+                    <a:lumMod val="75000"/>
+                  </a:schemeClr>
+                </a:solidFill>
+                <a:ln>
+                  <a:solidFill>
+                    <a:srgbClr val="000000"/>
+                  </a:solidFill>
+                </a:ln>
+                <a:effectLst/>
+              </p:spPr>
+              <p:style>
+                <a:lnRef idx="1">
+                  <a:schemeClr val="accent1"/>
+                </a:lnRef>
+                <a:fillRef idx="3">
+                  <a:schemeClr val="accent1"/>
+                </a:fillRef>
+                <a:effectRef idx="2">
+                  <a:schemeClr val="accent1"/>
+                </a:effectRef>
+                <a:fontRef idx="minor">
+                  <a:schemeClr val="lt1"/>
+                </a:fontRef>
+              </p:style>
+              <p:txBody>
+                <a:bodyPr rtlCol="0" anchor="ctr"/>
+                <a:lstStyle/>
+                <a:p>
+                  <a:pPr algn="ctr"/>
+                  <a:endParaRPr lang="en-US"/>
+                </a:p>
+              </p:txBody>
+            </p:sp>
+            <p:sp>
+              <p:nvSpPr>
+                <p:cNvPr id="39" name="Oval 38"/>
+                <p:cNvSpPr/>
+                <p:nvPr/>
+              </p:nvSpPr>
+              <p:spPr>
+                <a:xfrm>
+                  <a:off x="1626744" y="4593391"/>
+                  <a:ext cx="205489" cy="175629"/>
+                </a:xfrm>
+                <a:prstGeom prst="ellipse">
+                  <a:avLst/>
+                </a:prstGeom>
+                <a:solidFill>
+                  <a:schemeClr val="accent6">
+                    <a:lumMod val="75000"/>
+                  </a:schemeClr>
+                </a:solidFill>
+                <a:ln>
+                  <a:solidFill>
+                    <a:srgbClr val="000000"/>
+                  </a:solidFill>
+                </a:ln>
+                <a:effectLst/>
+              </p:spPr>
+              <p:style>
+                <a:lnRef idx="1">
+                  <a:schemeClr val="accent1"/>
+                </a:lnRef>
+                <a:fillRef idx="3">
+                  <a:schemeClr val="accent1"/>
+                </a:fillRef>
+                <a:effectRef idx="2">
+                  <a:schemeClr val="accent1"/>
+                </a:effectRef>
+                <a:fontRef idx="minor">
+                  <a:schemeClr val="lt1"/>
+                </a:fontRef>
+              </p:style>
+              <p:txBody>
+                <a:bodyPr rtlCol="0" anchor="ctr"/>
+                <a:lstStyle/>
+                <a:p>
+                  <a:pPr algn="ctr"/>
+                  <a:endParaRPr lang="en-US"/>
+                </a:p>
+              </p:txBody>
+            </p:sp>
+            <p:sp>
+              <p:nvSpPr>
+                <p:cNvPr id="40" name="Oval 39"/>
+                <p:cNvSpPr/>
+                <p:nvPr/>
+              </p:nvSpPr>
+              <p:spPr>
+                <a:xfrm>
+                  <a:off x="1626744" y="6229749"/>
+                  <a:ext cx="205489" cy="175629"/>
+                </a:xfrm>
+                <a:prstGeom prst="ellipse">
+                  <a:avLst/>
+                </a:prstGeom>
+                <a:solidFill>
+                  <a:schemeClr val="accent6">
+                    <a:lumMod val="75000"/>
+                  </a:schemeClr>
+                </a:solidFill>
+                <a:ln>
+                  <a:solidFill>
+                    <a:srgbClr val="000000"/>
+                  </a:solidFill>
+                </a:ln>
+                <a:effectLst/>
+              </p:spPr>
+              <p:style>
+                <a:lnRef idx="1">
+                  <a:schemeClr val="accent1"/>
+                </a:lnRef>
+                <a:fillRef idx="3">
+                  <a:schemeClr val="accent1"/>
+                </a:fillRef>
+                <a:effectRef idx="2">
+                  <a:schemeClr val="accent1"/>
+                </a:effectRef>
+                <a:fontRef idx="minor">
+                  <a:schemeClr val="lt1"/>
+                </a:fontRef>
+              </p:style>
+              <p:txBody>
+                <a:bodyPr rtlCol="0" anchor="ctr"/>
+                <a:lstStyle/>
+                <a:p>
+                  <a:pPr algn="ctr"/>
+                  <a:endParaRPr lang="en-US"/>
+                </a:p>
+              </p:txBody>
+            </p:sp>
+            <p:sp>
+              <p:nvSpPr>
+                <p:cNvPr id="41" name="Oval 40"/>
+                <p:cNvSpPr/>
+                <p:nvPr/>
+              </p:nvSpPr>
+              <p:spPr>
+                <a:xfrm>
+                  <a:off x="2318999" y="5628556"/>
+                  <a:ext cx="205489" cy="175629"/>
+                </a:xfrm>
+                <a:prstGeom prst="ellipse">
+                  <a:avLst/>
+                </a:prstGeom>
+                <a:solidFill>
+                  <a:schemeClr val="accent6">
+                    <a:lumMod val="75000"/>
+                  </a:schemeClr>
+                </a:solidFill>
+                <a:ln>
+                  <a:solidFill>
+                    <a:srgbClr val="000000"/>
+                  </a:solidFill>
+                </a:ln>
+                <a:effectLst/>
+              </p:spPr>
+              <p:style>
+                <a:lnRef idx="1">
+                  <a:schemeClr val="accent1"/>
+                </a:lnRef>
+                <a:fillRef idx="3">
+                  <a:schemeClr val="accent1"/>
+                </a:fillRef>
+                <a:effectRef idx="2">
+                  <a:schemeClr val="accent1"/>
+                </a:effectRef>
+                <a:fontRef idx="minor">
+                  <a:schemeClr val="lt1"/>
+                </a:fontRef>
+              </p:style>
+              <p:txBody>
+                <a:bodyPr rtlCol="0" anchor="ctr"/>
+                <a:lstStyle/>
+                <a:p>
+                  <a:pPr algn="ctr"/>
+                  <a:endParaRPr lang="en-US"/>
+                </a:p>
+              </p:txBody>
+            </p:sp>
+            <p:sp>
+              <p:nvSpPr>
+                <p:cNvPr id="42" name="Oval 41"/>
+                <p:cNvSpPr/>
+                <p:nvPr/>
+              </p:nvSpPr>
+              <p:spPr>
+                <a:xfrm>
+                  <a:off x="918793" y="4505577"/>
+                  <a:ext cx="205489" cy="175629"/>
+                </a:xfrm>
+                <a:prstGeom prst="ellipse">
+                  <a:avLst/>
+                </a:prstGeom>
+                <a:solidFill>
+                  <a:schemeClr val="accent6">
+                    <a:lumMod val="75000"/>
+                  </a:schemeClr>
+                </a:solidFill>
+                <a:ln>
+                  <a:solidFill>
+                    <a:srgbClr val="000000"/>
+                  </a:solidFill>
+                </a:ln>
+                <a:effectLst/>
+              </p:spPr>
+              <p:style>
+                <a:lnRef idx="1">
+                  <a:schemeClr val="accent1"/>
+                </a:lnRef>
+                <a:fillRef idx="3">
+                  <a:schemeClr val="accent1"/>
+                </a:fillRef>
+                <a:effectRef idx="2">
+                  <a:schemeClr val="accent1"/>
+                </a:effectRef>
+                <a:fontRef idx="minor">
+                  <a:schemeClr val="lt1"/>
+                </a:fontRef>
+              </p:style>
+              <p:txBody>
+                <a:bodyPr rtlCol="0" anchor="ctr"/>
+                <a:lstStyle/>
+                <a:p>
+                  <a:pPr algn="ctr"/>
+                  <a:endParaRPr lang="en-US"/>
+                </a:p>
+              </p:txBody>
+            </p:sp>
+            <p:sp>
+              <p:nvSpPr>
+                <p:cNvPr id="43" name="Oval 42"/>
+                <p:cNvSpPr/>
+                <p:nvPr/>
+              </p:nvSpPr>
+              <p:spPr>
+                <a:xfrm>
+                  <a:off x="1113022" y="5783920"/>
+                  <a:ext cx="205489" cy="175629"/>
+                </a:xfrm>
+                <a:prstGeom prst="ellipse">
+                  <a:avLst/>
+                </a:prstGeom>
+                <a:solidFill>
+                  <a:schemeClr val="accent6">
+                    <a:lumMod val="75000"/>
+                  </a:schemeClr>
+                </a:solidFill>
+                <a:ln>
+                  <a:solidFill>
+                    <a:srgbClr val="000000"/>
+                  </a:solidFill>
+                </a:ln>
+                <a:effectLst/>
+              </p:spPr>
+              <p:style>
+                <a:lnRef idx="1">
+                  <a:schemeClr val="accent1"/>
+                </a:lnRef>
+                <a:fillRef idx="3">
+                  <a:schemeClr val="accent1"/>
+                </a:fillRef>
+                <a:effectRef idx="2">
+                  <a:schemeClr val="accent1"/>
+                </a:effectRef>
+                <a:fontRef idx="minor">
+                  <a:schemeClr val="lt1"/>
+                </a:fontRef>
+              </p:style>
+              <p:txBody>
+                <a:bodyPr rtlCol="0" anchor="ctr"/>
+                <a:lstStyle/>
+                <a:p>
+                  <a:pPr algn="ctr"/>
+                  <a:endParaRPr lang="en-US"/>
+                </a:p>
+              </p:txBody>
+            </p:sp>
+          </p:grpSp>
+          <p:grpSp>
+            <p:nvGrpSpPr>
+              <p:cNvPr id="11" name="Group 78"/>
+              <p:cNvGrpSpPr/>
+              <p:nvPr/>
+            </p:nvGrpSpPr>
+            <p:grpSpPr>
+              <a:xfrm>
+                <a:off x="3193307" y="5059066"/>
+                <a:ext cx="704182" cy="808458"/>
+                <a:chOff x="3047662" y="2316961"/>
+                <a:chExt cx="704182" cy="808458"/>
+              </a:xfrm>
+            </p:grpSpPr>
+            <p:sp>
+              <p:nvSpPr>
+                <p:cNvPr id="80" name="Isosceles Triangle 79"/>
+                <p:cNvSpPr/>
+                <p:nvPr/>
+              </p:nvSpPr>
+              <p:spPr>
+                <a:xfrm>
+                  <a:off x="3410281" y="2316961"/>
+                  <a:ext cx="189163" cy="175629"/>
+                </a:xfrm>
+                <a:prstGeom prst="triangle">
+                  <a:avLst/>
+                </a:prstGeom>
+                <a:solidFill>
+                  <a:schemeClr val="tx2">
+                    <a:lumMod val="60000"/>
+                    <a:lumOff val="40000"/>
+                  </a:schemeClr>
+                </a:solidFill>
+                <a:ln>
+                  <a:solidFill>
+                    <a:srgbClr val="000000"/>
+                  </a:solidFill>
+                </a:ln>
+                <a:effectLst/>
+              </p:spPr>
+              <p:style>
+                <a:lnRef idx="1">
+                  <a:schemeClr val="accent1"/>
+                </a:lnRef>
+                <a:fillRef idx="3">
+                  <a:schemeClr val="accent1"/>
+                </a:fillRef>
+                <a:effectRef idx="2">
+                  <a:schemeClr val="accent1"/>
+                </a:effectRef>
+                <a:fontRef idx="minor">
+                  <a:schemeClr val="lt1"/>
+                </a:fontRef>
+              </p:style>
+              <p:txBody>
+                <a:bodyPr rtlCol="0" anchor="ctr"/>
+                <a:lstStyle/>
+                <a:p>
+                  <a:pPr algn="ctr"/>
+                  <a:endParaRPr lang="en-US"/>
+                </a:p>
+              </p:txBody>
+            </p:sp>
+            <p:sp>
+              <p:nvSpPr>
+                <p:cNvPr id="81" name="Isosceles Triangle 80"/>
+                <p:cNvSpPr/>
+                <p:nvPr/>
+              </p:nvSpPr>
+              <p:spPr>
+                <a:xfrm>
+                  <a:off x="3047662" y="2404775"/>
+                  <a:ext cx="189163" cy="175629"/>
+                </a:xfrm>
+                <a:prstGeom prst="triangle">
+                  <a:avLst/>
+                </a:prstGeom>
+                <a:solidFill>
+                  <a:schemeClr val="tx2">
+                    <a:lumMod val="60000"/>
+                    <a:lumOff val="40000"/>
+                  </a:schemeClr>
+                </a:solidFill>
+                <a:ln>
+                  <a:solidFill>
+                    <a:srgbClr val="000000"/>
+                  </a:solidFill>
+                </a:ln>
+                <a:effectLst/>
+              </p:spPr>
+              <p:style>
+                <a:lnRef idx="1">
+                  <a:schemeClr val="accent1"/>
+                </a:lnRef>
+                <a:fillRef idx="3">
+                  <a:schemeClr val="accent1"/>
+                </a:fillRef>
+                <a:effectRef idx="2">
+                  <a:schemeClr val="accent1"/>
+                </a:effectRef>
+                <a:fontRef idx="minor">
+                  <a:schemeClr val="lt1"/>
+                </a:fontRef>
+              </p:style>
+              <p:txBody>
+                <a:bodyPr rtlCol="0" anchor="ctr"/>
+                <a:lstStyle/>
+                <a:p>
+                  <a:pPr algn="ctr"/>
+                  <a:endParaRPr lang="en-US"/>
+                </a:p>
+              </p:txBody>
+            </p:sp>
+            <p:sp>
+              <p:nvSpPr>
+                <p:cNvPr id="82" name="Isosceles Triangle 81"/>
+                <p:cNvSpPr/>
+                <p:nvPr/>
+              </p:nvSpPr>
+              <p:spPr>
+                <a:xfrm>
+                  <a:off x="3315699" y="2492590"/>
+                  <a:ext cx="189163" cy="175629"/>
+                </a:xfrm>
+                <a:prstGeom prst="triangle">
+                  <a:avLst/>
+                </a:prstGeom>
+                <a:solidFill>
+                  <a:schemeClr val="tx2">
+                    <a:lumMod val="60000"/>
+                    <a:lumOff val="40000"/>
+                  </a:schemeClr>
+                </a:solidFill>
+                <a:ln>
+                  <a:solidFill>
+                    <a:srgbClr val="000000"/>
+                  </a:solidFill>
+                </a:ln>
+                <a:effectLst/>
+              </p:spPr>
+              <p:style>
+                <a:lnRef idx="1">
+                  <a:schemeClr val="accent1"/>
+                </a:lnRef>
+                <a:fillRef idx="3">
+                  <a:schemeClr val="accent1"/>
+                </a:fillRef>
+                <a:effectRef idx="2">
+                  <a:schemeClr val="accent1"/>
+                </a:effectRef>
+                <a:fontRef idx="minor">
+                  <a:schemeClr val="lt1"/>
+                </a:fontRef>
+              </p:style>
+              <p:txBody>
+                <a:bodyPr rtlCol="0" anchor="ctr"/>
+                <a:lstStyle/>
+                <a:p>
+                  <a:pPr algn="ctr"/>
+                  <a:endParaRPr lang="en-US"/>
+                </a:p>
+              </p:txBody>
+            </p:sp>
+            <p:sp>
+              <p:nvSpPr>
+                <p:cNvPr id="83" name="Isosceles Triangle 82"/>
+                <p:cNvSpPr/>
+                <p:nvPr/>
+              </p:nvSpPr>
+              <p:spPr>
+                <a:xfrm>
+                  <a:off x="3047662" y="2668219"/>
+                  <a:ext cx="189163" cy="175629"/>
+                </a:xfrm>
+                <a:prstGeom prst="triangle">
+                  <a:avLst/>
+                </a:prstGeom>
+                <a:solidFill>
+                  <a:schemeClr val="tx2">
+                    <a:lumMod val="60000"/>
+                    <a:lumOff val="40000"/>
+                  </a:schemeClr>
+                </a:solidFill>
+                <a:ln>
+                  <a:solidFill>
+                    <a:srgbClr val="000000"/>
+                  </a:solidFill>
+                </a:ln>
+                <a:effectLst/>
+              </p:spPr>
+              <p:style>
+                <a:lnRef idx="1">
+                  <a:schemeClr val="accent1"/>
+                </a:lnRef>
+                <a:fillRef idx="3">
+                  <a:schemeClr val="accent1"/>
+                </a:fillRef>
+                <a:effectRef idx="2">
+                  <a:schemeClr val="accent1"/>
+                </a:effectRef>
+                <a:fontRef idx="minor">
+                  <a:schemeClr val="lt1"/>
+                </a:fontRef>
+              </p:style>
+              <p:txBody>
+                <a:bodyPr rtlCol="0" anchor="ctr"/>
+                <a:lstStyle/>
+                <a:p>
+                  <a:pPr algn="ctr"/>
+                  <a:endParaRPr lang="en-US"/>
+                </a:p>
+              </p:txBody>
+            </p:sp>
+            <p:sp>
+              <p:nvSpPr>
+                <p:cNvPr id="84" name="Isosceles Triangle 83"/>
+                <p:cNvSpPr/>
+                <p:nvPr/>
+              </p:nvSpPr>
+              <p:spPr>
+                <a:xfrm>
+                  <a:off x="3562681" y="2668219"/>
+                  <a:ext cx="189163" cy="175629"/>
+                </a:xfrm>
+                <a:prstGeom prst="triangle">
+                  <a:avLst/>
+                </a:prstGeom>
+                <a:solidFill>
+                  <a:schemeClr val="tx2">
+                    <a:lumMod val="60000"/>
+                    <a:lumOff val="40000"/>
+                  </a:schemeClr>
+                </a:solidFill>
+                <a:ln>
+                  <a:solidFill>
+                    <a:srgbClr val="000000"/>
+                  </a:solidFill>
+                </a:ln>
+                <a:effectLst/>
+              </p:spPr>
+              <p:style>
+                <a:lnRef idx="1">
+                  <a:schemeClr val="accent1"/>
+                </a:lnRef>
+                <a:fillRef idx="3">
+                  <a:schemeClr val="accent1"/>
+                </a:fillRef>
+                <a:effectRef idx="2">
+                  <a:schemeClr val="accent1"/>
+                </a:effectRef>
+                <a:fontRef idx="minor">
+                  <a:schemeClr val="lt1"/>
+                </a:fontRef>
+              </p:style>
+              <p:txBody>
+                <a:bodyPr rtlCol="0" anchor="ctr"/>
+                <a:lstStyle/>
+                <a:p>
+                  <a:pPr algn="ctr"/>
+                  <a:endParaRPr lang="en-US"/>
+                </a:p>
+              </p:txBody>
+            </p:sp>
+            <p:sp>
+              <p:nvSpPr>
+                <p:cNvPr id="85" name="Isosceles Triangle 84"/>
+                <p:cNvSpPr/>
+                <p:nvPr/>
+              </p:nvSpPr>
+              <p:spPr>
+                <a:xfrm>
+                  <a:off x="3236825" y="2843848"/>
+                  <a:ext cx="189163" cy="175629"/>
+                </a:xfrm>
+                <a:prstGeom prst="triangle">
+                  <a:avLst/>
+                </a:prstGeom>
+                <a:solidFill>
+                  <a:schemeClr val="tx2">
+                    <a:lumMod val="60000"/>
+                    <a:lumOff val="40000"/>
+                  </a:schemeClr>
+                </a:solidFill>
+                <a:ln>
+                  <a:solidFill>
+                    <a:srgbClr val="000000"/>
+                  </a:solidFill>
+                </a:ln>
+                <a:effectLst/>
+              </p:spPr>
+              <p:style>
+                <a:lnRef idx="1">
+                  <a:schemeClr val="accent1"/>
+                </a:lnRef>
+                <a:fillRef idx="3">
+                  <a:schemeClr val="accent1"/>
+                </a:fillRef>
+                <a:effectRef idx="2">
+                  <a:schemeClr val="accent1"/>
+                </a:effectRef>
+                <a:fontRef idx="minor">
+                  <a:schemeClr val="lt1"/>
+                </a:fontRef>
+              </p:style>
+              <p:txBody>
+                <a:bodyPr rtlCol="0" anchor="ctr"/>
+                <a:lstStyle/>
+                <a:p>
+                  <a:pPr algn="ctr"/>
+                  <a:endParaRPr lang="en-US"/>
+                </a:p>
+              </p:txBody>
+            </p:sp>
+            <p:sp>
+              <p:nvSpPr>
+                <p:cNvPr id="86" name="Isosceles Triangle 85"/>
+                <p:cNvSpPr/>
+                <p:nvPr/>
+              </p:nvSpPr>
+              <p:spPr>
+                <a:xfrm>
+                  <a:off x="3504862" y="2949790"/>
+                  <a:ext cx="189163" cy="175629"/>
+                </a:xfrm>
+                <a:prstGeom prst="triangle">
+                  <a:avLst/>
+                </a:prstGeom>
+                <a:solidFill>
+                  <a:schemeClr val="tx2">
+                    <a:lumMod val="60000"/>
+                    <a:lumOff val="40000"/>
+                  </a:schemeClr>
+                </a:solidFill>
+                <a:ln>
+                  <a:solidFill>
+                    <a:srgbClr val="000000"/>
+                  </a:solidFill>
+                </a:ln>
+                <a:effectLst/>
+              </p:spPr>
+              <p:style>
+                <a:lnRef idx="1">
+                  <a:schemeClr val="accent1"/>
+                </a:lnRef>
+                <a:fillRef idx="3">
+                  <a:schemeClr val="accent1"/>
+                </a:fillRef>
+                <a:effectRef idx="2">
+                  <a:schemeClr val="accent1"/>
+                </a:effectRef>
+                <a:fontRef idx="minor">
+                  <a:schemeClr val="lt1"/>
+                </a:fontRef>
+              </p:style>
+              <p:txBody>
+                <a:bodyPr rtlCol="0" anchor="ctr"/>
+                <a:lstStyle/>
+                <a:p>
+                  <a:pPr algn="ctr"/>
+                  <a:endParaRPr lang="en-US"/>
+                </a:p>
+              </p:txBody>
+            </p:sp>
+          </p:grpSp>
+        </p:grpSp>
+        <p:sp>
+          <p:nvSpPr>
+            <p:cNvPr id="99" name="TextBox 98"/>
+            <p:cNvSpPr txBox="1"/>
+            <p:nvPr/>
+          </p:nvSpPr>
+          <p:spPr>
+            <a:xfrm>
+              <a:off x="443025" y="3957517"/>
+              <a:ext cx="3686488" cy="369332"/>
+            </a:xfrm>
+            <a:prstGeom prst="rect">
+              <a:avLst/>
+            </a:prstGeom>
+            <a:noFill/>
+          </p:spPr>
+          <p:txBody>
+            <a:bodyPr wrap="none" rtlCol="0">
+              <a:spAutoFit/>
+            </a:bodyPr>
+            <a:lstStyle/>
+            <a:p>
+              <a:r>
+                <a:rPr lang="en-US" dirty="0"/>
+                <a:t>B</a:t>
+              </a:r>
+              <a:r>
+                <a:rPr lang="en-US" dirty="0" smtClean="0"/>
+                <a:t>. Different </a:t>
+              </a:r>
+              <a:r>
+                <a:rPr lang="en-US" dirty="0" err="1" smtClean="0"/>
+                <a:t>centroid</a:t>
+              </a:r>
+              <a:r>
+                <a:rPr lang="en-US" dirty="0" smtClean="0"/>
+                <a:t>, different spread</a:t>
+              </a:r>
+              <a:endParaRPr lang="en-US" dirty="0"/>
+            </a:p>
+          </p:txBody>
+        </p:sp>
+      </p:grpSp>
+      <p:grpSp>
+        <p:nvGrpSpPr>
+          <p:cNvPr id="14" name="Group 88"/>
+          <p:cNvGrpSpPr/>
+          <p:nvPr/>
+        </p:nvGrpSpPr>
+        <p:grpSpPr>
+          <a:xfrm>
+            <a:off x="4933436" y="4227717"/>
+            <a:ext cx="3374842" cy="2554290"/>
+            <a:chOff x="4933436" y="3957517"/>
+            <a:chExt cx="3374842" cy="2554290"/>
+          </a:xfrm>
+        </p:grpSpPr>
+        <p:grpSp>
+          <p:nvGrpSpPr>
+            <p:cNvPr id="30" name="Group 100"/>
+            <p:cNvGrpSpPr/>
+            <p:nvPr/>
+          </p:nvGrpSpPr>
+          <p:grpSpPr>
+            <a:xfrm>
+              <a:off x="4958926" y="4323191"/>
+              <a:ext cx="3323863" cy="2188616"/>
+              <a:chOff x="4929552" y="4323191"/>
+              <a:chExt cx="3323863" cy="2188616"/>
+            </a:xfrm>
+          </p:grpSpPr>
+          <p:grpSp>
+            <p:nvGrpSpPr>
+              <p:cNvPr id="31" name="Group 96"/>
+              <p:cNvGrpSpPr/>
+              <p:nvPr/>
+            </p:nvGrpSpPr>
+            <p:grpSpPr>
+              <a:xfrm>
+                <a:off x="4929552" y="4323191"/>
+                <a:ext cx="3323863" cy="2188616"/>
+                <a:chOff x="4929552" y="4323191"/>
+                <a:chExt cx="3323863" cy="2188616"/>
+              </a:xfrm>
+            </p:grpSpPr>
+            <p:sp>
+              <p:nvSpPr>
+                <p:cNvPr id="15" name="Rectangle 14"/>
+                <p:cNvSpPr/>
+                <p:nvPr/>
+              </p:nvSpPr>
+              <p:spPr>
+                <a:xfrm>
+                  <a:off x="4929552" y="4323191"/>
+                  <a:ext cx="3323863" cy="2188616"/>
+                </a:xfrm>
+                <a:prstGeom prst="rect">
+                  <a:avLst/>
+                </a:prstGeom>
+                <a:solidFill>
+                  <a:srgbClr val="FFFFFF"/>
+                </a:solidFill>
+                <a:ln w="22225" cap="flat" cmpd="sng" algn="ctr">
+                  <a:solidFill>
+                    <a:schemeClr val="tx1"/>
+                  </a:solidFill>
+                  <a:prstDash val="solid"/>
+                  <a:round/>
+                  <a:headEnd type="none" w="med" len="med"/>
+                  <a:tailEnd type="none" w="med" len="med"/>
+                </a:ln>
+              </p:spPr>
+              <p:style>
+                <a:lnRef idx="1">
+                  <a:schemeClr val="accent1"/>
+                </a:lnRef>
+                <a:fillRef idx="3">
+                  <a:schemeClr val="accent1"/>
+                </a:fillRef>
+                <a:effectRef idx="2">
+                  <a:schemeClr val="accent1"/>
+                </a:effectRef>
+                <a:fontRef idx="minor">
+                  <a:schemeClr val="lt1"/>
+                </a:fontRef>
+              </p:style>
+              <p:txBody>
+                <a:bodyPr rtlCol="0" anchor="ctr"/>
+                <a:lstStyle/>
+                <a:p>
+                  <a:pPr algn="ctr"/>
+                  <a:endParaRPr lang="en-US"/>
+                </a:p>
+              </p:txBody>
+            </p:sp>
+            <p:grpSp>
+              <p:nvGrpSpPr>
+                <p:cNvPr id="32" name="Group 70"/>
+                <p:cNvGrpSpPr/>
+                <p:nvPr/>
+              </p:nvGrpSpPr>
+              <p:grpSpPr>
+                <a:xfrm>
+                  <a:off x="6146035" y="5010306"/>
+                  <a:ext cx="704182" cy="808458"/>
+                  <a:chOff x="3047662" y="2316961"/>
+                  <a:chExt cx="704182" cy="808458"/>
+                </a:xfrm>
+              </p:grpSpPr>
+              <p:sp>
+                <p:nvSpPr>
+                  <p:cNvPr id="72" name="Isosceles Triangle 71"/>
+                  <p:cNvSpPr/>
+                  <p:nvPr/>
+                </p:nvSpPr>
+                <p:spPr>
+                  <a:xfrm>
+                    <a:off x="3410281" y="2316961"/>
+                    <a:ext cx="189163" cy="175629"/>
+                  </a:xfrm>
+                  <a:prstGeom prst="triangle">
+                    <a:avLst/>
+                  </a:prstGeom>
+                  <a:solidFill>
+                    <a:schemeClr val="tx2">
+                      <a:lumMod val="60000"/>
+                      <a:lumOff val="40000"/>
+                    </a:schemeClr>
+                  </a:solidFill>
+                  <a:ln>
+                    <a:solidFill>
+                      <a:srgbClr val="000000"/>
+                    </a:solidFill>
+                  </a:ln>
+                  <a:effectLst/>
+                </p:spPr>
+                <p:style>
+                  <a:lnRef idx="1">
+                    <a:schemeClr val="accent1"/>
+                  </a:lnRef>
+                  <a:fillRef idx="3">
+                    <a:schemeClr val="accent1"/>
+                  </a:fillRef>
+                  <a:effectRef idx="2">
+                    <a:schemeClr val="accent1"/>
+                  </a:effectRef>
+                  <a:fontRef idx="minor">
+                    <a:schemeClr val="lt1"/>
+                  </a:fontRef>
+                </p:style>
+                <p:txBody>
+                  <a:bodyPr rtlCol="0" anchor="ctr"/>
+                  <a:lstStyle/>
+                  <a:p>
+                    <a:pPr algn="ctr"/>
+                    <a:endParaRPr lang="en-US"/>
+                  </a:p>
+                </p:txBody>
+              </p:sp>
+              <p:sp>
+                <p:nvSpPr>
+                  <p:cNvPr id="73" name="Isosceles Triangle 72"/>
+                  <p:cNvSpPr/>
+                  <p:nvPr/>
+                </p:nvSpPr>
+                <p:spPr>
+                  <a:xfrm>
+                    <a:off x="3047662" y="2404775"/>
+                    <a:ext cx="189163" cy="175629"/>
+                  </a:xfrm>
+                  <a:prstGeom prst="triangle">
+                    <a:avLst/>
+                  </a:prstGeom>
+                  <a:solidFill>
+                    <a:schemeClr val="tx2">
+                      <a:lumMod val="60000"/>
+                      <a:lumOff val="40000"/>
+                    </a:schemeClr>
+                  </a:solidFill>
+                  <a:ln>
+                    <a:solidFill>
+                      <a:srgbClr val="000000"/>
+                    </a:solidFill>
+                  </a:ln>
+                  <a:effectLst/>
+                </p:spPr>
+                <p:style>
+                  <a:lnRef idx="1">
+                    <a:schemeClr val="accent1"/>
+                  </a:lnRef>
+                  <a:fillRef idx="3">
+                    <a:schemeClr val="accent1"/>
+                  </a:fillRef>
+                  <a:effectRef idx="2">
+                    <a:schemeClr val="accent1"/>
+                  </a:effectRef>
+                  <a:fontRef idx="minor">
+                    <a:schemeClr val="lt1"/>
+                  </a:fontRef>
+                </p:style>
+                <p:txBody>
+                  <a:bodyPr rtlCol="0" anchor="ctr"/>
+                  <a:lstStyle/>
+                  <a:p>
+                    <a:pPr algn="ctr"/>
+                    <a:endParaRPr lang="en-US"/>
+                  </a:p>
+                </p:txBody>
+              </p:sp>
+              <p:sp>
+                <p:nvSpPr>
+                  <p:cNvPr id="74" name="Isosceles Triangle 73"/>
+                  <p:cNvSpPr/>
+                  <p:nvPr/>
+                </p:nvSpPr>
+                <p:spPr>
+                  <a:xfrm>
+                    <a:off x="3315699" y="2492590"/>
+                    <a:ext cx="189163" cy="175629"/>
+                  </a:xfrm>
+                  <a:prstGeom prst="triangle">
+                    <a:avLst/>
+                  </a:prstGeom>
+                  <a:solidFill>
+                    <a:schemeClr val="tx2">
+                      <a:lumMod val="60000"/>
+                      <a:lumOff val="40000"/>
+                    </a:schemeClr>
+                  </a:solidFill>
+                  <a:ln>
+                    <a:solidFill>
+                      <a:srgbClr val="000000"/>
+                    </a:solidFill>
+                  </a:ln>
+                  <a:effectLst/>
+                </p:spPr>
+                <p:style>
+                  <a:lnRef idx="1">
+                    <a:schemeClr val="accent1"/>
+                  </a:lnRef>
+                  <a:fillRef idx="3">
+                    <a:schemeClr val="accent1"/>
+                  </a:fillRef>
+                  <a:effectRef idx="2">
+                    <a:schemeClr val="accent1"/>
+                  </a:effectRef>
+                  <a:fontRef idx="minor">
+                    <a:schemeClr val="lt1"/>
+                  </a:fontRef>
+                </p:style>
+                <p:txBody>
+                  <a:bodyPr rtlCol="0" anchor="ctr"/>
+                  <a:lstStyle/>
+                  <a:p>
+                    <a:pPr algn="ctr"/>
+                    <a:endParaRPr lang="en-US"/>
+                  </a:p>
+                </p:txBody>
+              </p:sp>
+              <p:sp>
+                <p:nvSpPr>
+                  <p:cNvPr id="75" name="Isosceles Triangle 74"/>
+                  <p:cNvSpPr/>
+                  <p:nvPr/>
+                </p:nvSpPr>
+                <p:spPr>
+                  <a:xfrm>
+                    <a:off x="3047662" y="2668219"/>
+                    <a:ext cx="189163" cy="175629"/>
+                  </a:xfrm>
+                  <a:prstGeom prst="triangle">
+                    <a:avLst/>
+                  </a:prstGeom>
+                  <a:solidFill>
+                    <a:schemeClr val="tx2">
+                      <a:lumMod val="60000"/>
+                      <a:lumOff val="40000"/>
+                    </a:schemeClr>
+                  </a:solidFill>
+                  <a:ln>
+                    <a:solidFill>
+                      <a:srgbClr val="000000"/>
+                    </a:solidFill>
+                  </a:ln>
+                  <a:effectLst/>
+                </p:spPr>
+                <p:style>
+                  <a:lnRef idx="1">
+                    <a:schemeClr val="accent1"/>
+                  </a:lnRef>
+                  <a:fillRef idx="3">
+                    <a:schemeClr val="accent1"/>
+                  </a:fillRef>
+                  <a:effectRef idx="2">
+                    <a:schemeClr val="accent1"/>
+                  </a:effectRef>
+                  <a:fontRef idx="minor">
+                    <a:schemeClr val="lt1"/>
+                  </a:fontRef>
+                </p:style>
+                <p:txBody>
+                  <a:bodyPr rtlCol="0" anchor="ctr"/>
+                  <a:lstStyle/>
+                  <a:p>
+                    <a:pPr algn="ctr"/>
+                    <a:endParaRPr lang="en-US"/>
+                  </a:p>
+                </p:txBody>
+              </p:sp>
+              <p:sp>
+                <p:nvSpPr>
+                  <p:cNvPr id="76" name="Isosceles Triangle 75"/>
+                  <p:cNvSpPr/>
+                  <p:nvPr/>
+                </p:nvSpPr>
+                <p:spPr>
+                  <a:xfrm>
+                    <a:off x="3562681" y="2668219"/>
+                    <a:ext cx="189163" cy="175629"/>
+                  </a:xfrm>
+                  <a:prstGeom prst="triangle">
+                    <a:avLst/>
+                  </a:prstGeom>
+                  <a:solidFill>
+                    <a:schemeClr val="tx2">
+                      <a:lumMod val="60000"/>
+                      <a:lumOff val="40000"/>
+                    </a:schemeClr>
+                  </a:solidFill>
+                  <a:ln>
+                    <a:solidFill>
+                      <a:srgbClr val="000000"/>
+                    </a:solidFill>
+                  </a:ln>
+                  <a:effectLst/>
+                </p:spPr>
+                <p:style>
+                  <a:lnRef idx="1">
+                    <a:schemeClr val="accent1"/>
+                  </a:lnRef>
+                  <a:fillRef idx="3">
+                    <a:schemeClr val="accent1"/>
+                  </a:fillRef>
+                  <a:effectRef idx="2">
+                    <a:schemeClr val="accent1"/>
+                  </a:effectRef>
+                  <a:fontRef idx="minor">
+                    <a:schemeClr val="lt1"/>
+                  </a:fontRef>
+                </p:style>
+                <p:txBody>
+                  <a:bodyPr rtlCol="0" anchor="ctr"/>
+                  <a:lstStyle/>
+                  <a:p>
+                    <a:pPr algn="ctr"/>
+                    <a:endParaRPr lang="en-US"/>
+                  </a:p>
+                </p:txBody>
+              </p:sp>
+              <p:sp>
+                <p:nvSpPr>
+                  <p:cNvPr id="77" name="Isosceles Triangle 76"/>
+                  <p:cNvSpPr/>
+                  <p:nvPr/>
+                </p:nvSpPr>
+                <p:spPr>
+                  <a:xfrm>
+                    <a:off x="3236825" y="2843848"/>
+                    <a:ext cx="189163" cy="175629"/>
+                  </a:xfrm>
+                  <a:prstGeom prst="triangle">
+                    <a:avLst/>
+                  </a:prstGeom>
+                  <a:solidFill>
+                    <a:schemeClr val="tx2">
+                      <a:lumMod val="60000"/>
+                      <a:lumOff val="40000"/>
+                    </a:schemeClr>
+                  </a:solidFill>
+                  <a:ln>
+                    <a:solidFill>
+                      <a:srgbClr val="000000"/>
+                    </a:solidFill>
+                  </a:ln>
+                  <a:effectLst/>
+                </p:spPr>
+                <p:style>
+                  <a:lnRef idx="1">
+                    <a:schemeClr val="accent1"/>
+                  </a:lnRef>
+                  <a:fillRef idx="3">
+                    <a:schemeClr val="accent1"/>
+                  </a:fillRef>
+                  <a:effectRef idx="2">
+                    <a:schemeClr val="accent1"/>
+                  </a:effectRef>
+                  <a:fontRef idx="minor">
+                    <a:schemeClr val="lt1"/>
+                  </a:fontRef>
+                </p:style>
+                <p:txBody>
+                  <a:bodyPr rtlCol="0" anchor="ctr"/>
+                  <a:lstStyle/>
+                  <a:p>
+                    <a:pPr algn="ctr"/>
+                    <a:endParaRPr lang="en-US"/>
+                  </a:p>
+                </p:txBody>
+              </p:sp>
+              <p:sp>
+                <p:nvSpPr>
+                  <p:cNvPr id="78" name="Isosceles Triangle 77"/>
+                  <p:cNvSpPr/>
+                  <p:nvPr/>
+                </p:nvSpPr>
+                <p:spPr>
+                  <a:xfrm>
+                    <a:off x="3504862" y="2949790"/>
+                    <a:ext cx="189163" cy="175629"/>
+                  </a:xfrm>
+                  <a:prstGeom prst="triangle">
+                    <a:avLst/>
+                  </a:prstGeom>
+                  <a:solidFill>
+                    <a:schemeClr val="tx2">
+                      <a:lumMod val="60000"/>
+                      <a:lumOff val="40000"/>
+                    </a:schemeClr>
+                  </a:solidFill>
+                  <a:ln>
+                    <a:solidFill>
+                      <a:srgbClr val="000000"/>
+                    </a:solidFill>
+                  </a:ln>
+                  <a:effectLst/>
+                </p:spPr>
+                <p:style>
+                  <a:lnRef idx="1">
+                    <a:schemeClr val="accent1"/>
+                  </a:lnRef>
+                  <a:fillRef idx="3">
+                    <a:schemeClr val="accent1"/>
+                  </a:fillRef>
+                  <a:effectRef idx="2">
+                    <a:schemeClr val="accent1"/>
+                  </a:effectRef>
+                  <a:fontRef idx="minor">
+                    <a:schemeClr val="lt1"/>
+                  </a:fontRef>
+                </p:style>
+                <p:txBody>
+                  <a:bodyPr rtlCol="0" anchor="ctr"/>
+                  <a:lstStyle/>
+                  <a:p>
+                    <a:pPr algn="ctr"/>
+                    <a:endParaRPr lang="en-US"/>
+                  </a:p>
+                </p:txBody>
+              </p:sp>
+            </p:grpSp>
+          </p:grpSp>
+          <p:grpSp>
+            <p:nvGrpSpPr>
+              <p:cNvPr id="33" name="Group 61"/>
+              <p:cNvGrpSpPr/>
+              <p:nvPr/>
+            </p:nvGrpSpPr>
+            <p:grpSpPr>
+              <a:xfrm rot="19822403">
+                <a:off x="5469304" y="4596949"/>
+                <a:ext cx="2270833" cy="1811987"/>
+                <a:chOff x="567414" y="4593391"/>
+                <a:chExt cx="2270833" cy="1811987"/>
+              </a:xfrm>
+            </p:grpSpPr>
+            <p:sp>
+              <p:nvSpPr>
+                <p:cNvPr id="63" name="Oval 62"/>
+                <p:cNvSpPr/>
+                <p:nvPr/>
+              </p:nvSpPr>
+              <p:spPr>
+                <a:xfrm>
+                  <a:off x="1468992" y="5238906"/>
+                  <a:ext cx="205489" cy="175629"/>
+                </a:xfrm>
+                <a:prstGeom prst="ellipse">
+                  <a:avLst/>
+                </a:prstGeom>
+                <a:solidFill>
+                  <a:schemeClr val="accent6">
+                    <a:lumMod val="75000"/>
+                  </a:schemeClr>
+                </a:solidFill>
+                <a:ln>
+                  <a:solidFill>
+                    <a:srgbClr val="000000"/>
+                  </a:solidFill>
+                </a:ln>
+                <a:effectLst/>
+              </p:spPr>
+              <p:style>
+                <a:lnRef idx="1">
+                  <a:schemeClr val="accent1"/>
+                </a:lnRef>
+                <a:fillRef idx="3">
+                  <a:schemeClr val="accent1"/>
+                </a:fillRef>
+                <a:effectRef idx="2">
+                  <a:schemeClr val="accent1"/>
+                </a:effectRef>
+                <a:fontRef idx="minor">
+                  <a:schemeClr val="lt1"/>
+                </a:fontRef>
+              </p:style>
+              <p:txBody>
+                <a:bodyPr rtlCol="0" anchor="ctr"/>
+                <a:lstStyle/>
+                <a:p>
+                  <a:pPr algn="ctr"/>
+                  <a:endParaRPr lang="en-US"/>
+                </a:p>
+              </p:txBody>
+            </p:sp>
+            <p:sp>
+              <p:nvSpPr>
+                <p:cNvPr id="64" name="Oval 63"/>
+                <p:cNvSpPr/>
+                <p:nvPr/>
+              </p:nvSpPr>
+              <p:spPr>
+                <a:xfrm>
+                  <a:off x="2632758" y="4997723"/>
+                  <a:ext cx="205489" cy="175629"/>
+                </a:xfrm>
+                <a:prstGeom prst="ellipse">
+                  <a:avLst/>
+                </a:prstGeom>
+                <a:solidFill>
+                  <a:schemeClr val="accent6">
+                    <a:lumMod val="75000"/>
+                  </a:schemeClr>
+                </a:solidFill>
+                <a:ln>
+                  <a:solidFill>
+                    <a:srgbClr val="000000"/>
+                  </a:solidFill>
+                </a:ln>
+                <a:effectLst/>
+              </p:spPr>
+              <p:style>
+                <a:lnRef idx="1">
+                  <a:schemeClr val="accent1"/>
+                </a:lnRef>
+                <a:fillRef idx="3">
+                  <a:schemeClr val="accent1"/>
+                </a:fillRef>
+                <a:effectRef idx="2">
+                  <a:schemeClr val="accent1"/>
+                </a:effectRef>
+                <a:fontRef idx="minor">
+                  <a:schemeClr val="lt1"/>
+                </a:fontRef>
+              </p:style>
+              <p:txBody>
+                <a:bodyPr rtlCol="0" anchor="ctr"/>
+                <a:lstStyle/>
+                <a:p>
+                  <a:pPr algn="ctr"/>
+                  <a:endParaRPr lang="en-US"/>
+                </a:p>
+              </p:txBody>
+            </p:sp>
+            <p:sp>
+              <p:nvSpPr>
+                <p:cNvPr id="65" name="Oval 64"/>
+                <p:cNvSpPr/>
+                <p:nvPr/>
+              </p:nvSpPr>
+              <p:spPr>
+                <a:xfrm>
+                  <a:off x="1626744" y="4593391"/>
+                  <a:ext cx="205489" cy="175629"/>
+                </a:xfrm>
+                <a:prstGeom prst="ellipse">
+                  <a:avLst/>
+                </a:prstGeom>
+                <a:solidFill>
+                  <a:schemeClr val="accent6">
+                    <a:lumMod val="75000"/>
+                  </a:schemeClr>
+                </a:solidFill>
+                <a:ln>
+                  <a:solidFill>
+                    <a:srgbClr val="000000"/>
+                  </a:solidFill>
+                </a:ln>
+                <a:effectLst/>
+              </p:spPr>
+              <p:style>
+                <a:lnRef idx="1">
+                  <a:schemeClr val="accent1"/>
+                </a:lnRef>
+                <a:fillRef idx="3">
+                  <a:schemeClr val="accent1"/>
+                </a:fillRef>
+                <a:effectRef idx="2">
+                  <a:schemeClr val="accent1"/>
+                </a:effectRef>
+                <a:fontRef idx="minor">
+                  <a:schemeClr val="lt1"/>
+                </a:fontRef>
+              </p:style>
+              <p:txBody>
+                <a:bodyPr rtlCol="0" anchor="ctr"/>
+                <a:lstStyle/>
+                <a:p>
+                  <a:pPr algn="ctr"/>
+                  <a:endParaRPr lang="en-US"/>
+                </a:p>
+              </p:txBody>
+            </p:sp>
+            <p:sp>
+              <p:nvSpPr>
+                <p:cNvPr id="66" name="Oval 65"/>
+                <p:cNvSpPr/>
+                <p:nvPr/>
+              </p:nvSpPr>
+              <p:spPr>
+                <a:xfrm>
+                  <a:off x="1626744" y="6229749"/>
+                  <a:ext cx="205489" cy="175629"/>
+                </a:xfrm>
+                <a:prstGeom prst="ellipse">
+                  <a:avLst/>
+                </a:prstGeom>
+                <a:solidFill>
+                  <a:schemeClr val="accent6">
+                    <a:lumMod val="75000"/>
+                  </a:schemeClr>
+                </a:solidFill>
+                <a:ln>
+                  <a:solidFill>
+                    <a:srgbClr val="000000"/>
+                  </a:solidFill>
+                </a:ln>
+                <a:effectLst/>
+              </p:spPr>
+              <p:style>
+                <a:lnRef idx="1">
+                  <a:schemeClr val="accent1"/>
+                </a:lnRef>
+                <a:fillRef idx="3">
+                  <a:schemeClr val="accent1"/>
+                </a:fillRef>
+                <a:effectRef idx="2">
+                  <a:schemeClr val="accent1"/>
+                </a:effectRef>
+                <a:fontRef idx="minor">
+                  <a:schemeClr val="lt1"/>
+                </a:fontRef>
+              </p:style>
+              <p:txBody>
+                <a:bodyPr rtlCol="0" anchor="ctr"/>
+                <a:lstStyle/>
+                <a:p>
+                  <a:pPr algn="ctr"/>
+                  <a:endParaRPr lang="en-US"/>
+                </a:p>
+              </p:txBody>
+            </p:sp>
+            <p:sp>
+              <p:nvSpPr>
+                <p:cNvPr id="67" name="Oval 66"/>
+                <p:cNvSpPr/>
+                <p:nvPr/>
+              </p:nvSpPr>
+              <p:spPr>
+                <a:xfrm>
+                  <a:off x="2318999" y="5628556"/>
+                  <a:ext cx="205489" cy="175629"/>
+                </a:xfrm>
+                <a:prstGeom prst="ellipse">
+                  <a:avLst/>
+                </a:prstGeom>
+                <a:solidFill>
+                  <a:schemeClr val="accent6">
+                    <a:lumMod val="75000"/>
+                  </a:schemeClr>
+                </a:solidFill>
+                <a:ln>
+                  <a:solidFill>
+                    <a:srgbClr val="000000"/>
+                  </a:solidFill>
+                </a:ln>
+                <a:effectLst/>
+              </p:spPr>
+              <p:style>
+                <a:lnRef idx="1">
+                  <a:schemeClr val="accent1"/>
+                </a:lnRef>
+                <a:fillRef idx="3">
+                  <a:schemeClr val="accent1"/>
+                </a:fillRef>
+                <a:effectRef idx="2">
+                  <a:schemeClr val="accent1"/>
+                </a:effectRef>
+                <a:fontRef idx="minor">
+                  <a:schemeClr val="lt1"/>
+                </a:fontRef>
+              </p:style>
+              <p:txBody>
+                <a:bodyPr rtlCol="0" anchor="ctr"/>
+                <a:lstStyle/>
+                <a:p>
+                  <a:pPr algn="ctr"/>
+                  <a:endParaRPr lang="en-US"/>
+                </a:p>
+              </p:txBody>
+            </p:sp>
+            <p:sp>
+              <p:nvSpPr>
+                <p:cNvPr id="68" name="Oval 67"/>
+                <p:cNvSpPr/>
+                <p:nvPr/>
+              </p:nvSpPr>
+              <p:spPr>
+                <a:xfrm>
+                  <a:off x="1102725" y="4719110"/>
+                  <a:ext cx="205489" cy="175629"/>
+                </a:xfrm>
+                <a:prstGeom prst="ellipse">
+                  <a:avLst/>
+                </a:prstGeom>
+                <a:solidFill>
+                  <a:schemeClr val="accent6">
+                    <a:lumMod val="75000"/>
+                  </a:schemeClr>
+                </a:solidFill>
+                <a:ln>
+                  <a:solidFill>
+                    <a:srgbClr val="000000"/>
+                  </a:solidFill>
+                </a:ln>
+                <a:effectLst/>
+              </p:spPr>
+              <p:style>
+                <a:lnRef idx="1">
+                  <a:schemeClr val="accent1"/>
+                </a:lnRef>
+                <a:fillRef idx="3">
+                  <a:schemeClr val="accent1"/>
+                </a:fillRef>
+                <a:effectRef idx="2">
+                  <a:schemeClr val="accent1"/>
+                </a:effectRef>
+                <a:fontRef idx="minor">
+                  <a:schemeClr val="lt1"/>
+                </a:fontRef>
+              </p:style>
+              <p:txBody>
+                <a:bodyPr rtlCol="0" anchor="ctr"/>
+                <a:lstStyle/>
+                <a:p>
+                  <a:pPr algn="ctr"/>
+                  <a:endParaRPr lang="en-US"/>
+                </a:p>
+              </p:txBody>
+            </p:sp>
+            <p:sp>
+              <p:nvSpPr>
+                <p:cNvPr id="69" name="Oval 68"/>
+                <p:cNvSpPr/>
+                <p:nvPr/>
+              </p:nvSpPr>
+              <p:spPr>
+                <a:xfrm>
+                  <a:off x="567414" y="5660412"/>
+                  <a:ext cx="205489" cy="175629"/>
+                </a:xfrm>
+                <a:prstGeom prst="ellipse">
+                  <a:avLst/>
+                </a:prstGeom>
+                <a:solidFill>
+                  <a:schemeClr val="accent6">
+                    <a:lumMod val="75000"/>
+                  </a:schemeClr>
+                </a:solidFill>
+                <a:ln>
+                  <a:solidFill>
+                    <a:srgbClr val="000000"/>
+                  </a:solidFill>
+                </a:ln>
+                <a:effectLst/>
+              </p:spPr>
+              <p:style>
+                <a:lnRef idx="1">
+                  <a:schemeClr val="accent1"/>
+                </a:lnRef>
+                <a:fillRef idx="3">
+                  <a:schemeClr val="accent1"/>
+                </a:fillRef>
+                <a:effectRef idx="2">
+                  <a:schemeClr val="accent1"/>
+                </a:effectRef>
+                <a:fontRef idx="minor">
+                  <a:schemeClr val="lt1"/>
+                </a:fontRef>
+              </p:style>
+              <p:txBody>
+                <a:bodyPr rtlCol="0" anchor="ctr"/>
+                <a:lstStyle/>
+                <a:p>
+                  <a:pPr algn="ctr"/>
+                  <a:endParaRPr lang="en-US"/>
+                </a:p>
+              </p:txBody>
+            </p:sp>
+          </p:grpSp>
+        </p:grpSp>
+        <p:sp>
+          <p:nvSpPr>
+            <p:cNvPr id="100" name="TextBox 99"/>
+            <p:cNvSpPr txBox="1"/>
+            <p:nvPr/>
+          </p:nvSpPr>
+          <p:spPr>
+            <a:xfrm>
+              <a:off x="4933436" y="3957517"/>
+              <a:ext cx="3374842" cy="369332"/>
+            </a:xfrm>
+            <a:prstGeom prst="rect">
+              <a:avLst/>
+            </a:prstGeom>
+            <a:noFill/>
+          </p:spPr>
+          <p:txBody>
+            <a:bodyPr wrap="none" rtlCol="0">
+              <a:spAutoFit/>
+            </a:bodyPr>
+            <a:lstStyle/>
+            <a:p>
+              <a:r>
+                <a:rPr lang="en-US" dirty="0"/>
+                <a:t>C</a:t>
+              </a:r>
+              <a:r>
+                <a:rPr lang="en-US" dirty="0" smtClean="0"/>
+                <a:t>. Same </a:t>
+              </a:r>
+              <a:r>
+                <a:rPr lang="en-US" dirty="0" err="1" smtClean="0"/>
+                <a:t>centroid</a:t>
+              </a:r>
+              <a:r>
+                <a:rPr lang="en-US" dirty="0" smtClean="0"/>
+                <a:t>, different spread</a:t>
+              </a:r>
+              <a:endParaRPr lang="en-US" dirty="0"/>
+            </a:p>
+          </p:txBody>
+        </p:sp>
+      </p:grpSp>
+      <p:sp>
+        <p:nvSpPr>
+          <p:cNvPr id="70" name="Slide Number Placeholder 69"/>
+          <p:cNvSpPr>
+            <a:spLocks noGrp="1"/>
+          </p:cNvSpPr>
+          <p:nvPr>
+            <p:ph type="sldNum" sz="quarter" idx="12"/>
+          </p:nvPr>
+        </p:nvSpPr>
+        <p:spPr/>
+        <p:txBody>
+          <a:bodyPr/>
+          <a:lstStyle/>
+          <a:p>
+            <a:fld id="{F11C231B-52F7-C94F-A3A5-FF09B2C62768}" type="slidenum">
+              <a:rPr lang="en-US" smtClean="0"/>
+              <a:t>14</a:t>
+            </a:fld>
+            <a:endParaRPr lang="en-US"/>
+          </a:p>
+        </p:txBody>
+      </p:sp>
+    </p:spTree>
+    <p:extLst>
+      <p:ext uri="{BB962C8B-B14F-4D97-AF65-F5344CB8AC3E}">
+        <p14:creationId xmlns:p14="http://schemas.microsoft.com/office/powerpoint/2010/main" val="2757425697"/>
+      </p:ext>
+    </p:extLst>
+  </p:cSld>
+  <p:clrMapOvr>
+    <a:masterClrMapping/>
+  </p:clrMapOvr>
+  <p:timing>
+    <p:tnLst>
+      <p:par>
+        <p:cTn xmlns:p14="http://schemas.microsoft.com/office/powerpoint/2010/main" id="1" dur="indefinite" restart="never" nodeType="tmRoot">
+          <p:childTnLst>
+            <p:seq concurrent="1" nextAc="seek">
+              <p:cTn id="2" dur="indefinite" nodeType="mainSeq">
+                <p:childTnLst>
+                  <p:par>
+                    <p:cTn id="3" fill="hold">
+                      <p:stCondLst>
+                        <p:cond delay="indefinite"/>
+                      </p:stCondLst>
+                      <p:childTnLst>
+                        <p:par>
+                          <p:cTn id="4" fill="hold">
+                            <p:stCondLst>
+                              <p:cond delay="0"/>
+                            </p:stCondLst>
+                            <p:childTnLst>
+                              <p:par>
+                                <p:cTn id="5" presetID="1" presetClass="entr" presetSubtype="0" fill="hold" nodeType="clickEffect">
+                                  <p:stCondLst>
+                                    <p:cond delay="0"/>
+                                  </p:stCondLst>
+                                  <p:childTnLst>
+                                    <p:set>
+                                      <p:cBhvr>
+                                        <p:cTn id="6" dur="1" fill="hold">
+                                          <p:stCondLst>
+                                            <p:cond delay="0"/>
+                                          </p:stCondLst>
+                                        </p:cTn>
+                                        <p:tgtEl>
+                                          <p:spTgt spid="6"/>
+                                        </p:tgtEl>
+                                        <p:attrNameLst>
+                                          <p:attrName>style.visibility</p:attrName>
+                                        </p:attrNameLst>
+                                      </p:cBhvr>
+                                      <p:to>
+                                        <p:strVal val="visible"/>
+                                      </p:to>
+                                    </p:set>
+                                  </p:childTnLst>
+                                </p:cTn>
+                              </p:par>
+                            </p:childTnLst>
+                          </p:cTn>
+                        </p:par>
+                      </p:childTnLst>
+                    </p:cTn>
+                  </p:par>
+                  <p:par>
+                    <p:cTn id="7" fill="hold">
+                      <p:stCondLst>
+                        <p:cond delay="indefinite"/>
+                      </p:stCondLst>
+                      <p:childTnLst>
+                        <p:par>
+                          <p:cTn id="8" fill="hold">
+                            <p:stCondLst>
+                              <p:cond delay="0"/>
+                            </p:stCondLst>
+                            <p:childTnLst>
+                              <p:par>
+                                <p:cTn id="9" presetID="1" presetClass="entr" presetSubtype="0" fill="hold" nodeType="clickEffect">
+                                  <p:stCondLst>
+                                    <p:cond delay="0"/>
+                                  </p:stCondLst>
+                                  <p:childTnLst>
+                                    <p:set>
+                                      <p:cBhvr>
+                                        <p:cTn id="10" dur="1" fill="hold">
+                                          <p:stCondLst>
+                                            <p:cond delay="0"/>
+                                          </p:stCondLst>
+                                        </p:cTn>
+                                        <p:tgtEl>
+                                          <p:spTgt spid="14"/>
+                                        </p:tgtEl>
+                                        <p:attrNameLst>
+                                          <p:attrName>style.visibility</p:attrName>
+                                        </p:attrNameLst>
+                                      </p:cBhvr>
+                                      <p:to>
+                                        <p:strVal val="visible"/>
+                                      </p:to>
+                                    </p:set>
+                                  </p:childTnLst>
+                                </p:cTn>
+                              </p:par>
+                            </p:childTnLst>
+                          </p:cTn>
+                        </p:par>
+                      </p:childTnLst>
+                    </p:cTn>
+                  </p:par>
+                </p:childTnLst>
+              </p:cTn>
+              <p:prevCondLst>
+                <p:cond evt="onPrev" delay="0">
+                  <p:tgtEl>
+                    <p:sldTgt/>
+                  </p:tgtEl>
+                </p:cond>
+              </p:prevCondLst>
+              <p:nextCondLst>
+                <p:cond evt="onNext" delay="0">
+                  <p:tgtEl>
+                    <p:sldTgt/>
+                  </p:tgtEl>
+                </p:cond>
+              </p:nextCondLst>
+            </p:seq>
+          </p:childTnLst>
+        </p:cTn>
+      </p:par>
+    </p:tnLst>
+  </p:timing>
+</p:sld>
+</file>
+
+<file path=ppt/slides/slide15.xml><?xml version="1.0" encoding="utf-8"?>
 <p:sld xmlns:a="http://schemas.openxmlformats.org/drawingml/2006/main" xmlns:r="http://schemas.openxmlformats.org/officeDocument/2006/relationships" xmlns:p="http://schemas.openxmlformats.org/presentationml/2006/main">
   <p:cSld>
     <p:spTree>
@@ -8688,7 +9972,7 @@
             <a:fld id="{66815022-BCDB-574A-A341-944D88DEAABA}" type="slidenum">
               <a:rPr lang="en-US" smtClean="0"/>
               <a:pPr/>
-              <a:t>14</a:t>
+              <a:t>15</a:t>
             </a:fld>
             <a:endParaRPr lang="en-US"/>
           </a:p>
@@ -8714,7 +9998,7 @@
 </p:sld>
 </file>
 
-<file path=ppt/slides/slide15.xml><?xml version="1.0" encoding="utf-8"?>
+<file path=ppt/slides/slide16.xml><?xml version="1.0" encoding="utf-8"?>
 <p:sld xmlns:a="http://schemas.openxmlformats.org/drawingml/2006/main" xmlns:r="http://schemas.openxmlformats.org/officeDocument/2006/relationships" xmlns:p="http://schemas.openxmlformats.org/presentationml/2006/main">
   <p:cSld>
     <p:spTree>
@@ -11633,7 +12917,7 @@
             <a:fld id="{66815022-BCDB-574A-A341-944D88DEAABA}" type="slidenum">
               <a:rPr lang="en-US" smtClean="0"/>
               <a:pPr/>
-              <a:t>15</a:t>
+              <a:t>16</a:t>
             </a:fld>
             <a:endParaRPr lang="en-US"/>
           </a:p>
@@ -11693,11 +12977,7 @@
           <a:p>
             <a:r>
               <a:rPr lang="en-US" dirty="0" smtClean="0"/>
-              <a:t>Review from </a:t>
-            </a:r>
-            <a:r>
-              <a:rPr lang="en-US" dirty="0" smtClean="0"/>
-              <a:t>Lecture 2</a:t>
+              <a:t>Review from Lecture 2</a:t>
             </a:r>
             <a:endParaRPr lang="en-US" dirty="0"/>
           </a:p>
@@ -11898,11 +13178,7 @@
           <a:p>
             <a:r>
               <a:rPr lang="en-US" dirty="0" smtClean="0"/>
-              <a:t>Tutorial: </a:t>
-            </a:r>
-            <a:r>
-              <a:rPr lang="en-US" dirty="0" smtClean="0"/>
-              <a:t>what did we do?</a:t>
+              <a:t>Tutorial: what did we do?</a:t>
             </a:r>
             <a:endParaRPr lang="en-US" dirty="0"/>
           </a:p>
@@ -11992,11 +13268,7 @@
           <a:p>
             <a:r>
               <a:rPr lang="en-US" sz="2800" dirty="0" smtClean="0"/>
-              <a:t>Calculated </a:t>
-            </a:r>
-            <a:r>
-              <a:rPr lang="en-US" sz="2800" dirty="0" smtClean="0"/>
-              <a:t>&amp; visualized alpha diversity: </a:t>
+              <a:t>Calculated &amp; visualized alpha diversity: </a:t>
             </a:r>
             <a:r>
               <a:rPr lang="en-US" sz="2800" b="1" dirty="0" err="1" smtClean="0"/>
@@ -19400,183 +20672,12 @@
       </p:grpSpPr>
       <p:sp>
         <p:nvSpPr>
-          <p:cNvPr id="35842" name="Rectangle 2"/>
-          <p:cNvSpPr>
-            <a:spLocks noGrp="1" noChangeArrowheads="1"/>
-          </p:cNvSpPr>
-          <p:nvPr>
-            <p:ph type="title"/>
-          </p:nvPr>
-        </p:nvSpPr>
-        <p:spPr>
-          <a:xfrm>
-            <a:off x="90053" y="90125"/>
-            <a:ext cx="8854649" cy="1143000"/>
-          </a:xfrm>
-        </p:spPr>
-        <p:txBody>
-          <a:bodyPr>
-            <a:normAutofit fontScale="90000"/>
-          </a:bodyPr>
-          <a:lstStyle/>
-          <a:p>
-            <a:r>
-              <a:rPr kumimoji="1" lang="en-US" dirty="0" smtClean="0">
-                <a:solidFill>
-                  <a:srgbClr val="7F7F7F"/>
-                </a:solidFill>
-              </a:rPr>
-              <a:t>Analysis of beta-diversity is informed by:</a:t>
-            </a:r>
-            <a:endParaRPr kumimoji="1" lang="en-US" dirty="0">
-              <a:solidFill>
-                <a:srgbClr val="7F7F7F"/>
-              </a:solidFill>
-            </a:endParaRPr>
-          </a:p>
-        </p:txBody>
-      </p:sp>
-      <p:sp>
-        <p:nvSpPr>
-          <p:cNvPr id="35843" name="Rectangle 3"/>
-          <p:cNvSpPr>
-            <a:spLocks noGrp="1" noChangeArrowheads="1"/>
-          </p:cNvSpPr>
-          <p:nvPr>
-            <p:ph type="body" idx="1"/>
-          </p:nvPr>
-        </p:nvSpPr>
-        <p:spPr>
-          <a:xfrm>
-            <a:off x="698500" y="1163295"/>
-            <a:ext cx="7772400" cy="4972346"/>
-          </a:xfrm>
-        </p:spPr>
-        <p:txBody>
-          <a:bodyPr>
-            <a:normAutofit/>
-          </a:bodyPr>
-          <a:lstStyle/>
-          <a:p>
-            <a:pPr lvl="1">
-              <a:lnSpc>
-                <a:spcPct val="90000"/>
-              </a:lnSpc>
-              <a:buFontTx/>
-              <a:buNone/>
-            </a:pPr>
-            <a:endParaRPr kumimoji="1" lang="en-US" sz="2400" dirty="0" smtClean="0"/>
-          </a:p>
-          <a:p>
-            <a:pPr>
-              <a:lnSpc>
-                <a:spcPct val="90000"/>
-              </a:lnSpc>
-            </a:pPr>
-            <a:r>
-              <a:rPr kumimoji="1" lang="en-US" sz="2800" dirty="0"/>
-              <a:t>Associated </a:t>
-            </a:r>
-            <a:r>
-              <a:rPr kumimoji="1" lang="en-US" sz="2800" dirty="0" smtClean="0"/>
-              <a:t>environmental/quantitative variables*</a:t>
-            </a:r>
-          </a:p>
-          <a:p>
-            <a:pPr lvl="1">
-              <a:lnSpc>
-                <a:spcPct val="90000"/>
-              </a:lnSpc>
-            </a:pPr>
-            <a:r>
-              <a:rPr kumimoji="1" lang="en-US" sz="2400" dirty="0" smtClean="0"/>
-              <a:t>Examples: red blood cell counts, glucose levels, dissolved oxygen, temperature, acidity, time, % mortality, etc.</a:t>
-            </a:r>
-          </a:p>
-          <a:p>
-            <a:pPr lvl="2">
-              <a:lnSpc>
-                <a:spcPct val="90000"/>
-              </a:lnSpc>
-              <a:buFontTx/>
-              <a:buNone/>
-            </a:pPr>
-            <a:endParaRPr kumimoji="1" lang="en-US" sz="2000" dirty="0" smtClean="0"/>
-          </a:p>
-          <a:p>
-            <a:pPr>
-              <a:lnSpc>
-                <a:spcPct val="90000"/>
-              </a:lnSpc>
-            </a:pPr>
-            <a:r>
-              <a:rPr kumimoji="1" lang="en-US" sz="2800" dirty="0"/>
-              <a:t>Associated </a:t>
-            </a:r>
-            <a:r>
-              <a:rPr kumimoji="1" lang="en-US" sz="2800" dirty="0" smtClean="0"/>
-              <a:t>categorical/descriptive/qualitative variables*</a:t>
-            </a:r>
-          </a:p>
-          <a:p>
-            <a:pPr lvl="1">
-              <a:lnSpc>
-                <a:spcPct val="90000"/>
-              </a:lnSpc>
-            </a:pPr>
-            <a:r>
-              <a:rPr kumimoji="1" lang="en-US" sz="2400" dirty="0" smtClean="0"/>
-              <a:t>Examples: treatment groups, male/female, control/treatment, age groups, before/after</a:t>
-            </a:r>
-          </a:p>
-          <a:p>
-            <a:pPr lvl="2">
-              <a:lnSpc>
-                <a:spcPct val="90000"/>
-              </a:lnSpc>
-            </a:pPr>
-            <a:endParaRPr kumimoji="1" lang="en-US" sz="2000" dirty="0" smtClean="0"/>
-          </a:p>
-        </p:txBody>
-      </p:sp>
-      <p:sp>
-        <p:nvSpPr>
-          <p:cNvPr id="6" name="TextBox 5"/>
-          <p:cNvSpPr txBox="1"/>
-          <p:nvPr/>
-        </p:nvSpPr>
-        <p:spPr>
-          <a:xfrm>
-            <a:off x="90054" y="6376766"/>
-            <a:ext cx="9116360" cy="369332"/>
-          </a:xfrm>
-          <a:prstGeom prst="rect">
-            <a:avLst/>
-          </a:prstGeom>
-          <a:noFill/>
-        </p:spPr>
-        <p:txBody>
-          <a:bodyPr wrap="none" rtlCol="0">
-            <a:spAutoFit/>
-          </a:bodyPr>
-          <a:lstStyle/>
-          <a:p>
-            <a:r>
-              <a:rPr lang="en-US" i="1" dirty="0" smtClean="0"/>
-              <a:t>* Environmental and categorical variables often are linked to samples in a single “mapping file”</a:t>
-            </a:r>
-            <a:endParaRPr lang="en-US" i="1" dirty="0"/>
-          </a:p>
-        </p:txBody>
-      </p:sp>
-      <p:sp>
-        <p:nvSpPr>
-          <p:cNvPr id="5" name="Slide Number Placeholder 4"/>
+          <p:cNvPr id="2" name="Title 1"/>
           <p:cNvSpPr>
             <a:spLocks noGrp="1"/>
           </p:cNvSpPr>
           <p:nvPr>
-            <p:ph type="sldNum" sz="quarter" idx="12"/>
+            <p:ph type="title"/>
           </p:nvPr>
         </p:nvSpPr>
         <p:spPr/>
@@ -19584,19 +20685,61 @@
           <a:bodyPr/>
           <a:lstStyle/>
           <a:p>
-            <a:fld id="{66815022-BCDB-574A-A341-944D88DEAABA}" type="slidenum">
-              <a:rPr lang="en-US" smtClean="0"/>
-              <a:pPr/>
-              <a:t>7</a:t>
-            </a:fld>
-            <a:endParaRPr lang="en-US"/>
+            <a:r>
+              <a:rPr lang="en-US" dirty="0" smtClean="0"/>
+              <a:t>Comparative diversity</a:t>
+            </a:r>
+            <a:endParaRPr lang="en-US" dirty="0"/>
+          </a:p>
+        </p:txBody>
+      </p:sp>
+      <p:sp>
+        <p:nvSpPr>
+          <p:cNvPr id="3" name="Content Placeholder 2"/>
+          <p:cNvSpPr>
+            <a:spLocks noGrp="1"/>
+          </p:cNvSpPr>
+          <p:nvPr>
+            <p:ph idx="1"/>
+          </p:nvPr>
+        </p:nvSpPr>
+        <p:spPr/>
+        <p:txBody>
+          <a:bodyPr/>
+          <a:lstStyle/>
+          <a:p>
+            <a:r>
+              <a:rPr lang="en-US" dirty="0" smtClean="0"/>
+              <a:t>Space / Time </a:t>
+            </a:r>
+          </a:p>
+          <a:p>
+            <a:r>
+              <a:rPr lang="en-US" dirty="0" smtClean="0"/>
+              <a:t>Categories (e.g., treatment v control)</a:t>
+            </a:r>
+          </a:p>
+          <a:p>
+            <a:r>
+              <a:rPr lang="en-US" dirty="0" smtClean="0"/>
+              <a:t>Gradients/empirical measurements (e.g., pH, blood sugar levels, temperature)</a:t>
+            </a:r>
+          </a:p>
+          <a:p>
+            <a:endParaRPr lang="en-US" dirty="0"/>
+          </a:p>
+          <a:p>
+            <a:r>
+              <a:rPr lang="en-US" dirty="0" smtClean="0"/>
+              <a:t>Look forward to the R lecture on category/gradient analyses!</a:t>
+            </a:r>
           </a:p>
         </p:txBody>
       </p:sp>
     </p:spTree>
     <p:extLst>
       <p:ext uri="{BB962C8B-B14F-4D97-AF65-F5344CB8AC3E}">
-        <p14:creationId xmlns:p14="http://schemas.microsoft.com/office/powerpoint/2010/main" val="145184438"/>
+        <p14:creationId xmlns:p14="http://schemas.microsoft.com/office/powerpoint/2010/main" val="960118473"/>
       </p:ext>
     </p:extLst>
   </p:cSld>
@@ -19614,320 +20757,6 @@
 </file>
 
 <file path=ppt/slides/slide8.xml><?xml version="1.0" encoding="utf-8"?>
-<p:sld xmlns:a="http://schemas.openxmlformats.org/drawingml/2006/main" xmlns:r="http://schemas.openxmlformats.org/officeDocument/2006/relationships" xmlns:p="http://schemas.openxmlformats.org/presentationml/2006/main">
-  <p:cSld>
-    <p:spTree>
-      <p:nvGrpSpPr>
-        <p:cNvPr id="1" name=""/>
-        <p:cNvGrpSpPr/>
-        <p:nvPr/>
-      </p:nvGrpSpPr>
-      <p:grpSpPr>
-        <a:xfrm>
-          <a:off x="0" y="0"/>
-          <a:ext cx="0" cy="0"/>
-          <a:chOff x="0" y="0"/>
-          <a:chExt cx="0" cy="0"/>
-        </a:xfrm>
-      </p:grpSpPr>
-      <p:sp>
-        <p:nvSpPr>
-          <p:cNvPr id="2" name="Title 1"/>
-          <p:cNvSpPr>
-            <a:spLocks noGrp="1"/>
-          </p:cNvSpPr>
-          <p:nvPr>
-            <p:ph type="title"/>
-          </p:nvPr>
-        </p:nvSpPr>
-        <p:spPr/>
-        <p:txBody>
-          <a:bodyPr/>
-          <a:lstStyle/>
-          <a:p>
-            <a:r>
-              <a:rPr lang="en-US" dirty="0" smtClean="0"/>
-              <a:t>Clusters &amp; Gradients</a:t>
-            </a:r>
-            <a:endParaRPr lang="en-US" dirty="0"/>
-          </a:p>
-        </p:txBody>
-      </p:sp>
-      <p:sp>
-        <p:nvSpPr>
-          <p:cNvPr id="3" name="Content Placeholder 2"/>
-          <p:cNvSpPr>
-            <a:spLocks noGrp="1"/>
-          </p:cNvSpPr>
-          <p:nvPr>
-            <p:ph idx="1"/>
-          </p:nvPr>
-        </p:nvSpPr>
-        <p:spPr>
-          <a:xfrm>
-            <a:off x="457200" y="1783317"/>
-            <a:ext cx="8229600" cy="1505634"/>
-          </a:xfrm>
-        </p:spPr>
-        <p:txBody>
-          <a:bodyPr>
-            <a:noAutofit/>
-          </a:bodyPr>
-          <a:lstStyle/>
-          <a:p>
-            <a:pPr>
-              <a:buNone/>
-            </a:pPr>
-            <a:r>
-              <a:rPr lang="en-US" b="1" dirty="0" smtClean="0"/>
-              <a:t>Clusters </a:t>
-            </a:r>
-            <a:r>
-              <a:rPr lang="en-US" dirty="0" smtClean="0"/>
-              <a:t>= Are categorical groups of communities different?  (</a:t>
-            </a:r>
-            <a:r>
-              <a:rPr lang="en-US" i="1" dirty="0" smtClean="0"/>
-              <a:t>e.g.</a:t>
-            </a:r>
-            <a:r>
-              <a:rPr lang="en-US" dirty="0" smtClean="0"/>
-              <a:t>, Treatment </a:t>
-            </a:r>
-            <a:r>
-              <a:rPr lang="en-US" dirty="0" err="1" smtClean="0"/>
-              <a:t>v</a:t>
-            </a:r>
-            <a:r>
-              <a:rPr lang="en-US" dirty="0" smtClean="0"/>
-              <a:t>. Control)</a:t>
-            </a:r>
-          </a:p>
-          <a:p>
-            <a:pPr>
-              <a:buNone/>
-            </a:pPr>
-            <a:r>
-              <a:rPr lang="en-US" dirty="0" smtClean="0"/>
-              <a:t>	Also called: factors, qualitative variables</a:t>
-            </a:r>
-          </a:p>
-        </p:txBody>
-      </p:sp>
-      <p:sp>
-        <p:nvSpPr>
-          <p:cNvPr id="4" name="Rectangle 3"/>
-          <p:cNvSpPr/>
-          <p:nvPr/>
-        </p:nvSpPr>
-        <p:spPr>
-          <a:xfrm>
-            <a:off x="457200" y="3862394"/>
-            <a:ext cx="8229600" cy="2062103"/>
-          </a:xfrm>
-          <a:prstGeom prst="rect">
-            <a:avLst/>
-          </a:prstGeom>
-        </p:spPr>
-        <p:txBody>
-          <a:bodyPr wrap="square">
-            <a:spAutoFit/>
-          </a:bodyPr>
-          <a:lstStyle/>
-          <a:p>
-            <a:pPr>
-              <a:buNone/>
-            </a:pPr>
-            <a:r>
-              <a:rPr lang="en-US" sz="3200" b="1" dirty="0" smtClean="0"/>
-              <a:t>Gradients </a:t>
-            </a:r>
-            <a:r>
-              <a:rPr lang="en-US" sz="3200" dirty="0" smtClean="0"/>
-              <a:t>= Do communities change with known environmental changes? (</a:t>
-            </a:r>
-            <a:r>
-              <a:rPr lang="en-US" sz="3200" i="1" dirty="0" smtClean="0"/>
-              <a:t>e.g., </a:t>
-            </a:r>
-            <a:r>
-              <a:rPr lang="en-US" sz="3200" dirty="0" smtClean="0"/>
-              <a:t>over time?)</a:t>
-            </a:r>
-          </a:p>
-          <a:p>
-            <a:pPr>
-              <a:buNone/>
-            </a:pPr>
-            <a:r>
-              <a:rPr lang="en-US" sz="3200" dirty="0" smtClean="0"/>
-              <a:t>Also called: continuous, quantitative, vector variables</a:t>
-            </a:r>
-            <a:endParaRPr lang="en-US" sz="3200" dirty="0"/>
-          </a:p>
-        </p:txBody>
-      </p:sp>
-      <p:sp>
-        <p:nvSpPr>
-          <p:cNvPr id="5" name="Slide Number Placeholder 4"/>
-          <p:cNvSpPr>
-            <a:spLocks noGrp="1"/>
-          </p:cNvSpPr>
-          <p:nvPr>
-            <p:ph type="sldNum" sz="quarter" idx="12"/>
-          </p:nvPr>
-        </p:nvSpPr>
-        <p:spPr/>
-        <p:txBody>
-          <a:bodyPr/>
-          <a:lstStyle/>
-          <a:p>
-            <a:fld id="{66815022-BCDB-574A-A341-944D88DEAABA}" type="slidenum">
-              <a:rPr lang="en-US" smtClean="0"/>
-              <a:pPr/>
-              <a:t>8</a:t>
-            </a:fld>
-            <a:endParaRPr lang="en-US"/>
-          </a:p>
-        </p:txBody>
-      </p:sp>
-    </p:spTree>
-    <p:extLst>
-      <p:ext uri="{BB962C8B-B14F-4D97-AF65-F5344CB8AC3E}">
-        <p14:creationId xmlns:p14="http://schemas.microsoft.com/office/powerpoint/2010/main" val="2605402806"/>
-      </p:ext>
-    </p:extLst>
-  </p:cSld>
-  <p:clrMapOvr>
-    <a:masterClrMapping/>
-  </p:clrMapOvr>
-  <p:timing>
-    <p:tnLst>
-      <p:par>
-        <p:cTn xmlns:p14="http://schemas.microsoft.com/office/powerpoint/2010/main" id="1" dur="indefinite" restart="never" nodeType="tmRoot">
-          <p:childTnLst>
-            <p:seq concurrent="1" nextAc="seek">
-              <p:cTn id="2" dur="indefinite" nodeType="mainSeq">
-                <p:childTnLst>
-                  <p:par>
-                    <p:cTn id="3" fill="hold">
-                      <p:stCondLst>
-                        <p:cond delay="indefinite"/>
-                      </p:stCondLst>
-                      <p:childTnLst>
-                        <p:par>
-                          <p:cTn id="4" fill="hold">
-                            <p:stCondLst>
-                              <p:cond delay="0"/>
-                            </p:stCondLst>
-                            <p:childTnLst>
-                              <p:par>
-                                <p:cTn id="5" presetID="3" presetClass="emph" presetSubtype="2" fill="hold" grpId="0" nodeType="clickEffect">
-                                  <p:stCondLst>
-                                    <p:cond delay="0"/>
-                                  </p:stCondLst>
-                                  <p:childTnLst>
-                                    <p:animClr clrSpc="rgb" dir="cw">
-                                      <p:cBhvr override="childStyle">
-                                        <p:cTn id="6" dur="2000" fill="hold"/>
-                                        <p:tgtEl>
-                                          <p:spTgt spid="3">
-                                            <p:txEl>
-                                              <p:pRg st="0" end="0"/>
-                                            </p:txEl>
-                                          </p:spTgt>
-                                        </p:tgtEl>
-                                        <p:attrNameLst>
-                                          <p:attrName>style.color</p:attrName>
-                                        </p:attrNameLst>
-                                      </p:cBhvr>
-                                      <p:to>
-                                        <a:schemeClr val="accent2"/>
-                                      </p:to>
-                                    </p:animClr>
-                                  </p:childTnLst>
-                                </p:cTn>
-                              </p:par>
-                            </p:childTnLst>
-                          </p:cTn>
-                        </p:par>
-                      </p:childTnLst>
-                    </p:cTn>
-                  </p:par>
-                  <p:par>
-                    <p:cTn id="7" fill="hold">
-                      <p:stCondLst>
-                        <p:cond delay="indefinite"/>
-                      </p:stCondLst>
-                      <p:childTnLst>
-                        <p:par>
-                          <p:cTn id="8" fill="hold">
-                            <p:stCondLst>
-                              <p:cond delay="0"/>
-                            </p:stCondLst>
-                            <p:childTnLst>
-                              <p:par>
-                                <p:cTn id="9" presetID="3" presetClass="emph" presetSubtype="2" fill="hold" grpId="0" nodeType="clickEffect">
-                                  <p:stCondLst>
-                                    <p:cond delay="0"/>
-                                  </p:stCondLst>
-                                  <p:childTnLst>
-                                    <p:animClr clrSpc="rgb" dir="cw">
-                                      <p:cBhvr override="childStyle">
-                                        <p:cTn id="10" dur="2000" fill="hold"/>
-                                        <p:tgtEl>
-                                          <p:spTgt spid="3">
-                                            <p:txEl>
-                                              <p:pRg st="1" end="1"/>
-                                            </p:txEl>
-                                          </p:spTgt>
-                                        </p:tgtEl>
-                                        <p:attrNameLst>
-                                          <p:attrName>style.color</p:attrName>
-                                        </p:attrNameLst>
-                                      </p:cBhvr>
-                                      <p:to>
-                                        <a:schemeClr val="accent2"/>
-                                      </p:to>
-                                    </p:animClr>
-                                  </p:childTnLst>
-                                </p:cTn>
-                              </p:par>
-                            </p:childTnLst>
-                          </p:cTn>
-                        </p:par>
-                      </p:childTnLst>
-                    </p:cTn>
-                  </p:par>
-                </p:childTnLst>
-              </p:cTn>
-              <p:prevCondLst>
-                <p:cond evt="onPrev" delay="0">
-                  <p:tgtEl>
-                    <p:sldTgt/>
-                  </p:tgtEl>
-                </p:cond>
-              </p:prevCondLst>
-              <p:nextCondLst>
-                <p:cond evt="onNext" delay="0">
-                  <p:tgtEl>
-                    <p:sldTgt/>
-                  </p:tgtEl>
-                </p:cond>
-              </p:nextCondLst>
-            </p:seq>
-          </p:childTnLst>
-        </p:cTn>
-      </p:par>
-    </p:tnLst>
-    <p:bldLst>
-      <p:bldP spid="3" grpId="0" build="p"/>
-    </p:bldLst>
-  </p:timing>
-</p:sld>
-</file>
-
-<file path=ppt/slides/slide9.xml><?xml version="1.0" encoding="utf-8"?>
 <p:sld xmlns:a="http://schemas.openxmlformats.org/drawingml/2006/main" xmlns:r="http://schemas.openxmlformats.org/officeDocument/2006/relationships" xmlns:p="http://schemas.openxmlformats.org/presentationml/2006/main">
   <p:cSld>
     <p:spTree>
@@ -20093,7 +20922,7 @@
             <a:fld id="{FF4AB13A-4A28-2443-998B-BC001F0E380D}" type="slidenum">
               <a:rPr lang="en-US" smtClean="0"/>
               <a:pPr/>
-              <a:t>9</a:t>
+              <a:t>8</a:t>
             </a:fld>
             <a:endParaRPr lang="en-US"/>
           </a:p>
@@ -20429,6 +21258,1582 @@
     </p:tnLst>
     <p:bldLst>
       <p:bldP spid="3" grpId="0" build="p"/>
+    </p:bldLst>
+  </p:timing>
+</p:sld>
+</file>
+
+<file path=ppt/slides/slide9.xml><?xml version="1.0" encoding="utf-8"?>
+<p:sld xmlns:a="http://schemas.openxmlformats.org/drawingml/2006/main" xmlns:r="http://schemas.openxmlformats.org/officeDocument/2006/relationships" xmlns:p="http://schemas.openxmlformats.org/presentationml/2006/main">
+  <p:cSld>
+    <p:spTree>
+      <p:nvGrpSpPr>
+        <p:cNvPr id="1" name=""/>
+        <p:cNvGrpSpPr/>
+        <p:nvPr/>
+      </p:nvGrpSpPr>
+      <p:grpSpPr>
+        <a:xfrm>
+          <a:off x="0" y="0"/>
+          <a:ext cx="0" cy="0"/>
+          <a:chOff x="0" y="0"/>
+          <a:chExt cx="0" cy="0"/>
+        </a:xfrm>
+      </p:grpSpPr>
+      <p:sp>
+        <p:nvSpPr>
+          <p:cNvPr id="2" name="Title 1"/>
+          <p:cNvSpPr>
+            <a:spLocks noGrp="1"/>
+          </p:cNvSpPr>
+          <p:nvPr>
+            <p:ph type="title"/>
+          </p:nvPr>
+        </p:nvSpPr>
+        <p:spPr>
+          <a:xfrm>
+            <a:off x="685800" y="252390"/>
+            <a:ext cx="7772400" cy="1143000"/>
+          </a:xfrm>
+        </p:spPr>
+        <p:txBody>
+          <a:bodyPr/>
+          <a:lstStyle/>
+          <a:p>
+            <a:r>
+              <a:rPr lang="en-US" dirty="0" smtClean="0"/>
+              <a:t>Making a Resemblance Matrix</a:t>
+            </a:r>
+            <a:endParaRPr lang="en-US" dirty="0"/>
+          </a:p>
+        </p:txBody>
+      </p:sp>
+      <p:graphicFrame>
+        <p:nvGraphicFramePr>
+          <p:cNvPr id="5" name="Table 4"/>
+          <p:cNvGraphicFramePr>
+            <a:graphicFrameLocks noGrp="1" noChangeAspect="1"/>
+          </p:cNvGraphicFramePr>
+          <p:nvPr/>
+        </p:nvGraphicFramePr>
+        <p:xfrm>
+          <a:off x="2505141" y="1633530"/>
+          <a:ext cx="6096000" cy="1483360"/>
+        </p:xfrm>
+        <a:graphic>
+          <a:graphicData uri="http://schemas.openxmlformats.org/drawingml/2006/table">
+            <a:tbl>
+              <a:tblPr firstRow="1" bandRow="1">
+                <a:tableStyleId>{1FECB4D8-DB02-4DC6-A0A2-4F2EBAE1DC90}</a:tableStyleId>
+              </a:tblPr>
+              <a:tblGrid>
+                <a:gridCol w="1524000"/>
+                <a:gridCol w="1524000"/>
+                <a:gridCol w="1524000"/>
+                <a:gridCol w="1524000"/>
+              </a:tblGrid>
+              <a:tr h="370840">
+                <a:tc>
+                  <a:txBody>
+                    <a:bodyPr/>
+                    <a:lstStyle/>
+                    <a:p>
+                      <a:endParaRPr lang="en-US" dirty="0"/>
+                    </a:p>
+                  </a:txBody>
+                  <a:tcPr/>
+                </a:tc>
+                <a:tc>
+                  <a:txBody>
+                    <a:bodyPr/>
+                    <a:lstStyle/>
+                    <a:p>
+                      <a:r>
+                        <a:rPr lang="en-US" dirty="0" smtClean="0"/>
+                        <a:t>Caterpillar</a:t>
+                      </a:r>
+                      <a:r>
+                        <a:rPr lang="en-US" baseline="0" dirty="0" smtClean="0"/>
+                        <a:t> 1</a:t>
+                      </a:r>
+                      <a:endParaRPr lang="en-US" dirty="0"/>
+                    </a:p>
+                  </a:txBody>
+                  <a:tcPr/>
+                </a:tc>
+                <a:tc>
+                  <a:txBody>
+                    <a:bodyPr/>
+                    <a:lstStyle/>
+                    <a:p>
+                      <a:r>
+                        <a:rPr lang="en-US" dirty="0" smtClean="0"/>
+                        <a:t>Caterpillar</a:t>
+                      </a:r>
+                      <a:r>
+                        <a:rPr lang="en-US" baseline="0" dirty="0" smtClean="0"/>
+                        <a:t> 2</a:t>
+                      </a:r>
+                      <a:endParaRPr lang="en-US" dirty="0"/>
+                    </a:p>
+                  </a:txBody>
+                  <a:tcPr/>
+                </a:tc>
+                <a:tc>
+                  <a:txBody>
+                    <a:bodyPr/>
+                    <a:lstStyle/>
+                    <a:p>
+                      <a:r>
+                        <a:rPr lang="en-US" dirty="0" smtClean="0"/>
+                        <a:t>Caterpillar</a:t>
+                      </a:r>
+                      <a:r>
+                        <a:rPr lang="en-US" baseline="0" dirty="0" smtClean="0"/>
+                        <a:t> 3</a:t>
+                      </a:r>
+                      <a:endParaRPr lang="en-US" dirty="0"/>
+                    </a:p>
+                  </a:txBody>
+                  <a:tcPr/>
+                </a:tc>
+              </a:tr>
+              <a:tr h="370840">
+                <a:tc>
+                  <a:txBody>
+                    <a:bodyPr/>
+                    <a:lstStyle/>
+                    <a:p>
+                      <a:r>
+                        <a:rPr lang="en-US" i="1" dirty="0" smtClean="0"/>
+                        <a:t>OTU  1</a:t>
+                      </a:r>
+                      <a:endParaRPr lang="en-US" i="1" dirty="0"/>
+                    </a:p>
+                  </a:txBody>
+                  <a:tcPr/>
+                </a:tc>
+                <a:tc>
+                  <a:txBody>
+                    <a:bodyPr/>
+                    <a:lstStyle/>
+                    <a:p>
+                      <a:r>
+                        <a:rPr lang="en-US" dirty="0" smtClean="0"/>
+                        <a:t>0</a:t>
+                      </a:r>
+                      <a:endParaRPr lang="en-US" dirty="0"/>
+                    </a:p>
+                  </a:txBody>
+                  <a:tcPr/>
+                </a:tc>
+                <a:tc>
+                  <a:txBody>
+                    <a:bodyPr/>
+                    <a:lstStyle/>
+                    <a:p>
+                      <a:r>
+                        <a:rPr lang="en-US" dirty="0" smtClean="0"/>
+                        <a:t>0.966</a:t>
+                      </a:r>
+                      <a:endParaRPr lang="en-US" dirty="0"/>
+                    </a:p>
+                  </a:txBody>
+                  <a:tcPr/>
+                </a:tc>
+                <a:tc>
+                  <a:txBody>
+                    <a:bodyPr/>
+                    <a:lstStyle/>
+                    <a:p>
+                      <a:r>
+                        <a:rPr lang="en-US" dirty="0" smtClean="0"/>
+                        <a:t>0.179</a:t>
+                      </a:r>
+                      <a:endParaRPr lang="en-US" dirty="0"/>
+                    </a:p>
+                  </a:txBody>
+                  <a:tcPr/>
+                </a:tc>
+              </a:tr>
+              <a:tr h="370840">
+                <a:tc>
+                  <a:txBody>
+                    <a:bodyPr/>
+                    <a:lstStyle/>
+                    <a:p>
+                      <a:r>
+                        <a:rPr lang="en-US" i="1" dirty="0" smtClean="0"/>
+                        <a:t>OTU  3</a:t>
+                      </a:r>
+                      <a:endParaRPr lang="en-US" i="1" dirty="0"/>
+                    </a:p>
+                  </a:txBody>
+                  <a:tcPr/>
+                </a:tc>
+                <a:tc>
+                  <a:txBody>
+                    <a:bodyPr/>
+                    <a:lstStyle/>
+                    <a:p>
+                      <a:r>
+                        <a:rPr lang="en-US" dirty="0" smtClean="0"/>
+                        <a:t>0.047</a:t>
+                      </a:r>
+                      <a:endParaRPr lang="en-US" dirty="0"/>
+                    </a:p>
+                  </a:txBody>
+                  <a:tcPr/>
+                </a:tc>
+                <a:tc>
+                  <a:txBody>
+                    <a:bodyPr/>
+                    <a:lstStyle/>
+                    <a:p>
+                      <a:r>
+                        <a:rPr lang="en-US" dirty="0" smtClean="0"/>
+                        <a:t>0.002</a:t>
+                      </a:r>
+                      <a:endParaRPr lang="en-US" dirty="0"/>
+                    </a:p>
+                  </a:txBody>
+                  <a:tcPr/>
+                </a:tc>
+                <a:tc>
+                  <a:txBody>
+                    <a:bodyPr/>
+                    <a:lstStyle/>
+                    <a:p>
+                      <a:r>
+                        <a:rPr lang="en-US" dirty="0" smtClean="0"/>
+                        <a:t>0.039</a:t>
+                      </a:r>
+                      <a:endParaRPr lang="en-US" dirty="0"/>
+                    </a:p>
+                  </a:txBody>
+                  <a:tcPr/>
+                </a:tc>
+              </a:tr>
+              <a:tr h="370840">
+                <a:tc>
+                  <a:txBody>
+                    <a:bodyPr/>
+                    <a:lstStyle/>
+                    <a:p>
+                      <a:pPr marL="0" marR="0" indent="0" algn="l" defTabSz="457200" rtl="0" eaLnBrk="1" fontAlgn="auto" latinLnBrk="0" hangingPunct="1">
+                        <a:lnSpc>
+                          <a:spcPct val="100000"/>
+                        </a:lnSpc>
+                        <a:spcBef>
+                          <a:spcPts val="0"/>
+                        </a:spcBef>
+                        <a:spcAft>
+                          <a:spcPts val="0"/>
+                        </a:spcAft>
+                        <a:buClrTx/>
+                        <a:buSzTx/>
+                        <a:buFontTx/>
+                        <a:buNone/>
+                        <a:tabLst/>
+                        <a:defRPr/>
+                      </a:pPr>
+                      <a:r>
+                        <a:rPr lang="en-US" i="1" dirty="0" smtClean="0"/>
+                        <a:t>OTU  3</a:t>
+                      </a:r>
+                    </a:p>
+                  </a:txBody>
+                  <a:tcPr/>
+                </a:tc>
+                <a:tc>
+                  <a:txBody>
+                    <a:bodyPr/>
+                    <a:lstStyle/>
+                    <a:p>
+                      <a:r>
+                        <a:rPr lang="en-US" dirty="0" smtClean="0"/>
+                        <a:t>0.953</a:t>
+                      </a:r>
+                      <a:endParaRPr lang="en-US" dirty="0"/>
+                    </a:p>
+                  </a:txBody>
+                  <a:tcPr/>
+                </a:tc>
+                <a:tc>
+                  <a:txBody>
+                    <a:bodyPr/>
+                    <a:lstStyle/>
+                    <a:p>
+                      <a:r>
+                        <a:rPr lang="en-US" dirty="0" smtClean="0"/>
+                        <a:t>0.032</a:t>
+                      </a:r>
+                      <a:endParaRPr lang="en-US" dirty="0"/>
+                    </a:p>
+                  </a:txBody>
+                  <a:tcPr/>
+                </a:tc>
+                <a:tc>
+                  <a:txBody>
+                    <a:bodyPr/>
+                    <a:lstStyle/>
+                    <a:p>
+                      <a:r>
+                        <a:rPr lang="en-US" dirty="0" smtClean="0"/>
+                        <a:t>0.782</a:t>
+                      </a:r>
+                      <a:endParaRPr lang="en-US" dirty="0"/>
+                    </a:p>
+                  </a:txBody>
+                  <a:tcPr/>
+                </a:tc>
+              </a:tr>
+            </a:tbl>
+          </a:graphicData>
+        </a:graphic>
+      </p:graphicFrame>
+      <p:sp>
+        <p:nvSpPr>
+          <p:cNvPr id="6" name="TextBox 5"/>
+          <p:cNvSpPr txBox="1"/>
+          <p:nvPr/>
+        </p:nvSpPr>
+        <p:spPr>
+          <a:xfrm>
+            <a:off x="85740" y="1633530"/>
+            <a:ext cx="2221582" cy="646331"/>
+          </a:xfrm>
+          <a:prstGeom prst="rect">
+            <a:avLst/>
+          </a:prstGeom>
+          <a:noFill/>
+        </p:spPr>
+        <p:txBody>
+          <a:bodyPr wrap="square" rtlCol="0">
+            <a:spAutoFit/>
+          </a:bodyPr>
+          <a:lstStyle/>
+          <a:p>
+            <a:r>
+              <a:rPr lang="en-US" b="1" dirty="0" smtClean="0"/>
+              <a:t>1.  OTU table (usually </a:t>
+            </a:r>
+            <a:r>
+              <a:rPr lang="en-US" b="1" dirty="0" err="1" smtClean="0"/>
+              <a:t>relativized</a:t>
+            </a:r>
+            <a:r>
+              <a:rPr lang="en-US" b="1" dirty="0" smtClean="0"/>
+              <a:t>)</a:t>
+            </a:r>
+          </a:p>
+        </p:txBody>
+      </p:sp>
+      <p:sp>
+        <p:nvSpPr>
+          <p:cNvPr id="8" name="TextBox 7"/>
+          <p:cNvSpPr txBox="1"/>
+          <p:nvPr/>
+        </p:nvSpPr>
+        <p:spPr>
+          <a:xfrm>
+            <a:off x="527064" y="3481116"/>
+            <a:ext cx="2221582" cy="923330"/>
+          </a:xfrm>
+          <a:prstGeom prst="rect">
+            <a:avLst/>
+          </a:prstGeom>
+          <a:noFill/>
+        </p:spPr>
+        <p:txBody>
+          <a:bodyPr wrap="square" rtlCol="0">
+            <a:spAutoFit/>
+          </a:bodyPr>
+          <a:lstStyle/>
+          <a:p>
+            <a:r>
+              <a:rPr lang="en-US" b="1" dirty="0" smtClean="0"/>
+              <a:t>2.  Chose appropriate resemblance (</a:t>
+            </a:r>
+            <a:r>
+              <a:rPr lang="en-US" b="1" i="1" dirty="0" smtClean="0"/>
+              <a:t>e.g., </a:t>
+            </a:r>
+            <a:r>
+              <a:rPr lang="en-US" b="1" dirty="0" smtClean="0"/>
+              <a:t>Bray Curtis, </a:t>
+            </a:r>
+            <a:r>
+              <a:rPr lang="en-US" b="1" dirty="0" err="1" smtClean="0"/>
+              <a:t>Unifrac</a:t>
+            </a:r>
+            <a:r>
+              <a:rPr lang="en-US" b="1" dirty="0" smtClean="0"/>
+              <a:t>)</a:t>
+            </a:r>
+          </a:p>
+        </p:txBody>
+      </p:sp>
+      <p:sp>
+        <p:nvSpPr>
+          <p:cNvPr id="9" name="TextBox 8"/>
+          <p:cNvSpPr txBox="1"/>
+          <p:nvPr/>
+        </p:nvSpPr>
+        <p:spPr>
+          <a:xfrm>
+            <a:off x="1236238" y="5252231"/>
+            <a:ext cx="3024816" cy="1200329"/>
+          </a:xfrm>
+          <a:prstGeom prst="rect">
+            <a:avLst/>
+          </a:prstGeom>
+          <a:noFill/>
+        </p:spPr>
+        <p:txBody>
+          <a:bodyPr wrap="square" rtlCol="0">
+            <a:spAutoFit/>
+          </a:bodyPr>
+          <a:lstStyle/>
+          <a:p>
+            <a:r>
+              <a:rPr lang="en-US" b="1" dirty="0" smtClean="0"/>
+              <a:t>3.  Create a square (observation </a:t>
+            </a:r>
+            <a:r>
+              <a:rPr lang="en-US" b="1" dirty="0" err="1" smtClean="0"/>
+              <a:t>x</a:t>
+            </a:r>
+            <a:r>
+              <a:rPr lang="en-US" b="1" dirty="0" smtClean="0"/>
+              <a:t> observation) resemblance matrix from pair-wise comparisons.</a:t>
+            </a:r>
+          </a:p>
+        </p:txBody>
+      </p:sp>
+      <p:graphicFrame>
+        <p:nvGraphicFramePr>
+          <p:cNvPr id="10" name="Table 9"/>
+          <p:cNvGraphicFramePr>
+            <a:graphicFrameLocks noGrp="1"/>
+          </p:cNvGraphicFramePr>
+          <p:nvPr/>
+        </p:nvGraphicFramePr>
+        <p:xfrm>
+          <a:off x="4039979" y="4024540"/>
+          <a:ext cx="4968427" cy="2560320"/>
+        </p:xfrm>
+        <a:graphic>
+          <a:graphicData uri="http://schemas.openxmlformats.org/drawingml/2006/table">
+            <a:tbl>
+              <a:tblPr firstRow="1" bandRow="1">
+                <a:tableStyleId>{1FECB4D8-DB02-4DC6-A0A2-4F2EBAE1DC90}</a:tableStyleId>
+              </a:tblPr>
+              <a:tblGrid>
+                <a:gridCol w="1242107"/>
+                <a:gridCol w="1208198"/>
+                <a:gridCol w="1228352"/>
+                <a:gridCol w="1289770"/>
+              </a:tblGrid>
+              <a:tr h="370840">
+                <a:tc>
+                  <a:txBody>
+                    <a:bodyPr/>
+                    <a:lstStyle/>
+                    <a:p>
+                      <a:endParaRPr lang="en-US" dirty="0"/>
+                    </a:p>
+                  </a:txBody>
+                  <a:tcPr>
+                    <a:lnL w="12700" cap="flat" cmpd="sng" algn="ctr">
+                      <a:solidFill>
+                        <a:srgbClr val="7F7F7F"/>
+                      </a:solidFill>
+                      <a:prstDash val="solid"/>
+                      <a:round/>
+                      <a:headEnd type="none" w="med" len="med"/>
+                      <a:tailEnd type="none" w="med" len="med"/>
+                    </a:lnL>
+                    <a:lnR w="12700" cap="flat" cmpd="sng" algn="ctr">
+                      <a:solidFill>
+                        <a:srgbClr val="7F7F7F"/>
+                      </a:solidFill>
+                      <a:prstDash val="solid"/>
+                      <a:round/>
+                      <a:headEnd type="none" w="med" len="med"/>
+                      <a:tailEnd type="none" w="med" len="med"/>
+                    </a:lnR>
+                    <a:lnT w="12700" cap="flat" cmpd="sng" algn="ctr">
+                      <a:solidFill>
+                        <a:srgbClr val="7F7F7F"/>
+                      </a:solidFill>
+                      <a:prstDash val="solid"/>
+                      <a:round/>
+                      <a:headEnd type="none" w="med" len="med"/>
+                      <a:tailEnd type="none" w="med" len="med"/>
+                    </a:lnT>
+                    <a:lnB w="12700" cap="flat" cmpd="sng" algn="ctr">
+                      <a:solidFill>
+                        <a:srgbClr val="7F7F7F"/>
+                      </a:solidFill>
+                      <a:prstDash val="solid"/>
+                      <a:round/>
+                      <a:headEnd type="none" w="med" len="med"/>
+                      <a:tailEnd type="none" w="med" len="med"/>
+                    </a:lnB>
+                  </a:tcPr>
+                </a:tc>
+                <a:tc>
+                  <a:txBody>
+                    <a:bodyPr/>
+                    <a:lstStyle/>
+                    <a:p>
+                      <a:r>
+                        <a:rPr lang="en-US" dirty="0" smtClean="0"/>
+                        <a:t>Caterpillar</a:t>
+                      </a:r>
+                      <a:r>
+                        <a:rPr lang="en-US" baseline="0" dirty="0" smtClean="0"/>
+                        <a:t> 1</a:t>
+                      </a:r>
+                      <a:endParaRPr lang="en-US" dirty="0"/>
+                    </a:p>
+                  </a:txBody>
+                  <a:tcPr>
+                    <a:lnL w="12700" cap="flat" cmpd="sng" algn="ctr">
+                      <a:solidFill>
+                        <a:srgbClr val="7F7F7F"/>
+                      </a:solidFill>
+                      <a:prstDash val="solid"/>
+                      <a:round/>
+                      <a:headEnd type="none" w="med" len="med"/>
+                      <a:tailEnd type="none" w="med" len="med"/>
+                    </a:lnL>
+                    <a:lnT w="12700" cap="flat" cmpd="sng" algn="ctr">
+                      <a:solidFill>
+                        <a:prstClr val="black">
+                          <a:lumMod val="50000"/>
+                          <a:lumOff val="50000"/>
+                        </a:prstClr>
+                      </a:solidFill>
+                      <a:prstDash val="solid"/>
+                      <a:round/>
+                      <a:headEnd type="none" w="med" len="med"/>
+                      <a:tailEnd type="none" w="med" len="med"/>
+                    </a:lnT>
+                    <a:lnB w="12700" cap="flat" cmpd="sng" algn="ctr">
+                      <a:solidFill>
+                        <a:srgbClr val="7F7F7F"/>
+                      </a:solidFill>
+                      <a:prstDash val="solid"/>
+                      <a:round/>
+                      <a:headEnd type="none" w="med" len="med"/>
+                      <a:tailEnd type="none" w="med" len="med"/>
+                    </a:lnB>
+                  </a:tcPr>
+                </a:tc>
+                <a:tc>
+                  <a:txBody>
+                    <a:bodyPr/>
+                    <a:lstStyle/>
+                    <a:p>
+                      <a:r>
+                        <a:rPr lang="en-US" dirty="0" smtClean="0"/>
+                        <a:t>Caterpillar</a:t>
+                      </a:r>
+                      <a:r>
+                        <a:rPr lang="en-US" baseline="0" dirty="0" smtClean="0"/>
+                        <a:t> 2</a:t>
+                      </a:r>
+                      <a:endParaRPr lang="en-US" dirty="0"/>
+                    </a:p>
+                  </a:txBody>
+                  <a:tcPr>
+                    <a:lnT w="12700" cap="flat" cmpd="sng" algn="ctr">
+                      <a:solidFill>
+                        <a:prstClr val="black">
+                          <a:lumMod val="50000"/>
+                          <a:lumOff val="50000"/>
+                        </a:prstClr>
+                      </a:solidFill>
+                      <a:prstDash val="solid"/>
+                      <a:round/>
+                      <a:headEnd type="none" w="med" len="med"/>
+                      <a:tailEnd type="none" w="med" len="med"/>
+                    </a:lnT>
+                    <a:lnB w="12700" cap="flat" cmpd="sng" algn="ctr">
+                      <a:solidFill>
+                        <a:srgbClr val="7F7F7F"/>
+                      </a:solidFill>
+                      <a:prstDash val="solid"/>
+                      <a:round/>
+                      <a:headEnd type="none" w="med" len="med"/>
+                      <a:tailEnd type="none" w="med" len="med"/>
+                    </a:lnB>
+                  </a:tcPr>
+                </a:tc>
+                <a:tc>
+                  <a:txBody>
+                    <a:bodyPr/>
+                    <a:lstStyle/>
+                    <a:p>
+                      <a:r>
+                        <a:rPr lang="en-US" dirty="0" smtClean="0"/>
+                        <a:t>Caterpillar</a:t>
+                      </a:r>
+                      <a:r>
+                        <a:rPr lang="en-US" baseline="0" dirty="0" smtClean="0"/>
+                        <a:t> 3</a:t>
+                      </a:r>
+                      <a:endParaRPr lang="en-US" dirty="0"/>
+                    </a:p>
+                  </a:txBody>
+                  <a:tcPr>
+                    <a:lnR w="12700" cap="flat" cmpd="sng" algn="ctr">
+                      <a:solidFill>
+                        <a:prstClr val="black">
+                          <a:lumMod val="50000"/>
+                          <a:lumOff val="50000"/>
+                        </a:prstClr>
+                      </a:solidFill>
+                      <a:prstDash val="solid"/>
+                      <a:round/>
+                      <a:headEnd type="none" w="med" len="med"/>
+                      <a:tailEnd type="none" w="med" len="med"/>
+                    </a:lnR>
+                    <a:lnT w="12700" cap="flat" cmpd="sng" algn="ctr">
+                      <a:solidFill>
+                        <a:prstClr val="black">
+                          <a:lumMod val="50000"/>
+                          <a:lumOff val="50000"/>
+                        </a:prstClr>
+                      </a:solidFill>
+                      <a:prstDash val="solid"/>
+                      <a:round/>
+                      <a:headEnd type="none" w="med" len="med"/>
+                      <a:tailEnd type="none" w="med" len="med"/>
+                    </a:lnT>
+                    <a:lnB w="12700" cap="flat" cmpd="sng" algn="ctr">
+                      <a:solidFill>
+                        <a:srgbClr val="7F7F7F"/>
+                      </a:solidFill>
+                      <a:prstDash val="solid"/>
+                      <a:round/>
+                      <a:headEnd type="none" w="med" len="med"/>
+                      <a:tailEnd type="none" w="med" len="med"/>
+                    </a:lnB>
+                  </a:tcPr>
+                </a:tc>
+              </a:tr>
+              <a:tr h="370840">
+                <a:tc>
+                  <a:txBody>
+                    <a:bodyPr/>
+                    <a:lstStyle/>
+                    <a:p>
+                      <a:r>
+                        <a:rPr lang="en-US" b="1" dirty="0" smtClean="0">
+                          <a:solidFill>
+                            <a:schemeClr val="bg1"/>
+                          </a:solidFill>
+                        </a:rPr>
+                        <a:t>Caterpillar</a:t>
+                      </a:r>
+                      <a:r>
+                        <a:rPr lang="en-US" b="1" baseline="0" dirty="0" smtClean="0">
+                          <a:solidFill>
+                            <a:schemeClr val="bg1"/>
+                          </a:solidFill>
+                        </a:rPr>
+                        <a:t> 1</a:t>
+                      </a:r>
+                      <a:endParaRPr lang="en-US" b="1" dirty="0">
+                        <a:solidFill>
+                          <a:schemeClr val="bg1"/>
+                        </a:solidFill>
+                      </a:endParaRPr>
+                    </a:p>
+                  </a:txBody>
+                  <a:tcPr>
+                    <a:lnL w="12700" cap="flat" cmpd="sng" algn="ctr">
+                      <a:solidFill>
+                        <a:srgbClr val="7F7F7F"/>
+                      </a:solidFill>
+                      <a:prstDash val="solid"/>
+                      <a:round/>
+                      <a:headEnd type="none" w="med" len="med"/>
+                      <a:tailEnd type="none" w="med" len="med"/>
+                    </a:lnL>
+                    <a:lnR w="12700" cap="flat" cmpd="sng" algn="ctr">
+                      <a:solidFill>
+                        <a:srgbClr val="7F7F7F"/>
+                      </a:solidFill>
+                      <a:prstDash val="solid"/>
+                      <a:round/>
+                      <a:headEnd type="none" w="med" len="med"/>
+                      <a:tailEnd type="none" w="med" len="med"/>
+                    </a:lnR>
+                    <a:lnT w="12700" cap="flat" cmpd="sng" algn="ctr">
+                      <a:solidFill>
+                        <a:srgbClr val="7F7F7F"/>
+                      </a:solidFill>
+                      <a:prstDash val="solid"/>
+                      <a:round/>
+                      <a:headEnd type="none" w="med" len="med"/>
+                      <a:tailEnd type="none" w="med" len="med"/>
+                    </a:lnT>
+                    <a:lnB w="12700" cap="flat" cmpd="sng" algn="ctr">
+                      <a:solidFill>
+                        <a:srgbClr val="7F7F7F"/>
+                      </a:solidFill>
+                      <a:prstDash val="solid"/>
+                      <a:round/>
+                      <a:headEnd type="none" w="med" len="med"/>
+                      <a:tailEnd type="none" w="med" len="med"/>
+                    </a:lnB>
+                    <a:solidFill>
+                      <a:schemeClr val="accent3"/>
+                    </a:solidFill>
+                  </a:tcPr>
+                </a:tc>
+                <a:tc>
+                  <a:txBody>
+                    <a:bodyPr/>
+                    <a:lstStyle/>
+                    <a:p>
+                      <a:r>
+                        <a:rPr lang="en-US" dirty="0" smtClean="0"/>
+                        <a:t>0</a:t>
+                      </a:r>
+                      <a:endParaRPr lang="en-US" dirty="0"/>
+                    </a:p>
+                  </a:txBody>
+                  <a:tcPr>
+                    <a:lnL w="12700" cap="flat" cmpd="sng" algn="ctr">
+                      <a:solidFill>
+                        <a:srgbClr val="7F7F7F"/>
+                      </a:solidFill>
+                      <a:prstDash val="solid"/>
+                      <a:round/>
+                      <a:headEnd type="none" w="med" len="med"/>
+                      <a:tailEnd type="none" w="med" len="med"/>
+                    </a:lnL>
+                    <a:lnR w="12700" cap="flat" cmpd="sng" algn="ctr">
+                      <a:solidFill>
+                        <a:srgbClr val="7F7F7F"/>
+                      </a:solidFill>
+                      <a:prstDash val="solid"/>
+                      <a:round/>
+                      <a:headEnd type="none" w="med" len="med"/>
+                      <a:tailEnd type="none" w="med" len="med"/>
+                    </a:lnR>
+                    <a:lnT w="12700" cap="flat" cmpd="sng" algn="ctr">
+                      <a:solidFill>
+                        <a:srgbClr val="7F7F7F"/>
+                      </a:solidFill>
+                      <a:prstDash val="solid"/>
+                      <a:round/>
+                      <a:headEnd type="none" w="med" len="med"/>
+                      <a:tailEnd type="none" w="med" len="med"/>
+                    </a:lnT>
+                    <a:lnB w="12700" cap="flat" cmpd="sng" algn="ctr">
+                      <a:solidFill>
+                        <a:srgbClr val="7F7F7F"/>
+                      </a:solidFill>
+                      <a:prstDash val="solid"/>
+                      <a:round/>
+                      <a:headEnd type="none" w="med" len="med"/>
+                      <a:tailEnd type="none" w="med" len="med"/>
+                    </a:lnB>
+                  </a:tcPr>
+                </a:tc>
+                <a:tc>
+                  <a:txBody>
+                    <a:bodyPr/>
+                    <a:lstStyle/>
+                    <a:p>
+                      <a:endParaRPr lang="en-US" dirty="0"/>
+                    </a:p>
+                  </a:txBody>
+                  <a:tcPr>
+                    <a:lnL w="12700" cap="flat" cmpd="sng" algn="ctr">
+                      <a:solidFill>
+                        <a:srgbClr val="7F7F7F"/>
+                      </a:solidFill>
+                      <a:prstDash val="solid"/>
+                      <a:round/>
+                      <a:headEnd type="none" w="med" len="med"/>
+                      <a:tailEnd type="none" w="med" len="med"/>
+                    </a:lnL>
+                    <a:lnR w="12700" cap="flat" cmpd="sng" algn="ctr">
+                      <a:solidFill>
+                        <a:srgbClr val="7F7F7F"/>
+                      </a:solidFill>
+                      <a:prstDash val="solid"/>
+                      <a:round/>
+                      <a:headEnd type="none" w="med" len="med"/>
+                      <a:tailEnd type="none" w="med" len="med"/>
+                    </a:lnR>
+                    <a:lnT w="12700" cap="flat" cmpd="sng" algn="ctr">
+                      <a:solidFill>
+                        <a:srgbClr val="7F7F7F"/>
+                      </a:solidFill>
+                      <a:prstDash val="solid"/>
+                      <a:round/>
+                      <a:headEnd type="none" w="med" len="med"/>
+                      <a:tailEnd type="none" w="med" len="med"/>
+                    </a:lnT>
+                    <a:lnB w="12700" cap="flat" cmpd="sng" algn="ctr">
+                      <a:solidFill>
+                        <a:srgbClr val="7F7F7F"/>
+                      </a:solidFill>
+                      <a:prstDash val="solid"/>
+                      <a:round/>
+                      <a:headEnd type="none" w="med" len="med"/>
+                      <a:tailEnd type="none" w="med" len="med"/>
+                    </a:lnB>
+                  </a:tcPr>
+                </a:tc>
+                <a:tc>
+                  <a:txBody>
+                    <a:bodyPr/>
+                    <a:lstStyle/>
+                    <a:p>
+                      <a:endParaRPr lang="en-US"/>
+                    </a:p>
+                  </a:txBody>
+                  <a:tcPr>
+                    <a:lnL w="12700" cap="flat" cmpd="sng" algn="ctr">
+                      <a:solidFill>
+                        <a:srgbClr val="7F7F7F"/>
+                      </a:solidFill>
+                      <a:prstDash val="solid"/>
+                      <a:round/>
+                      <a:headEnd type="none" w="med" len="med"/>
+                      <a:tailEnd type="none" w="med" len="med"/>
+                    </a:lnL>
+                    <a:lnR w="12700" cap="flat" cmpd="sng" algn="ctr">
+                      <a:solidFill>
+                        <a:srgbClr val="7F7F7F"/>
+                      </a:solidFill>
+                      <a:prstDash val="solid"/>
+                      <a:round/>
+                      <a:headEnd type="none" w="med" len="med"/>
+                      <a:tailEnd type="none" w="med" len="med"/>
+                    </a:lnR>
+                    <a:lnT w="12700" cap="flat" cmpd="sng" algn="ctr">
+                      <a:solidFill>
+                        <a:srgbClr val="7F7F7F"/>
+                      </a:solidFill>
+                      <a:prstDash val="solid"/>
+                      <a:round/>
+                      <a:headEnd type="none" w="med" len="med"/>
+                      <a:tailEnd type="none" w="med" len="med"/>
+                    </a:lnT>
+                    <a:lnB w="12700" cap="flat" cmpd="sng" algn="ctr">
+                      <a:solidFill>
+                        <a:srgbClr val="7F7F7F"/>
+                      </a:solidFill>
+                      <a:prstDash val="solid"/>
+                      <a:round/>
+                      <a:headEnd type="none" w="med" len="med"/>
+                      <a:tailEnd type="none" w="med" len="med"/>
+                    </a:lnB>
+                  </a:tcPr>
+                </a:tc>
+              </a:tr>
+              <a:tr h="370840">
+                <a:tc>
+                  <a:txBody>
+                    <a:bodyPr/>
+                    <a:lstStyle/>
+                    <a:p>
+                      <a:pPr marL="0" marR="0" indent="0" algn="l" defTabSz="457200" rtl="0" eaLnBrk="1" fontAlgn="auto" latinLnBrk="0" hangingPunct="1">
+                        <a:lnSpc>
+                          <a:spcPct val="100000"/>
+                        </a:lnSpc>
+                        <a:spcBef>
+                          <a:spcPts val="0"/>
+                        </a:spcBef>
+                        <a:spcAft>
+                          <a:spcPts val="0"/>
+                        </a:spcAft>
+                        <a:buClrTx/>
+                        <a:buSzTx/>
+                        <a:buFontTx/>
+                        <a:buNone/>
+                        <a:tabLst/>
+                        <a:defRPr/>
+                      </a:pPr>
+                      <a:r>
+                        <a:rPr lang="en-US" b="1" dirty="0" smtClean="0">
+                          <a:solidFill>
+                            <a:schemeClr val="bg1"/>
+                          </a:solidFill>
+                        </a:rPr>
+                        <a:t>Caterpillar</a:t>
+                      </a:r>
+                      <a:r>
+                        <a:rPr lang="en-US" b="1" baseline="0" dirty="0" smtClean="0">
+                          <a:solidFill>
+                            <a:schemeClr val="bg1"/>
+                          </a:solidFill>
+                        </a:rPr>
+                        <a:t> 2</a:t>
+                      </a:r>
+                      <a:endParaRPr lang="en-US" b="1" dirty="0" smtClean="0">
+                        <a:solidFill>
+                          <a:schemeClr val="bg1"/>
+                        </a:solidFill>
+                      </a:endParaRPr>
+                    </a:p>
+                  </a:txBody>
+                  <a:tcPr>
+                    <a:lnL w="12700" cap="flat" cmpd="sng" algn="ctr">
+                      <a:solidFill>
+                        <a:srgbClr val="7F7F7F"/>
+                      </a:solidFill>
+                      <a:prstDash val="solid"/>
+                      <a:round/>
+                      <a:headEnd type="none" w="med" len="med"/>
+                      <a:tailEnd type="none" w="med" len="med"/>
+                    </a:lnL>
+                    <a:lnR w="12700" cap="flat" cmpd="sng" algn="ctr">
+                      <a:solidFill>
+                        <a:srgbClr val="7F7F7F"/>
+                      </a:solidFill>
+                      <a:prstDash val="solid"/>
+                      <a:round/>
+                      <a:headEnd type="none" w="med" len="med"/>
+                      <a:tailEnd type="none" w="med" len="med"/>
+                    </a:lnR>
+                    <a:lnT w="12700" cap="flat" cmpd="sng" algn="ctr">
+                      <a:solidFill>
+                        <a:srgbClr val="7F7F7F"/>
+                      </a:solidFill>
+                      <a:prstDash val="solid"/>
+                      <a:round/>
+                      <a:headEnd type="none" w="med" len="med"/>
+                      <a:tailEnd type="none" w="med" len="med"/>
+                    </a:lnT>
+                    <a:lnB w="12700" cap="flat" cmpd="sng" algn="ctr">
+                      <a:solidFill>
+                        <a:srgbClr val="7F7F7F"/>
+                      </a:solidFill>
+                      <a:prstDash val="solid"/>
+                      <a:round/>
+                      <a:headEnd type="none" w="med" len="med"/>
+                      <a:tailEnd type="none" w="med" len="med"/>
+                    </a:lnB>
+                    <a:solidFill>
+                      <a:schemeClr val="accent3"/>
+                    </a:solidFill>
+                  </a:tcPr>
+                </a:tc>
+                <a:tc>
+                  <a:txBody>
+                    <a:bodyPr/>
+                    <a:lstStyle/>
+                    <a:p>
+                      <a:r>
+                        <a:rPr lang="en-US" dirty="0" smtClean="0"/>
+                        <a:t>0.966</a:t>
+                      </a:r>
+                      <a:endParaRPr lang="en-US" dirty="0"/>
+                    </a:p>
+                  </a:txBody>
+                  <a:tcPr>
+                    <a:lnL w="12700" cap="flat" cmpd="sng" algn="ctr">
+                      <a:solidFill>
+                        <a:srgbClr val="7F7F7F"/>
+                      </a:solidFill>
+                      <a:prstDash val="solid"/>
+                      <a:round/>
+                      <a:headEnd type="none" w="med" len="med"/>
+                      <a:tailEnd type="none" w="med" len="med"/>
+                    </a:lnL>
+                    <a:lnR w="12700" cap="flat" cmpd="sng" algn="ctr">
+                      <a:solidFill>
+                        <a:srgbClr val="7F7F7F"/>
+                      </a:solidFill>
+                      <a:prstDash val="solid"/>
+                      <a:round/>
+                      <a:headEnd type="none" w="med" len="med"/>
+                      <a:tailEnd type="none" w="med" len="med"/>
+                    </a:lnR>
+                    <a:lnT w="12700" cap="flat" cmpd="sng" algn="ctr">
+                      <a:solidFill>
+                        <a:srgbClr val="7F7F7F"/>
+                      </a:solidFill>
+                      <a:prstDash val="solid"/>
+                      <a:round/>
+                      <a:headEnd type="none" w="med" len="med"/>
+                      <a:tailEnd type="none" w="med" len="med"/>
+                    </a:lnT>
+                    <a:lnB w="12700" cap="flat" cmpd="sng" algn="ctr">
+                      <a:solidFill>
+                        <a:srgbClr val="7F7F7F"/>
+                      </a:solidFill>
+                      <a:prstDash val="solid"/>
+                      <a:round/>
+                      <a:headEnd type="none" w="med" len="med"/>
+                      <a:tailEnd type="none" w="med" len="med"/>
+                    </a:lnB>
+                  </a:tcPr>
+                </a:tc>
+                <a:tc>
+                  <a:txBody>
+                    <a:bodyPr/>
+                    <a:lstStyle/>
+                    <a:p>
+                      <a:r>
+                        <a:rPr lang="en-US" dirty="0" smtClean="0"/>
+                        <a:t>0</a:t>
+                      </a:r>
+                      <a:endParaRPr lang="en-US" dirty="0"/>
+                    </a:p>
+                  </a:txBody>
+                  <a:tcPr>
+                    <a:lnL w="12700" cap="flat" cmpd="sng" algn="ctr">
+                      <a:solidFill>
+                        <a:srgbClr val="7F7F7F"/>
+                      </a:solidFill>
+                      <a:prstDash val="solid"/>
+                      <a:round/>
+                      <a:headEnd type="none" w="med" len="med"/>
+                      <a:tailEnd type="none" w="med" len="med"/>
+                    </a:lnL>
+                    <a:lnR w="12700" cap="flat" cmpd="sng" algn="ctr">
+                      <a:solidFill>
+                        <a:srgbClr val="7F7F7F"/>
+                      </a:solidFill>
+                      <a:prstDash val="solid"/>
+                      <a:round/>
+                      <a:headEnd type="none" w="med" len="med"/>
+                      <a:tailEnd type="none" w="med" len="med"/>
+                    </a:lnR>
+                    <a:lnT w="12700" cap="flat" cmpd="sng" algn="ctr">
+                      <a:solidFill>
+                        <a:srgbClr val="7F7F7F"/>
+                      </a:solidFill>
+                      <a:prstDash val="solid"/>
+                      <a:round/>
+                      <a:headEnd type="none" w="med" len="med"/>
+                      <a:tailEnd type="none" w="med" len="med"/>
+                    </a:lnT>
+                    <a:lnB w="12700" cap="flat" cmpd="sng" algn="ctr">
+                      <a:solidFill>
+                        <a:srgbClr val="7F7F7F"/>
+                      </a:solidFill>
+                      <a:prstDash val="solid"/>
+                      <a:round/>
+                      <a:headEnd type="none" w="med" len="med"/>
+                      <a:tailEnd type="none" w="med" len="med"/>
+                    </a:lnB>
+                  </a:tcPr>
+                </a:tc>
+                <a:tc>
+                  <a:txBody>
+                    <a:bodyPr/>
+                    <a:lstStyle/>
+                    <a:p>
+                      <a:endParaRPr lang="en-US"/>
+                    </a:p>
+                  </a:txBody>
+                  <a:tcPr>
+                    <a:lnL w="12700" cap="flat" cmpd="sng" algn="ctr">
+                      <a:solidFill>
+                        <a:srgbClr val="7F7F7F"/>
+                      </a:solidFill>
+                      <a:prstDash val="solid"/>
+                      <a:round/>
+                      <a:headEnd type="none" w="med" len="med"/>
+                      <a:tailEnd type="none" w="med" len="med"/>
+                    </a:lnL>
+                    <a:lnR w="12700" cap="flat" cmpd="sng" algn="ctr">
+                      <a:solidFill>
+                        <a:srgbClr val="7F7F7F"/>
+                      </a:solidFill>
+                      <a:prstDash val="solid"/>
+                      <a:round/>
+                      <a:headEnd type="none" w="med" len="med"/>
+                      <a:tailEnd type="none" w="med" len="med"/>
+                    </a:lnR>
+                    <a:lnT w="12700" cap="flat" cmpd="sng" algn="ctr">
+                      <a:solidFill>
+                        <a:srgbClr val="7F7F7F"/>
+                      </a:solidFill>
+                      <a:prstDash val="solid"/>
+                      <a:round/>
+                      <a:headEnd type="none" w="med" len="med"/>
+                      <a:tailEnd type="none" w="med" len="med"/>
+                    </a:lnT>
+                    <a:lnB w="12700" cap="flat" cmpd="sng" algn="ctr">
+                      <a:solidFill>
+                        <a:srgbClr val="7F7F7F"/>
+                      </a:solidFill>
+                      <a:prstDash val="solid"/>
+                      <a:round/>
+                      <a:headEnd type="none" w="med" len="med"/>
+                      <a:tailEnd type="none" w="med" len="med"/>
+                    </a:lnB>
+                  </a:tcPr>
+                </a:tc>
+              </a:tr>
+              <a:tr h="370840">
+                <a:tc>
+                  <a:txBody>
+                    <a:bodyPr/>
+                    <a:lstStyle/>
+                    <a:p>
+                      <a:pPr marL="0" marR="0" indent="0" algn="l" defTabSz="457200" rtl="0" eaLnBrk="1" fontAlgn="auto" latinLnBrk="0" hangingPunct="1">
+                        <a:lnSpc>
+                          <a:spcPct val="100000"/>
+                        </a:lnSpc>
+                        <a:spcBef>
+                          <a:spcPts val="0"/>
+                        </a:spcBef>
+                        <a:spcAft>
+                          <a:spcPts val="0"/>
+                        </a:spcAft>
+                        <a:buClrTx/>
+                        <a:buSzTx/>
+                        <a:buFontTx/>
+                        <a:buNone/>
+                        <a:tabLst/>
+                        <a:defRPr/>
+                      </a:pPr>
+                      <a:r>
+                        <a:rPr lang="en-US" b="1" dirty="0" smtClean="0">
+                          <a:solidFill>
+                            <a:schemeClr val="bg1"/>
+                          </a:solidFill>
+                        </a:rPr>
+                        <a:t>Caterpillar 3</a:t>
+                      </a:r>
+                    </a:p>
+                  </a:txBody>
+                  <a:tcPr>
+                    <a:lnL w="12700" cap="flat" cmpd="sng" algn="ctr">
+                      <a:solidFill>
+                        <a:srgbClr val="7F7F7F"/>
+                      </a:solidFill>
+                      <a:prstDash val="solid"/>
+                      <a:round/>
+                      <a:headEnd type="none" w="med" len="med"/>
+                      <a:tailEnd type="none" w="med" len="med"/>
+                    </a:lnL>
+                    <a:lnR w="12700" cap="flat" cmpd="sng" algn="ctr">
+                      <a:solidFill>
+                        <a:srgbClr val="7F7F7F"/>
+                      </a:solidFill>
+                      <a:prstDash val="solid"/>
+                      <a:round/>
+                      <a:headEnd type="none" w="med" len="med"/>
+                      <a:tailEnd type="none" w="med" len="med"/>
+                    </a:lnR>
+                    <a:lnT w="12700" cap="flat" cmpd="sng" algn="ctr">
+                      <a:solidFill>
+                        <a:srgbClr val="7F7F7F"/>
+                      </a:solidFill>
+                      <a:prstDash val="solid"/>
+                      <a:round/>
+                      <a:headEnd type="none" w="med" len="med"/>
+                      <a:tailEnd type="none" w="med" len="med"/>
+                    </a:lnT>
+                    <a:lnB w="12700" cap="flat" cmpd="sng" algn="ctr">
+                      <a:solidFill>
+                        <a:srgbClr val="7F7F7F"/>
+                      </a:solidFill>
+                      <a:prstDash val="solid"/>
+                      <a:round/>
+                      <a:headEnd type="none" w="med" len="med"/>
+                      <a:tailEnd type="none" w="med" len="med"/>
+                    </a:lnB>
+                    <a:solidFill>
+                      <a:schemeClr val="accent3"/>
+                    </a:solidFill>
+                  </a:tcPr>
+                </a:tc>
+                <a:tc>
+                  <a:txBody>
+                    <a:bodyPr/>
+                    <a:lstStyle/>
+                    <a:p>
+                      <a:r>
+                        <a:rPr lang="en-US" dirty="0" smtClean="0"/>
+                        <a:t>0.179</a:t>
+                      </a:r>
+                      <a:endParaRPr lang="en-US" dirty="0"/>
+                    </a:p>
+                  </a:txBody>
+                  <a:tcPr>
+                    <a:lnL w="12700" cap="flat" cmpd="sng" algn="ctr">
+                      <a:solidFill>
+                        <a:srgbClr val="7F7F7F"/>
+                      </a:solidFill>
+                      <a:prstDash val="solid"/>
+                      <a:round/>
+                      <a:headEnd type="none" w="med" len="med"/>
+                      <a:tailEnd type="none" w="med" len="med"/>
+                    </a:lnL>
+                    <a:lnR w="12700" cap="flat" cmpd="sng" algn="ctr">
+                      <a:solidFill>
+                        <a:srgbClr val="7F7F7F"/>
+                      </a:solidFill>
+                      <a:prstDash val="solid"/>
+                      <a:round/>
+                      <a:headEnd type="none" w="med" len="med"/>
+                      <a:tailEnd type="none" w="med" len="med"/>
+                    </a:lnR>
+                    <a:lnT w="12700" cap="flat" cmpd="sng" algn="ctr">
+                      <a:solidFill>
+                        <a:srgbClr val="7F7F7F"/>
+                      </a:solidFill>
+                      <a:prstDash val="solid"/>
+                      <a:round/>
+                      <a:headEnd type="none" w="med" len="med"/>
+                      <a:tailEnd type="none" w="med" len="med"/>
+                    </a:lnT>
+                    <a:lnB w="12700" cap="flat" cmpd="sng" algn="ctr">
+                      <a:solidFill>
+                        <a:srgbClr val="7F7F7F"/>
+                      </a:solidFill>
+                      <a:prstDash val="solid"/>
+                      <a:round/>
+                      <a:headEnd type="none" w="med" len="med"/>
+                      <a:tailEnd type="none" w="med" len="med"/>
+                    </a:lnB>
+                  </a:tcPr>
+                </a:tc>
+                <a:tc>
+                  <a:txBody>
+                    <a:bodyPr/>
+                    <a:lstStyle/>
+                    <a:p>
+                      <a:r>
+                        <a:rPr lang="en-US" dirty="0" smtClean="0"/>
+                        <a:t>0.787</a:t>
+                      </a:r>
+                      <a:endParaRPr lang="en-US" dirty="0"/>
+                    </a:p>
+                  </a:txBody>
+                  <a:tcPr>
+                    <a:lnL w="12700" cap="flat" cmpd="sng" algn="ctr">
+                      <a:solidFill>
+                        <a:srgbClr val="7F7F7F"/>
+                      </a:solidFill>
+                      <a:prstDash val="solid"/>
+                      <a:round/>
+                      <a:headEnd type="none" w="med" len="med"/>
+                      <a:tailEnd type="none" w="med" len="med"/>
+                    </a:lnL>
+                    <a:lnR w="12700" cap="flat" cmpd="sng" algn="ctr">
+                      <a:solidFill>
+                        <a:srgbClr val="7F7F7F"/>
+                      </a:solidFill>
+                      <a:prstDash val="solid"/>
+                      <a:round/>
+                      <a:headEnd type="none" w="med" len="med"/>
+                      <a:tailEnd type="none" w="med" len="med"/>
+                    </a:lnR>
+                    <a:lnT w="12700" cap="flat" cmpd="sng" algn="ctr">
+                      <a:solidFill>
+                        <a:srgbClr val="7F7F7F"/>
+                      </a:solidFill>
+                      <a:prstDash val="solid"/>
+                      <a:round/>
+                      <a:headEnd type="none" w="med" len="med"/>
+                      <a:tailEnd type="none" w="med" len="med"/>
+                    </a:lnT>
+                    <a:lnB w="12700" cap="flat" cmpd="sng" algn="ctr">
+                      <a:solidFill>
+                        <a:srgbClr val="7F7F7F"/>
+                      </a:solidFill>
+                      <a:prstDash val="solid"/>
+                      <a:round/>
+                      <a:headEnd type="none" w="med" len="med"/>
+                      <a:tailEnd type="none" w="med" len="med"/>
+                    </a:lnB>
+                  </a:tcPr>
+                </a:tc>
+                <a:tc>
+                  <a:txBody>
+                    <a:bodyPr/>
+                    <a:lstStyle/>
+                    <a:p>
+                      <a:r>
+                        <a:rPr lang="en-US" dirty="0" smtClean="0"/>
+                        <a:t>0</a:t>
+                      </a:r>
+                      <a:endParaRPr lang="en-US" dirty="0"/>
+                    </a:p>
+                  </a:txBody>
+                  <a:tcPr>
+                    <a:lnL w="12700" cap="flat" cmpd="sng" algn="ctr">
+                      <a:solidFill>
+                        <a:srgbClr val="7F7F7F"/>
+                      </a:solidFill>
+                      <a:prstDash val="solid"/>
+                      <a:round/>
+                      <a:headEnd type="none" w="med" len="med"/>
+                      <a:tailEnd type="none" w="med" len="med"/>
+                    </a:lnL>
+                    <a:lnR w="12700" cap="flat" cmpd="sng" algn="ctr">
+                      <a:solidFill>
+                        <a:srgbClr val="7F7F7F"/>
+                      </a:solidFill>
+                      <a:prstDash val="solid"/>
+                      <a:round/>
+                      <a:headEnd type="none" w="med" len="med"/>
+                      <a:tailEnd type="none" w="med" len="med"/>
+                    </a:lnR>
+                    <a:lnT w="12700" cap="flat" cmpd="sng" algn="ctr">
+                      <a:solidFill>
+                        <a:srgbClr val="7F7F7F"/>
+                      </a:solidFill>
+                      <a:prstDash val="solid"/>
+                      <a:round/>
+                      <a:headEnd type="none" w="med" len="med"/>
+                      <a:tailEnd type="none" w="med" len="med"/>
+                    </a:lnT>
+                    <a:lnB w="12700" cap="flat" cmpd="sng" algn="ctr">
+                      <a:solidFill>
+                        <a:srgbClr val="7F7F7F"/>
+                      </a:solidFill>
+                      <a:prstDash val="solid"/>
+                      <a:round/>
+                      <a:headEnd type="none" w="med" len="med"/>
+                      <a:tailEnd type="none" w="med" len="med"/>
+                    </a:lnB>
+                  </a:tcPr>
+                </a:tc>
+              </a:tr>
+            </a:tbl>
+          </a:graphicData>
+        </a:graphic>
+      </p:graphicFrame>
+      <p:sp>
+        <p:nvSpPr>
+          <p:cNvPr id="13" name="Down Arrow 12"/>
+          <p:cNvSpPr/>
+          <p:nvPr/>
+        </p:nvSpPr>
+        <p:spPr>
+          <a:xfrm>
+            <a:off x="5647864" y="3307410"/>
+            <a:ext cx="445884" cy="595540"/>
+          </a:xfrm>
+          <a:prstGeom prst="downArrow">
+            <a:avLst/>
+          </a:prstGeom>
+        </p:spPr>
+        <p:style>
+          <a:lnRef idx="1">
+            <a:schemeClr val="accent2"/>
+          </a:lnRef>
+          <a:fillRef idx="3">
+            <a:schemeClr val="accent2"/>
+          </a:fillRef>
+          <a:effectRef idx="2">
+            <a:schemeClr val="accent2"/>
+          </a:effectRef>
+          <a:fontRef idx="minor">
+            <a:schemeClr val="lt1"/>
+          </a:fontRef>
+        </p:style>
+        <p:txBody>
+          <a:bodyPr rtlCol="0" anchor="ctr"/>
+          <a:lstStyle/>
+          <a:p>
+            <a:pPr algn="ctr"/>
+            <a:endParaRPr lang="en-US"/>
+          </a:p>
+        </p:txBody>
+      </p:sp>
+      <p:sp>
+        <p:nvSpPr>
+          <p:cNvPr id="11" name="Slide Number Placeholder 10"/>
+          <p:cNvSpPr>
+            <a:spLocks noGrp="1"/>
+          </p:cNvSpPr>
+          <p:nvPr>
+            <p:ph type="sldNum" sz="quarter" idx="12"/>
+          </p:nvPr>
+        </p:nvSpPr>
+        <p:spPr/>
+        <p:txBody>
+          <a:bodyPr/>
+          <a:lstStyle/>
+          <a:p>
+            <a:fld id="{FF4AB13A-4A28-2443-998B-BC001F0E380D}" type="slidenum">
+              <a:rPr lang="en-US" smtClean="0"/>
+              <a:pPr/>
+              <a:t>9</a:t>
+            </a:fld>
+            <a:endParaRPr lang="en-US"/>
+          </a:p>
+        </p:txBody>
+      </p:sp>
+    </p:spTree>
+    <p:extLst>
+      <p:ext uri="{BB962C8B-B14F-4D97-AF65-F5344CB8AC3E}">
+        <p14:creationId xmlns:p14="http://schemas.microsoft.com/office/powerpoint/2010/main" val="2046022339"/>
+      </p:ext>
+    </p:extLst>
+  </p:cSld>
+  <p:clrMapOvr>
+    <a:masterClrMapping/>
+  </p:clrMapOvr>
+  <p:timing>
+    <p:tnLst>
+      <p:par>
+        <p:cTn xmlns:p14="http://schemas.microsoft.com/office/powerpoint/2010/main" id="1" dur="indefinite" restart="never" nodeType="tmRoot">
+          <p:childTnLst>
+            <p:seq concurrent="1" nextAc="seek">
+              <p:cTn id="2" dur="indefinite" nodeType="mainSeq">
+                <p:childTnLst>
+                  <p:par>
+                    <p:cTn id="3" fill="hold">
+                      <p:stCondLst>
+                        <p:cond delay="indefinite"/>
+                      </p:stCondLst>
+                      <p:childTnLst>
+                        <p:par>
+                          <p:cTn id="4" fill="hold">
+                            <p:stCondLst>
+                              <p:cond delay="0"/>
+                            </p:stCondLst>
+                            <p:childTnLst>
+                              <p:par>
+                                <p:cTn id="5" presetID="1" presetClass="entr" presetSubtype="0" fill="hold" grpId="0" nodeType="clickEffect">
+                                  <p:stCondLst>
+                                    <p:cond delay="0"/>
+                                  </p:stCondLst>
+                                  <p:childTnLst>
+                                    <p:set>
+                                      <p:cBhvr>
+                                        <p:cTn id="6" dur="1" fill="hold">
+                                          <p:stCondLst>
+                                            <p:cond delay="0"/>
+                                          </p:stCondLst>
+                                        </p:cTn>
+                                        <p:tgtEl>
+                                          <p:spTgt spid="8"/>
+                                        </p:tgtEl>
+                                        <p:attrNameLst>
+                                          <p:attrName>style.visibility</p:attrName>
+                                        </p:attrNameLst>
+                                      </p:cBhvr>
+                                      <p:to>
+                                        <p:strVal val="visible"/>
+                                      </p:to>
+                                    </p:set>
+                                  </p:childTnLst>
+                                </p:cTn>
+                              </p:par>
+                            </p:childTnLst>
+                          </p:cTn>
+                        </p:par>
+                      </p:childTnLst>
+                    </p:cTn>
+                  </p:par>
+                  <p:par>
+                    <p:cTn id="7" fill="hold">
+                      <p:stCondLst>
+                        <p:cond delay="indefinite"/>
+                      </p:stCondLst>
+                      <p:childTnLst>
+                        <p:par>
+                          <p:cTn id="8" fill="hold">
+                            <p:stCondLst>
+                              <p:cond delay="0"/>
+                            </p:stCondLst>
+                            <p:childTnLst>
+                              <p:par>
+                                <p:cTn id="9" presetID="1" presetClass="entr" presetSubtype="0" fill="hold" nodeType="clickEffect">
+                                  <p:stCondLst>
+                                    <p:cond delay="0"/>
+                                  </p:stCondLst>
+                                  <p:childTnLst>
+                                    <p:set>
+                                      <p:cBhvr>
+                                        <p:cTn id="10" dur="1" fill="hold">
+                                          <p:stCondLst>
+                                            <p:cond delay="0"/>
+                                          </p:stCondLst>
+                                        </p:cTn>
+                                        <p:tgtEl>
+                                          <p:spTgt spid="10"/>
+                                        </p:tgtEl>
+                                        <p:attrNameLst>
+                                          <p:attrName>style.visibility</p:attrName>
+                                        </p:attrNameLst>
+                                      </p:cBhvr>
+                                      <p:to>
+                                        <p:strVal val="visible"/>
+                                      </p:to>
+                                    </p:set>
+                                  </p:childTnLst>
+                                </p:cTn>
+                              </p:par>
+                              <p:par>
+                                <p:cTn id="11" presetID="1" presetClass="entr" presetSubtype="0" fill="hold" grpId="0" nodeType="withEffect">
+                                  <p:stCondLst>
+                                    <p:cond delay="0"/>
+                                  </p:stCondLst>
+                                  <p:childTnLst>
+                                    <p:set>
+                                      <p:cBhvr>
+                                        <p:cTn id="12" dur="1" fill="hold">
+                                          <p:stCondLst>
+                                            <p:cond delay="0"/>
+                                          </p:stCondLst>
+                                        </p:cTn>
+                                        <p:tgtEl>
+                                          <p:spTgt spid="9"/>
+                                        </p:tgtEl>
+                                        <p:attrNameLst>
+                                          <p:attrName>style.visibility</p:attrName>
+                                        </p:attrNameLst>
+                                      </p:cBhvr>
+                                      <p:to>
+                                        <p:strVal val="visible"/>
+                                      </p:to>
+                                    </p:set>
+                                  </p:childTnLst>
+                                </p:cTn>
+                              </p:par>
+                            </p:childTnLst>
+                          </p:cTn>
+                        </p:par>
+                      </p:childTnLst>
+                    </p:cTn>
+                  </p:par>
+                </p:childTnLst>
+              </p:cTn>
+              <p:prevCondLst>
+                <p:cond evt="onPrev" delay="0">
+                  <p:tgtEl>
+                    <p:sldTgt/>
+                  </p:tgtEl>
+                </p:cond>
+              </p:prevCondLst>
+              <p:nextCondLst>
+                <p:cond evt="onNext" delay="0">
+                  <p:tgtEl>
+                    <p:sldTgt/>
+                  </p:tgtEl>
+                </p:cond>
+              </p:nextCondLst>
+            </p:seq>
+          </p:childTnLst>
+        </p:cTn>
+      </p:par>
+    </p:tnLst>
+    <p:bldLst>
+      <p:bldP spid="8" grpId="0"/>
+      <p:bldP spid="9" grpId="0"/>
     </p:bldLst>
   </p:timing>
 </p:sld>
